--- a/restricted/slides13f.pptx
+++ b/restricted/slides13f.pptx
@@ -6,10 +6,10 @@
     <p:sldMasterId id="2147483687" r:id="rId2"/>
   </p:sldMasterIdLst>
   <p:notesMasterIdLst>
-    <p:notesMasterId r:id="rId68"/>
+    <p:notesMasterId r:id="rId69"/>
   </p:notesMasterIdLst>
   <p:handoutMasterIdLst>
-    <p:handoutMasterId r:id="rId69"/>
+    <p:handoutMasterId r:id="rId70"/>
   </p:handoutMasterIdLst>
   <p:sldIdLst>
     <p:sldId id="764" r:id="rId3"/>
@@ -39,78 +39,79 @@
     <p:sldId id="789" r:id="rId27"/>
     <p:sldId id="790" r:id="rId28"/>
     <p:sldId id="791" r:id="rId29"/>
-    <p:sldId id="793" r:id="rId30"/>
-    <p:sldId id="806" r:id="rId31"/>
-    <p:sldId id="794" r:id="rId32"/>
-    <p:sldId id="795" r:id="rId33"/>
-    <p:sldId id="796" r:id="rId34"/>
-    <p:sldId id="805" r:id="rId35"/>
-    <p:sldId id="803" r:id="rId36"/>
-    <p:sldId id="798" r:id="rId37"/>
-    <p:sldId id="832" r:id="rId38"/>
-    <p:sldId id="833" r:id="rId39"/>
-    <p:sldId id="834" r:id="rId40"/>
-    <p:sldId id="845" r:id="rId41"/>
-    <p:sldId id="846" r:id="rId42"/>
-    <p:sldId id="836" r:id="rId43"/>
-    <p:sldId id="804" r:id="rId44"/>
-    <p:sldId id="816" r:id="rId45"/>
-    <p:sldId id="820" r:id="rId46"/>
-    <p:sldId id="821" r:id="rId47"/>
-    <p:sldId id="826" r:id="rId48"/>
-    <p:sldId id="842" r:id="rId49"/>
-    <p:sldId id="844" r:id="rId50"/>
-    <p:sldId id="838" r:id="rId51"/>
-    <p:sldId id="841" r:id="rId52"/>
-    <p:sldId id="839" r:id="rId53"/>
-    <p:sldId id="840" r:id="rId54"/>
-    <p:sldId id="807" r:id="rId55"/>
-    <p:sldId id="808" r:id="rId56"/>
-    <p:sldId id="823" r:id="rId57"/>
-    <p:sldId id="817" r:id="rId58"/>
-    <p:sldId id="822" r:id="rId59"/>
-    <p:sldId id="809" r:id="rId60"/>
-    <p:sldId id="824" r:id="rId61"/>
-    <p:sldId id="810" r:id="rId62"/>
-    <p:sldId id="811" r:id="rId63"/>
-    <p:sldId id="812" r:id="rId64"/>
-    <p:sldId id="813" r:id="rId65"/>
-    <p:sldId id="814" r:id="rId66"/>
-    <p:sldId id="801" r:id="rId67"/>
+    <p:sldId id="847" r:id="rId30"/>
+    <p:sldId id="793" r:id="rId31"/>
+    <p:sldId id="806" r:id="rId32"/>
+    <p:sldId id="794" r:id="rId33"/>
+    <p:sldId id="795" r:id="rId34"/>
+    <p:sldId id="796" r:id="rId35"/>
+    <p:sldId id="805" r:id="rId36"/>
+    <p:sldId id="803" r:id="rId37"/>
+    <p:sldId id="798" r:id="rId38"/>
+    <p:sldId id="832" r:id="rId39"/>
+    <p:sldId id="833" r:id="rId40"/>
+    <p:sldId id="834" r:id="rId41"/>
+    <p:sldId id="845" r:id="rId42"/>
+    <p:sldId id="846" r:id="rId43"/>
+    <p:sldId id="836" r:id="rId44"/>
+    <p:sldId id="804" r:id="rId45"/>
+    <p:sldId id="816" r:id="rId46"/>
+    <p:sldId id="820" r:id="rId47"/>
+    <p:sldId id="821" r:id="rId48"/>
+    <p:sldId id="826" r:id="rId49"/>
+    <p:sldId id="842" r:id="rId50"/>
+    <p:sldId id="844" r:id="rId51"/>
+    <p:sldId id="838" r:id="rId52"/>
+    <p:sldId id="841" r:id="rId53"/>
+    <p:sldId id="839" r:id="rId54"/>
+    <p:sldId id="840" r:id="rId55"/>
+    <p:sldId id="807" r:id="rId56"/>
+    <p:sldId id="808" r:id="rId57"/>
+    <p:sldId id="823" r:id="rId58"/>
+    <p:sldId id="817" r:id="rId59"/>
+    <p:sldId id="822" r:id="rId60"/>
+    <p:sldId id="809" r:id="rId61"/>
+    <p:sldId id="824" r:id="rId62"/>
+    <p:sldId id="810" r:id="rId63"/>
+    <p:sldId id="811" r:id="rId64"/>
+    <p:sldId id="812" r:id="rId65"/>
+    <p:sldId id="813" r:id="rId66"/>
+    <p:sldId id="814" r:id="rId67"/>
+    <p:sldId id="801" r:id="rId68"/>
   </p:sldIdLst>
   <p:sldSz cx="9144000" cy="6858000" type="screen4x3"/>
   <p:notesSz cx="7315200" cy="9601200"/>
   <p:embeddedFontLst>
     <p:embeddedFont>
       <p:font typeface="Comic Sans MS"/>
-      <p:regular r:id="rId70"/>
-      <p:bold r:id="rId71"/>
+      <p:regular r:id="rId71"/>
+      <p:bold r:id="rId72"/>
     </p:embeddedFont>
     <p:embeddedFont>
       <p:font typeface="cmsy10"/>
-      <p:regular r:id="rId72"/>
+      <p:regular r:id="rId73"/>
     </p:embeddedFont>
     <p:embeddedFont>
       <p:font typeface="Euclid Symbol" charset="2"/>
-      <p:regular r:id="rId73"/>
-      <p:bold r:id="rId74"/>
-      <p:italic r:id="rId75"/>
-      <p:boldItalic r:id="rId76"/>
+      <p:regular r:id="rId74"/>
+      <p:bold r:id="rId75"/>
+      <p:italic r:id="rId76"/>
+      <p:boldItalic r:id="rId77"/>
     </p:embeddedFont>
     <p:embeddedFont>
       <p:font typeface="Euclid"/>
-      <p:regular r:id="rId77"/>
-      <p:bold r:id="rId78"/>
-      <p:italic r:id="rId79"/>
-      <p:boldItalic r:id="rId80"/>
+      <p:regular r:id="rId78"/>
+      <p:bold r:id="rId79"/>
+      <p:italic r:id="rId80"/>
+      <p:boldItalic r:id="rId81"/>
     </p:embeddedFont>
     <p:embeddedFont>
       <p:font typeface="Arial Unicode MS"/>
-      <p:regular r:id="rId81"/>
+      <p:regular r:id="rId82"/>
     </p:embeddedFont>
   </p:embeddedFontLst>
   <p:custDataLst>
-    <p:tags r:id="rId83"/>
+    <p:tags r:id="rId84"/>
   </p:custDataLst>
   <p:defaultTextStyle>
     <a:defPPr>
@@ -2721,7 +2722,7 @@
       </p:grpSpPr>
       <p:sp>
         <p:nvSpPr>
-          <p:cNvPr id="84994" name="Rectangle 7"/>
+          <p:cNvPr id="82946" name="Rectangle 7"/>
           <p:cNvSpPr>
             <a:spLocks noGrp="1" noChangeArrowheads="1"/>
           </p:cNvSpPr>
@@ -2736,7 +2737,7 @@
           <a:bodyPr/>
           <a:lstStyle/>
           <a:p>
-            <a:fld id="{D2EF288E-83B7-4C4D-B8FC-65471DDB030C}" type="slidenum">
+            <a:fld id="{6930F263-5C53-4B37-9EAE-BECA69AE5181}" type="slidenum">
               <a:rPr lang="en-US"/>
               <a:pPr/>
               <a:t>28</a:t>
@@ -2747,7 +2748,7 @@
       </p:sp>
       <p:sp>
         <p:nvSpPr>
-          <p:cNvPr id="84995" name="Rectangle 2"/>
+          <p:cNvPr id="82947" name="Rectangle 2"/>
           <p:cNvSpPr>
             <a:spLocks noGrp="1" noRot="1" noChangeAspect="1" noChangeArrowheads="1" noTextEdit="1"/>
           </p:cNvSpPr>
@@ -2761,7 +2762,7 @@
       </p:sp>
       <p:sp>
         <p:nvSpPr>
-          <p:cNvPr id="84996" name="Rectangle 3"/>
+          <p:cNvPr id="82948" name="Rectangle 3"/>
           <p:cNvSpPr>
             <a:spLocks noGrp="1" noChangeArrowheads="1"/>
           </p:cNvSpPr>
@@ -2778,7 +2779,7 @@
           <a:lstStyle/>
           <a:p>
             <a:pPr eaLnBrk="1" hangingPunct="1"/>
-            <a:endParaRPr lang="en-US" smtClean="0"/>
+            <a:endParaRPr lang="en-US" dirty="0" smtClean="0"/>
           </a:p>
         </p:txBody>
       </p:sp>
@@ -2985,6 +2986,94 @@
       </p:grpSpPr>
       <p:sp>
         <p:nvSpPr>
+          <p:cNvPr id="84994" name="Rectangle 7"/>
+          <p:cNvSpPr>
+            <a:spLocks noGrp="1" noChangeArrowheads="1"/>
+          </p:cNvSpPr>
+          <p:nvPr>
+            <p:ph type="sldNum" sz="quarter" idx="5"/>
+          </p:nvPr>
+        </p:nvSpPr>
+        <p:spPr>
+          <a:noFill/>
+        </p:spPr>
+        <p:txBody>
+          <a:bodyPr/>
+          <a:lstStyle/>
+          <a:p>
+            <a:fld id="{D2EF288E-83B7-4C4D-B8FC-65471DDB030C}" type="slidenum">
+              <a:rPr lang="en-US"/>
+              <a:pPr/>
+              <a:t>30</a:t>
+            </a:fld>
+            <a:endParaRPr lang="en-US"/>
+          </a:p>
+        </p:txBody>
+      </p:sp>
+      <p:sp>
+        <p:nvSpPr>
+          <p:cNvPr id="84995" name="Rectangle 2"/>
+          <p:cNvSpPr>
+            <a:spLocks noGrp="1" noRot="1" noChangeAspect="1" noChangeArrowheads="1" noTextEdit="1"/>
+          </p:cNvSpPr>
+          <p:nvPr>
+            <p:ph type="sldImg"/>
+          </p:nvPr>
+        </p:nvSpPr>
+        <p:spPr>
+          <a:ln/>
+        </p:spPr>
+      </p:sp>
+      <p:sp>
+        <p:nvSpPr>
+          <p:cNvPr id="84996" name="Rectangle 3"/>
+          <p:cNvSpPr>
+            <a:spLocks noGrp="1" noChangeArrowheads="1"/>
+          </p:cNvSpPr>
+          <p:nvPr>
+            <p:ph type="body" idx="1"/>
+          </p:nvPr>
+        </p:nvSpPr>
+        <p:spPr>
+          <a:noFill/>
+          <a:ln/>
+        </p:spPr>
+        <p:txBody>
+          <a:bodyPr/>
+          <a:lstStyle/>
+          <a:p>
+            <a:pPr eaLnBrk="1" hangingPunct="1"/>
+            <a:endParaRPr lang="en-US" smtClean="0"/>
+          </a:p>
+        </p:txBody>
+      </p:sp>
+    </p:spTree>
+  </p:cSld>
+  <p:clrMapOvr>
+    <a:masterClrMapping/>
+  </p:clrMapOvr>
+</p:notes>
+</file>
+
+<file path=ppt/notesSlides/notesSlide31.xml><?xml version="1.0" encoding="utf-8"?>
+<p:notes xmlns:a="http://schemas.openxmlformats.org/drawingml/2006/main" xmlns:r="http://schemas.openxmlformats.org/officeDocument/2006/relationships" xmlns:mc="http://schemas.openxmlformats.org/markup-compatibility/2006" xmlns:mv="urn:schemas-microsoft-com:mac:vml" xmlns:p="http://schemas.openxmlformats.org/presentationml/2006/main" mc:Ignorable="mv" mc:PreserveAttributes="mv:*">
+  <p:cSld>
+    <p:spTree>
+      <p:nvGrpSpPr>
+        <p:cNvPr id="1" name=""/>
+        <p:cNvGrpSpPr/>
+        <p:nvPr/>
+      </p:nvGrpSpPr>
+      <p:grpSpPr>
+        <a:xfrm>
+          <a:off x="0" y="0"/>
+          <a:ext cx="0" cy="0"/>
+          <a:chOff x="0" y="0"/>
+          <a:chExt cx="0" cy="0"/>
+        </a:xfrm>
+      </p:grpSpPr>
+      <p:sp>
+        <p:nvSpPr>
           <p:cNvPr id="86018" name="Rectangle 7"/>
           <p:cNvSpPr>
             <a:spLocks noGrp="1" noChangeArrowheads="1"/>
@@ -3003,7 +3092,7 @@
             <a:fld id="{984906FB-C5CB-4728-854F-836E6D80BB25}" type="slidenum">
               <a:rPr lang="en-US"/>
               <a:pPr/>
-              <a:t>30</a:t>
+              <a:t>31</a:t>
             </a:fld>
             <a:endParaRPr lang="en-US"/>
           </a:p>
@@ -3054,7 +3143,7 @@
 </p:notes>
 </file>
 
-<file path=ppt/notesSlides/notesSlide31.xml><?xml version="1.0" encoding="utf-8"?>
+<file path=ppt/notesSlides/notesSlide32.xml><?xml version="1.0" encoding="utf-8"?>
 <p:notes xmlns:a="http://schemas.openxmlformats.org/drawingml/2006/main" xmlns:r="http://schemas.openxmlformats.org/officeDocument/2006/relationships" xmlns:mc="http://schemas.openxmlformats.org/markup-compatibility/2006" xmlns:mv="urn:schemas-microsoft-com:mac:vml" xmlns:p="http://schemas.openxmlformats.org/presentationml/2006/main" mc:Ignorable="mv" mc:PreserveAttributes="mv:*">
   <p:cSld>
     <p:spTree>
@@ -3091,7 +3180,7 @@
             <a:fld id="{3F183194-98C9-4413-984E-18B2C48D4821}" type="slidenum">
               <a:rPr lang="en-US"/>
               <a:pPr/>
-              <a:t>31</a:t>
+              <a:t>32</a:t>
             </a:fld>
             <a:endParaRPr lang="en-US"/>
           </a:p>
@@ -3142,7 +3231,7 @@
 </p:notes>
 </file>
 
-<file path=ppt/notesSlides/notesSlide32.xml><?xml version="1.0" encoding="utf-8"?>
+<file path=ppt/notesSlides/notesSlide33.xml><?xml version="1.0" encoding="utf-8"?>
 <p:notes xmlns:a="http://schemas.openxmlformats.org/drawingml/2006/main" xmlns:r="http://schemas.openxmlformats.org/officeDocument/2006/relationships" xmlns:mc="http://schemas.openxmlformats.org/markup-compatibility/2006" xmlns:mv="urn:schemas-microsoft-com:mac:vml" xmlns:p="http://schemas.openxmlformats.org/presentationml/2006/main" mc:Ignorable="mv" mc:PreserveAttributes="mv:*">
   <p:cSld>
     <p:spTree>
@@ -3179,7 +3268,7 @@
             <a:fld id="{42812CBE-3779-4756-8B8B-57A2C36AE379}" type="slidenum">
               <a:rPr lang="en-US"/>
               <a:pPr/>
-              <a:t>32</a:t>
+              <a:t>33</a:t>
             </a:fld>
             <a:endParaRPr lang="en-US"/>
           </a:p>
@@ -3230,7 +3319,7 @@
 </p:notes>
 </file>
 
-<file path=ppt/notesSlides/notesSlide33.xml><?xml version="1.0" encoding="utf-8"?>
+<file path=ppt/notesSlides/notesSlide34.xml><?xml version="1.0" encoding="utf-8"?>
 <p:notes xmlns:a="http://schemas.openxmlformats.org/drawingml/2006/main" xmlns:r="http://schemas.openxmlformats.org/officeDocument/2006/relationships" xmlns:mc="http://schemas.openxmlformats.org/markup-compatibility/2006" xmlns:mv="urn:schemas-microsoft-com:mac:vml" xmlns:p="http://schemas.openxmlformats.org/presentationml/2006/main" mc:Ignorable="mv" mc:PreserveAttributes="mv:*">
   <p:cSld>
     <p:spTree>
@@ -3267,7 +3356,7 @@
             <a:fld id="{35DBCBA4-2503-4804-A27E-20926E013047}" type="slidenum">
               <a:rPr lang="en-US"/>
               <a:pPr/>
-              <a:t>33</a:t>
+              <a:t>34</a:t>
             </a:fld>
             <a:endParaRPr lang="en-US"/>
           </a:p>
@@ -3318,7 +3407,7 @@
 </p:notes>
 </file>
 
-<file path=ppt/notesSlides/notesSlide34.xml><?xml version="1.0" encoding="utf-8"?>
+<file path=ppt/notesSlides/notesSlide35.xml><?xml version="1.0" encoding="utf-8"?>
 <p:notes xmlns:a="http://schemas.openxmlformats.org/drawingml/2006/main" xmlns:r="http://schemas.openxmlformats.org/officeDocument/2006/relationships" xmlns:mc="http://schemas.openxmlformats.org/markup-compatibility/2006" xmlns:mv="urn:schemas-microsoft-com:mac:vml" xmlns:p="http://schemas.openxmlformats.org/presentationml/2006/main" mc:Ignorable="mv" mc:PreserveAttributes="mv:*">
   <p:cSld>
     <p:spTree>
@@ -3355,7 +3444,7 @@
             <a:fld id="{395E8911-27EF-4DB2-9E79-8B721A9B865E}" type="slidenum">
               <a:rPr lang="en-US"/>
               <a:pPr/>
-              <a:t>34</a:t>
+              <a:t>35</a:t>
             </a:fld>
             <a:endParaRPr lang="en-US"/>
           </a:p>
@@ -3416,7 +3505,7 @@
 </p:notes>
 </file>
 
-<file path=ppt/notesSlides/notesSlide35.xml><?xml version="1.0" encoding="utf-8"?>
+<file path=ppt/notesSlides/notesSlide36.xml><?xml version="1.0" encoding="utf-8"?>
 <p:notes xmlns:a="http://schemas.openxmlformats.org/drawingml/2006/main" xmlns:r="http://schemas.openxmlformats.org/officeDocument/2006/relationships" xmlns:mc="http://schemas.openxmlformats.org/markup-compatibility/2006" xmlns:mv="urn:schemas-microsoft-com:mac:vml" xmlns:p="http://schemas.openxmlformats.org/presentationml/2006/main" mc:Ignorable="mv" mc:PreserveAttributes="mv:*">
   <p:cSld>
     <p:spTree>
@@ -3453,7 +3542,7 @@
             <a:fld id="{AF414332-11F0-4223-9A94-D6FE3C794190}" type="slidenum">
               <a:rPr lang="en-US"/>
               <a:pPr/>
-              <a:t>35</a:t>
+              <a:t>36</a:t>
             </a:fld>
             <a:endParaRPr lang="en-US"/>
           </a:p>
@@ -3493,162 +3582,6 @@
           <a:p>
             <a:pPr eaLnBrk="1" hangingPunct="1"/>
             <a:endParaRPr lang="en-US" smtClean="0"/>
-          </a:p>
-        </p:txBody>
-      </p:sp>
-    </p:spTree>
-  </p:cSld>
-  <p:clrMapOvr>
-    <a:masterClrMapping/>
-  </p:clrMapOvr>
-</p:notes>
-</file>
-
-<file path=ppt/notesSlides/notesSlide36.xml><?xml version="1.0" encoding="utf-8"?>
-<p:notes xmlns:a="http://schemas.openxmlformats.org/drawingml/2006/main" xmlns:r="http://schemas.openxmlformats.org/officeDocument/2006/relationships" xmlns:mc="http://schemas.openxmlformats.org/markup-compatibility/2006" xmlns:mv="urn:schemas-microsoft-com:mac:vml" xmlns:p="http://schemas.openxmlformats.org/presentationml/2006/main" mc:Ignorable="mv" mc:PreserveAttributes="mv:*">
-  <p:cSld>
-    <p:spTree>
-      <p:nvGrpSpPr>
-        <p:cNvPr id="1" name=""/>
-        <p:cNvGrpSpPr/>
-        <p:nvPr/>
-      </p:nvGrpSpPr>
-      <p:grpSpPr>
-        <a:xfrm>
-          <a:off x="0" y="0"/>
-          <a:ext cx="0" cy="0"/>
-          <a:chOff x="0" y="0"/>
-          <a:chExt cx="0" cy="0"/>
-        </a:xfrm>
-      </p:grpSpPr>
-      <p:sp>
-        <p:nvSpPr>
-          <p:cNvPr id="8" name="Rectangle 7"/>
-          <p:cNvSpPr>
-            <a:spLocks noGrp="1" noChangeArrowheads="1"/>
-          </p:cNvSpPr>
-          <p:nvPr>
-            <p:ph type="sldNum" sz="quarter" idx="5"/>
-          </p:nvPr>
-        </p:nvSpPr>
-        <p:spPr>
-          <a:ln/>
-        </p:spPr>
-        <p:txBody>
-          <a:bodyPr/>
-          <a:lstStyle/>
-          <a:p>
-            <a:fld id="{F6F7BED8-8E3B-48C8-9E58-2EC7B247ADBB}" type="slidenum">
-              <a:rPr lang="en-US"/>
-              <a:pPr/>
-              <a:t>36</a:t>
-            </a:fld>
-            <a:endParaRPr lang="en-US"/>
-          </a:p>
-        </p:txBody>
-      </p:sp>
-      <p:sp>
-        <p:nvSpPr>
-          <p:cNvPr id="101378" name="Rectangle 7"/>
-          <p:cNvSpPr txBox="1">
-            <a:spLocks noGrp="1" noChangeArrowheads="1"/>
-          </p:cNvSpPr>
-          <p:nvPr/>
-        </p:nvSpPr>
-        <p:spPr bwMode="auto">
-          <a:xfrm>
-            <a:off x="4143375" y="9120189"/>
-            <a:ext cx="3170238" cy="479425"/>
-          </a:xfrm>
-          <a:prstGeom prst="rect">
-            <a:avLst/>
-          </a:prstGeom>
-          <a:noFill/>
-          <a:ln w="9525">
-            <a:noFill/>
-            <a:miter lim="800000"/>
-            <a:headEnd/>
-            <a:tailEnd/>
-          </a:ln>
-        </p:spPr>
-        <p:txBody>
-          <a:bodyPr lIns="96651" tIns="48326" rIns="96651" bIns="48326" anchor="b"/>
-          <a:lstStyle/>
-          <a:p>
-            <a:pPr algn="r" defTabSz="966775"/>
-            <a:fld id="{7C3A1D7D-5864-44F9-8702-6402BA08B99D}" type="slidenum">
-              <a:rPr lang="en-US" sz="1300">
-                <a:latin typeface="Arial" pitchFamily="34" charset="0"/>
-              </a:rPr>
-              <a:pPr algn="r" defTabSz="966775"/>
-              <a:t>36</a:t>
-            </a:fld>
-            <a:endParaRPr lang="en-US" sz="1300" dirty="0">
-              <a:latin typeface="Arial" pitchFamily="34" charset="0"/>
-            </a:endParaRPr>
-          </a:p>
-        </p:txBody>
-      </p:sp>
-      <p:sp>
-        <p:nvSpPr>
-          <p:cNvPr id="101379" name="Rectangle 2"/>
-          <p:cNvSpPr>
-            <a:spLocks noGrp="1" noRot="1" noChangeAspect="1" noChangeArrowheads="1" noTextEdit="1"/>
-          </p:cNvSpPr>
-          <p:nvPr>
-            <p:ph type="sldImg"/>
-          </p:nvPr>
-        </p:nvSpPr>
-        <p:spPr>
-          <a:xfrm>
-            <a:off x="1260475" y="720725"/>
-            <a:ext cx="4799013" cy="3600450"/>
-          </a:xfrm>
-          <a:ln/>
-        </p:spPr>
-      </p:sp>
-      <p:sp>
-        <p:nvSpPr>
-          <p:cNvPr id="101380" name="Rectangle 3"/>
-          <p:cNvSpPr>
-            <a:spLocks noGrp="1" noChangeArrowheads="1"/>
-          </p:cNvSpPr>
-          <p:nvPr>
-            <p:ph type="body" idx="1"/>
-          </p:nvPr>
-        </p:nvSpPr>
-        <p:spPr>
-          <a:xfrm>
-            <a:off x="974725" y="4560889"/>
-            <a:ext cx="5365750" cy="4319587"/>
-          </a:xfrm>
-        </p:spPr>
-        <p:txBody>
-          <a:bodyPr lIns="96651" tIns="48326" rIns="96651" bIns="48326"/>
-          <a:lstStyle/>
-          <a:p>
-            <a:endParaRPr lang="en-US"/>
-          </a:p>
-          <a:p>
-            <a:r>
-              <a:rPr lang="en-US"/>
-              <a:t>Mean is not enough to keep you from worrying – what’s the probability that it fails immediately or within the ﬁrst minute, does it occasionally run forever, and occasionally fail immediately? </a:t>
-            </a:r>
-          </a:p>
-          <a:p>
-            <a:endParaRPr lang="en-US"/>
-          </a:p>
-          <a:p>
-            <a:r>
-              <a:rPr lang="en-US"/>
-              <a:t>What is the expected deviation from the mean, </a:t>
-            </a:r>
-          </a:p>
-          <a:p>
-            <a:r>
-              <a:rPr lang="en-US"/>
-              <a:t>what do I expect when Mir lauches </a:t>
-            </a:r>
           </a:p>
         </p:txBody>
       </p:sp>
@@ -3694,10 +3627,166 @@
           <a:bodyPr/>
           <a:lstStyle/>
           <a:p>
+            <a:fld id="{F6F7BED8-8E3B-48C8-9E58-2EC7B247ADBB}" type="slidenum">
+              <a:rPr lang="en-US"/>
+              <a:pPr/>
+              <a:t>37</a:t>
+            </a:fld>
+            <a:endParaRPr lang="en-US"/>
+          </a:p>
+        </p:txBody>
+      </p:sp>
+      <p:sp>
+        <p:nvSpPr>
+          <p:cNvPr id="101378" name="Rectangle 7"/>
+          <p:cNvSpPr txBox="1">
+            <a:spLocks noGrp="1" noChangeArrowheads="1"/>
+          </p:cNvSpPr>
+          <p:nvPr/>
+        </p:nvSpPr>
+        <p:spPr bwMode="auto">
+          <a:xfrm>
+            <a:off x="4143375" y="9120189"/>
+            <a:ext cx="3170238" cy="479425"/>
+          </a:xfrm>
+          <a:prstGeom prst="rect">
+            <a:avLst/>
+          </a:prstGeom>
+          <a:noFill/>
+          <a:ln w="9525">
+            <a:noFill/>
+            <a:miter lim="800000"/>
+            <a:headEnd/>
+            <a:tailEnd/>
+          </a:ln>
+        </p:spPr>
+        <p:txBody>
+          <a:bodyPr lIns="96651" tIns="48326" rIns="96651" bIns="48326" anchor="b"/>
+          <a:lstStyle/>
+          <a:p>
+            <a:pPr algn="r" defTabSz="966775"/>
+            <a:fld id="{7C3A1D7D-5864-44F9-8702-6402BA08B99D}" type="slidenum">
+              <a:rPr lang="en-US" sz="1300">
+                <a:latin typeface="Arial" pitchFamily="34" charset="0"/>
+              </a:rPr>
+              <a:pPr algn="r" defTabSz="966775"/>
+              <a:t>37</a:t>
+            </a:fld>
+            <a:endParaRPr lang="en-US" sz="1300" dirty="0">
+              <a:latin typeface="Arial" pitchFamily="34" charset="0"/>
+            </a:endParaRPr>
+          </a:p>
+        </p:txBody>
+      </p:sp>
+      <p:sp>
+        <p:nvSpPr>
+          <p:cNvPr id="101379" name="Rectangle 2"/>
+          <p:cNvSpPr>
+            <a:spLocks noGrp="1" noRot="1" noChangeAspect="1" noChangeArrowheads="1" noTextEdit="1"/>
+          </p:cNvSpPr>
+          <p:nvPr>
+            <p:ph type="sldImg"/>
+          </p:nvPr>
+        </p:nvSpPr>
+        <p:spPr>
+          <a:xfrm>
+            <a:off x="1260475" y="720725"/>
+            <a:ext cx="4799013" cy="3600450"/>
+          </a:xfrm>
+          <a:ln/>
+        </p:spPr>
+      </p:sp>
+      <p:sp>
+        <p:nvSpPr>
+          <p:cNvPr id="101380" name="Rectangle 3"/>
+          <p:cNvSpPr>
+            <a:spLocks noGrp="1" noChangeArrowheads="1"/>
+          </p:cNvSpPr>
+          <p:nvPr>
+            <p:ph type="body" idx="1"/>
+          </p:nvPr>
+        </p:nvSpPr>
+        <p:spPr>
+          <a:xfrm>
+            <a:off x="974725" y="4560889"/>
+            <a:ext cx="5365750" cy="4319587"/>
+          </a:xfrm>
+        </p:spPr>
+        <p:txBody>
+          <a:bodyPr lIns="96651" tIns="48326" rIns="96651" bIns="48326"/>
+          <a:lstStyle/>
+          <a:p>
+            <a:endParaRPr lang="en-US"/>
+          </a:p>
+          <a:p>
+            <a:r>
+              <a:rPr lang="en-US"/>
+              <a:t>Mean is not enough to keep you from worrying – what’s the probability that it fails immediately or within the ﬁrst minute, does it occasionally run forever, and occasionally fail immediately? </a:t>
+            </a:r>
+          </a:p>
+          <a:p>
+            <a:endParaRPr lang="en-US"/>
+          </a:p>
+          <a:p>
+            <a:r>
+              <a:rPr lang="en-US"/>
+              <a:t>What is the expected deviation from the mean, </a:t>
+            </a:r>
+          </a:p>
+          <a:p>
+            <a:r>
+              <a:rPr lang="en-US"/>
+              <a:t>what do I expect when Mir lauches </a:t>
+            </a:r>
+          </a:p>
+        </p:txBody>
+      </p:sp>
+    </p:spTree>
+  </p:cSld>
+  <p:clrMapOvr>
+    <a:masterClrMapping/>
+  </p:clrMapOvr>
+</p:notes>
+</file>
+
+<file path=ppt/notesSlides/notesSlide38.xml><?xml version="1.0" encoding="utf-8"?>
+<p:notes xmlns:a="http://schemas.openxmlformats.org/drawingml/2006/main" xmlns:r="http://schemas.openxmlformats.org/officeDocument/2006/relationships" xmlns:mc="http://schemas.openxmlformats.org/markup-compatibility/2006" xmlns:mv="urn:schemas-microsoft-com:mac:vml" xmlns:p="http://schemas.openxmlformats.org/presentationml/2006/main" mc:Ignorable="mv" mc:PreserveAttributes="mv:*">
+  <p:cSld>
+    <p:spTree>
+      <p:nvGrpSpPr>
+        <p:cNvPr id="1" name=""/>
+        <p:cNvGrpSpPr/>
+        <p:nvPr/>
+      </p:nvGrpSpPr>
+      <p:grpSpPr>
+        <a:xfrm>
+          <a:off x="0" y="0"/>
+          <a:ext cx="0" cy="0"/>
+          <a:chOff x="0" y="0"/>
+          <a:chExt cx="0" cy="0"/>
+        </a:xfrm>
+      </p:grpSpPr>
+      <p:sp>
+        <p:nvSpPr>
+          <p:cNvPr id="8" name="Rectangle 7"/>
+          <p:cNvSpPr>
+            <a:spLocks noGrp="1" noChangeArrowheads="1"/>
+          </p:cNvSpPr>
+          <p:nvPr>
+            <p:ph type="sldNum" sz="quarter" idx="5"/>
+          </p:nvPr>
+        </p:nvSpPr>
+        <p:spPr>
+          <a:ln/>
+        </p:spPr>
+        <p:txBody>
+          <a:bodyPr/>
+          <a:lstStyle/>
+          <a:p>
             <a:fld id="{9BF82BC8-6102-4FB8-B539-61E38D2DF445}" type="slidenum">
               <a:rPr lang="en-US"/>
               <a:pPr/>
-              <a:t>37</a:t>
+              <a:t>38</a:t>
             </a:fld>
             <a:endParaRPr lang="en-US"/>
           </a:p>
@@ -3737,7 +3826,7 @@
                 <a:latin typeface="Arial" pitchFamily="34" charset="0"/>
               </a:rPr>
               <a:pPr algn="r" defTabSz="966775"/>
-              <a:t>37</a:t>
+              <a:t>38</a:t>
             </a:fld>
             <a:endParaRPr lang="en-US" sz="1300" dirty="0">
               <a:latin typeface="Arial" pitchFamily="34" charset="0"/>
@@ -3793,94 +3882,6 @@
               <a:rPr lang="en-US"/>
               <a:t>Similar to calculating expectation</a:t>
             </a:r>
-          </a:p>
-        </p:txBody>
-      </p:sp>
-    </p:spTree>
-  </p:cSld>
-  <p:clrMapOvr>
-    <a:masterClrMapping/>
-  </p:clrMapOvr>
-</p:notes>
-</file>
-
-<file path=ppt/notesSlides/notesSlide38.xml><?xml version="1.0" encoding="utf-8"?>
-<p:notes xmlns:a="http://schemas.openxmlformats.org/drawingml/2006/main" xmlns:r="http://schemas.openxmlformats.org/officeDocument/2006/relationships" xmlns:mc="http://schemas.openxmlformats.org/markup-compatibility/2006" xmlns:mv="urn:schemas-microsoft-com:mac:vml" xmlns:p="http://schemas.openxmlformats.org/presentationml/2006/main" mc:Ignorable="mv" mc:PreserveAttributes="mv:*">
-  <p:cSld>
-    <p:spTree>
-      <p:nvGrpSpPr>
-        <p:cNvPr id="1" name=""/>
-        <p:cNvGrpSpPr/>
-        <p:nvPr/>
-      </p:nvGrpSpPr>
-      <p:grpSpPr>
-        <a:xfrm>
-          <a:off x="0" y="0"/>
-          <a:ext cx="0" cy="0"/>
-          <a:chOff x="0" y="0"/>
-          <a:chExt cx="0" cy="0"/>
-        </a:xfrm>
-      </p:grpSpPr>
-      <p:sp>
-        <p:nvSpPr>
-          <p:cNvPr id="7" name="Rectangle 7"/>
-          <p:cNvSpPr>
-            <a:spLocks noGrp="1" noChangeArrowheads="1"/>
-          </p:cNvSpPr>
-          <p:nvPr>
-            <p:ph type="sldNum" sz="quarter" idx="5"/>
-          </p:nvPr>
-        </p:nvSpPr>
-        <p:spPr>
-          <a:ln/>
-        </p:spPr>
-        <p:txBody>
-          <a:bodyPr/>
-          <a:lstStyle/>
-          <a:p>
-            <a:fld id="{A51DC426-842B-423B-9866-ADC9A79455AB}" type="slidenum">
-              <a:rPr lang="en-US"/>
-              <a:pPr/>
-              <a:t>38</a:t>
-            </a:fld>
-            <a:endParaRPr lang="en-US"/>
-          </a:p>
-        </p:txBody>
-      </p:sp>
-      <p:sp>
-        <p:nvSpPr>
-          <p:cNvPr id="105474" name="Rectangle 2"/>
-          <p:cNvSpPr>
-            <a:spLocks noGrp="1" noRot="1" noChangeAspect="1" noChangeArrowheads="1" noTextEdit="1"/>
-          </p:cNvSpPr>
-          <p:nvPr>
-            <p:ph type="sldImg"/>
-          </p:nvPr>
-        </p:nvSpPr>
-        <p:spPr>
-          <a:xfrm>
-            <a:off x="1260475" y="720725"/>
-            <a:ext cx="4799013" cy="3600450"/>
-          </a:xfrm>
-          <a:ln/>
-        </p:spPr>
-      </p:sp>
-      <p:sp>
-        <p:nvSpPr>
-          <p:cNvPr id="105475" name="Rectangle 3"/>
-          <p:cNvSpPr>
-            <a:spLocks noGrp="1" noChangeArrowheads="1"/>
-          </p:cNvSpPr>
-          <p:nvPr>
-            <p:ph type="body" idx="1"/>
-          </p:nvPr>
-        </p:nvSpPr>
-        <p:spPr/>
-        <p:txBody>
-          <a:bodyPr/>
-          <a:lstStyle/>
-          <a:p>
-            <a:endParaRPr lang="en-US"/>
           </a:p>
         </p:txBody>
       </p:sp>
@@ -4207,10 +4208,98 @@
           <a:bodyPr/>
           <a:lstStyle/>
           <a:p>
+            <a:fld id="{A51DC426-842B-423B-9866-ADC9A79455AB}" type="slidenum">
+              <a:rPr lang="en-US"/>
+              <a:pPr/>
+              <a:t>41</a:t>
+            </a:fld>
+            <a:endParaRPr lang="en-US"/>
+          </a:p>
+        </p:txBody>
+      </p:sp>
+      <p:sp>
+        <p:nvSpPr>
+          <p:cNvPr id="105474" name="Rectangle 2"/>
+          <p:cNvSpPr>
+            <a:spLocks noGrp="1" noRot="1" noChangeAspect="1" noChangeArrowheads="1" noTextEdit="1"/>
+          </p:cNvSpPr>
+          <p:nvPr>
+            <p:ph type="sldImg"/>
+          </p:nvPr>
+        </p:nvSpPr>
+        <p:spPr>
+          <a:xfrm>
+            <a:off x="1260475" y="720725"/>
+            <a:ext cx="4799013" cy="3600450"/>
+          </a:xfrm>
+          <a:ln/>
+        </p:spPr>
+      </p:sp>
+      <p:sp>
+        <p:nvSpPr>
+          <p:cNvPr id="105475" name="Rectangle 3"/>
+          <p:cNvSpPr>
+            <a:spLocks noGrp="1" noChangeArrowheads="1"/>
+          </p:cNvSpPr>
+          <p:nvPr>
+            <p:ph type="body" idx="1"/>
+          </p:nvPr>
+        </p:nvSpPr>
+        <p:spPr/>
+        <p:txBody>
+          <a:bodyPr/>
+          <a:lstStyle/>
+          <a:p>
+            <a:endParaRPr lang="en-US"/>
+          </a:p>
+        </p:txBody>
+      </p:sp>
+    </p:spTree>
+  </p:cSld>
+  <p:clrMapOvr>
+    <a:masterClrMapping/>
+  </p:clrMapOvr>
+</p:notes>
+</file>
+
+<file path=ppt/notesSlides/notesSlide42.xml><?xml version="1.0" encoding="utf-8"?>
+<p:notes xmlns:a="http://schemas.openxmlformats.org/drawingml/2006/main" xmlns:r="http://schemas.openxmlformats.org/officeDocument/2006/relationships" xmlns:mc="http://schemas.openxmlformats.org/markup-compatibility/2006" xmlns:mv="urn:schemas-microsoft-com:mac:vml" xmlns:p="http://schemas.openxmlformats.org/presentationml/2006/main" mc:Ignorable="mv" mc:PreserveAttributes="mv:*">
+  <p:cSld>
+    <p:spTree>
+      <p:nvGrpSpPr>
+        <p:cNvPr id="1" name=""/>
+        <p:cNvGrpSpPr/>
+        <p:nvPr/>
+      </p:nvGrpSpPr>
+      <p:grpSpPr>
+        <a:xfrm>
+          <a:off x="0" y="0"/>
+          <a:ext cx="0" cy="0"/>
+          <a:chOff x="0" y="0"/>
+          <a:chExt cx="0" cy="0"/>
+        </a:xfrm>
+      </p:grpSpPr>
+      <p:sp>
+        <p:nvSpPr>
+          <p:cNvPr id="7" name="Rectangle 7"/>
+          <p:cNvSpPr>
+            <a:spLocks noGrp="1" noChangeArrowheads="1"/>
+          </p:cNvSpPr>
+          <p:nvPr>
+            <p:ph type="sldNum" sz="quarter" idx="5"/>
+          </p:nvPr>
+        </p:nvSpPr>
+        <p:spPr>
+          <a:ln/>
+        </p:spPr>
+        <p:txBody>
+          <a:bodyPr/>
+          <a:lstStyle/>
+          <a:p>
             <a:fld id="{2BDCB961-47F7-401D-B9AA-8D197EFC2C04}" type="slidenum">
               <a:rPr lang="en-US"/>
               <a:pPr/>
-              <a:t>41</a:t>
+              <a:t>42</a:t>
             </a:fld>
             <a:endParaRPr lang="en-US"/>
           </a:p>
@@ -4261,7 +4350,7 @@
 </p:notes>
 </file>
 
-<file path=ppt/notesSlides/notesSlide42.xml><?xml version="1.0" encoding="utf-8"?>
+<file path=ppt/notesSlides/notesSlide43.xml><?xml version="1.0" encoding="utf-8"?>
 <p:notes xmlns:a="http://schemas.openxmlformats.org/drawingml/2006/main" xmlns:r="http://schemas.openxmlformats.org/officeDocument/2006/relationships" xmlns:mc="http://schemas.openxmlformats.org/markup-compatibility/2006" xmlns:mv="urn:schemas-microsoft-com:mac:vml" xmlns:p="http://schemas.openxmlformats.org/presentationml/2006/main" mc:Ignorable="mv" mc:PreserveAttributes="mv:*">
   <p:cSld>
     <p:spTree>
@@ -4298,7 +4387,7 @@
             <a:fld id="{38A214EA-5A11-4F74-BE22-31FC84D62DF5}" type="slidenum">
               <a:rPr lang="en-US"/>
               <a:pPr/>
-              <a:t>42</a:t>
+              <a:t>43</a:t>
             </a:fld>
             <a:endParaRPr lang="en-US"/>
           </a:p>
@@ -4347,144 +4436,6 @@
             <a:r>
               <a:rPr lang="en-US" smtClean="0"/>
               <a:t>Similar to calculating expectation</a:t>
-            </a:r>
-          </a:p>
-        </p:txBody>
-      </p:sp>
-    </p:spTree>
-  </p:cSld>
-  <p:clrMapOvr>
-    <a:masterClrMapping/>
-  </p:clrMapOvr>
-</p:notes>
-</file>
-
-<file path=ppt/notesSlides/notesSlide43.xml><?xml version="1.0" encoding="utf-8"?>
-<p:notes xmlns:a="http://schemas.openxmlformats.org/drawingml/2006/main" xmlns:r="http://schemas.openxmlformats.org/officeDocument/2006/relationships" xmlns:mc="http://schemas.openxmlformats.org/markup-compatibility/2006" xmlns:mv="urn:schemas-microsoft-com:mac:vml" xmlns:p="http://schemas.openxmlformats.org/presentationml/2006/main" mc:Ignorable="mv" mc:PreserveAttributes="mv:*">
-  <p:cSld>
-    <p:spTree>
-      <p:nvGrpSpPr>
-        <p:cNvPr id="1" name=""/>
-        <p:cNvGrpSpPr/>
-        <p:nvPr/>
-      </p:nvGrpSpPr>
-      <p:grpSpPr>
-        <a:xfrm>
-          <a:off x="0" y="0"/>
-          <a:ext cx="0" cy="0"/>
-          <a:chOff x="0" y="0"/>
-          <a:chExt cx="0" cy="0"/>
-        </a:xfrm>
-      </p:grpSpPr>
-      <p:sp>
-        <p:nvSpPr>
-          <p:cNvPr id="8" name="Rectangle 7"/>
-          <p:cNvSpPr>
-            <a:spLocks noGrp="1" noChangeArrowheads="1"/>
-          </p:cNvSpPr>
-          <p:nvPr>
-            <p:ph type="sldNum" sz="quarter" idx="5"/>
-          </p:nvPr>
-        </p:nvSpPr>
-        <p:spPr>
-          <a:ln/>
-        </p:spPr>
-        <p:txBody>
-          <a:bodyPr/>
-          <a:lstStyle/>
-          <a:p>
-            <a:fld id="{8CA4D108-D91E-4325-A519-90962F0FB0B2}" type="slidenum">
-              <a:rPr lang="en-US"/>
-              <a:pPr/>
-              <a:t>43</a:t>
-            </a:fld>
-            <a:endParaRPr lang="en-US"/>
-          </a:p>
-        </p:txBody>
-      </p:sp>
-      <p:sp>
-        <p:nvSpPr>
-          <p:cNvPr id="5122" name="Rectangle 7"/>
-          <p:cNvSpPr txBox="1">
-            <a:spLocks noGrp="1" noChangeArrowheads="1"/>
-          </p:cNvSpPr>
-          <p:nvPr/>
-        </p:nvSpPr>
-        <p:spPr bwMode="auto">
-          <a:xfrm>
-            <a:off x="4143375" y="9120189"/>
-            <a:ext cx="3170238" cy="479425"/>
-          </a:xfrm>
-          <a:prstGeom prst="rect">
-            <a:avLst/>
-          </a:prstGeom>
-          <a:noFill/>
-          <a:ln w="9525">
-            <a:noFill/>
-            <a:miter lim="800000"/>
-            <a:headEnd/>
-            <a:tailEnd/>
-          </a:ln>
-        </p:spPr>
-        <p:txBody>
-          <a:bodyPr lIns="96651" tIns="48326" rIns="96651" bIns="48326" anchor="b"/>
-          <a:lstStyle/>
-          <a:p>
-            <a:pPr algn="r" defTabSz="966775"/>
-            <a:fld id="{09FA8918-1078-4D14-8783-F065FE97664E}" type="slidenum">
-              <a:rPr lang="en-US" sz="1300">
-                <a:latin typeface="Arial" pitchFamily="34" charset="0"/>
-              </a:rPr>
-              <a:pPr algn="r" defTabSz="966775"/>
-              <a:t>43</a:t>
-            </a:fld>
-            <a:endParaRPr lang="en-US" sz="1300" dirty="0">
-              <a:latin typeface="Arial" pitchFamily="34" charset="0"/>
-            </a:endParaRPr>
-          </a:p>
-        </p:txBody>
-      </p:sp>
-      <p:sp>
-        <p:nvSpPr>
-          <p:cNvPr id="5123" name="Rectangle 2"/>
-          <p:cNvSpPr>
-            <a:spLocks noGrp="1" noRot="1" noChangeAspect="1" noChangeArrowheads="1" noTextEdit="1"/>
-          </p:cNvSpPr>
-          <p:nvPr>
-            <p:ph type="sldImg"/>
-          </p:nvPr>
-        </p:nvSpPr>
-        <p:spPr>
-          <a:xfrm>
-            <a:off x="1260475" y="720725"/>
-            <a:ext cx="4799013" cy="3600450"/>
-          </a:xfrm>
-          <a:ln/>
-        </p:spPr>
-      </p:sp>
-      <p:sp>
-        <p:nvSpPr>
-          <p:cNvPr id="5124" name="Rectangle 3"/>
-          <p:cNvSpPr>
-            <a:spLocks noGrp="1" noChangeArrowheads="1"/>
-          </p:cNvSpPr>
-          <p:nvPr>
-            <p:ph type="body" idx="1"/>
-          </p:nvPr>
-        </p:nvSpPr>
-        <p:spPr>
-          <a:xfrm>
-            <a:off x="974725" y="4560889"/>
-            <a:ext cx="5365750" cy="4319587"/>
-          </a:xfrm>
-        </p:spPr>
-        <p:txBody>
-          <a:bodyPr lIns="96651" tIns="48326" rIns="96651" bIns="48326"/>
-          <a:lstStyle/>
-          <a:p>
-            <a:r>
-              <a:rPr lang="en-US"/>
-              <a:t>Examples of calculating Variance, and interpretiung the results using chebyshev’s bounds</a:t>
             </a:r>
           </a:p>
         </p:txBody>
@@ -4531,6 +4482,144 @@
           <a:bodyPr/>
           <a:lstStyle/>
           <a:p>
+            <a:fld id="{8CA4D108-D91E-4325-A519-90962F0FB0B2}" type="slidenum">
+              <a:rPr lang="en-US"/>
+              <a:pPr/>
+              <a:t>44</a:t>
+            </a:fld>
+            <a:endParaRPr lang="en-US"/>
+          </a:p>
+        </p:txBody>
+      </p:sp>
+      <p:sp>
+        <p:nvSpPr>
+          <p:cNvPr id="5122" name="Rectangle 7"/>
+          <p:cNvSpPr txBox="1">
+            <a:spLocks noGrp="1" noChangeArrowheads="1"/>
+          </p:cNvSpPr>
+          <p:nvPr/>
+        </p:nvSpPr>
+        <p:spPr bwMode="auto">
+          <a:xfrm>
+            <a:off x="4143375" y="9120189"/>
+            <a:ext cx="3170238" cy="479425"/>
+          </a:xfrm>
+          <a:prstGeom prst="rect">
+            <a:avLst/>
+          </a:prstGeom>
+          <a:noFill/>
+          <a:ln w="9525">
+            <a:noFill/>
+            <a:miter lim="800000"/>
+            <a:headEnd/>
+            <a:tailEnd/>
+          </a:ln>
+        </p:spPr>
+        <p:txBody>
+          <a:bodyPr lIns="96651" tIns="48326" rIns="96651" bIns="48326" anchor="b"/>
+          <a:lstStyle/>
+          <a:p>
+            <a:pPr algn="r" defTabSz="966775"/>
+            <a:fld id="{09FA8918-1078-4D14-8783-F065FE97664E}" type="slidenum">
+              <a:rPr lang="en-US" sz="1300">
+                <a:latin typeface="Arial" pitchFamily="34" charset="0"/>
+              </a:rPr>
+              <a:pPr algn="r" defTabSz="966775"/>
+              <a:t>44</a:t>
+            </a:fld>
+            <a:endParaRPr lang="en-US" sz="1300" dirty="0">
+              <a:latin typeface="Arial" pitchFamily="34" charset="0"/>
+            </a:endParaRPr>
+          </a:p>
+        </p:txBody>
+      </p:sp>
+      <p:sp>
+        <p:nvSpPr>
+          <p:cNvPr id="5123" name="Rectangle 2"/>
+          <p:cNvSpPr>
+            <a:spLocks noGrp="1" noRot="1" noChangeAspect="1" noChangeArrowheads="1" noTextEdit="1"/>
+          </p:cNvSpPr>
+          <p:nvPr>
+            <p:ph type="sldImg"/>
+          </p:nvPr>
+        </p:nvSpPr>
+        <p:spPr>
+          <a:xfrm>
+            <a:off x="1260475" y="720725"/>
+            <a:ext cx="4799013" cy="3600450"/>
+          </a:xfrm>
+          <a:ln/>
+        </p:spPr>
+      </p:sp>
+      <p:sp>
+        <p:nvSpPr>
+          <p:cNvPr id="5124" name="Rectangle 3"/>
+          <p:cNvSpPr>
+            <a:spLocks noGrp="1" noChangeArrowheads="1"/>
+          </p:cNvSpPr>
+          <p:nvPr>
+            <p:ph type="body" idx="1"/>
+          </p:nvPr>
+        </p:nvSpPr>
+        <p:spPr>
+          <a:xfrm>
+            <a:off x="974725" y="4560889"/>
+            <a:ext cx="5365750" cy="4319587"/>
+          </a:xfrm>
+        </p:spPr>
+        <p:txBody>
+          <a:bodyPr lIns="96651" tIns="48326" rIns="96651" bIns="48326"/>
+          <a:lstStyle/>
+          <a:p>
+            <a:r>
+              <a:rPr lang="en-US"/>
+              <a:t>Examples of calculating Variance, and interpretiung the results using chebyshev’s bounds</a:t>
+            </a:r>
+          </a:p>
+        </p:txBody>
+      </p:sp>
+    </p:spTree>
+  </p:cSld>
+  <p:clrMapOvr>
+    <a:masterClrMapping/>
+  </p:clrMapOvr>
+</p:notes>
+</file>
+
+<file path=ppt/notesSlides/notesSlide45.xml><?xml version="1.0" encoding="utf-8"?>
+<p:notes xmlns:a="http://schemas.openxmlformats.org/drawingml/2006/main" xmlns:r="http://schemas.openxmlformats.org/officeDocument/2006/relationships" xmlns:mc="http://schemas.openxmlformats.org/markup-compatibility/2006" xmlns:mv="urn:schemas-microsoft-com:mac:vml" xmlns:p="http://schemas.openxmlformats.org/presentationml/2006/main" mc:Ignorable="mv" mc:PreserveAttributes="mv:*">
+  <p:cSld>
+    <p:spTree>
+      <p:nvGrpSpPr>
+        <p:cNvPr id="1" name=""/>
+        <p:cNvGrpSpPr/>
+        <p:nvPr/>
+      </p:nvGrpSpPr>
+      <p:grpSpPr>
+        <a:xfrm>
+          <a:off x="0" y="0"/>
+          <a:ext cx="0" cy="0"/>
+          <a:chOff x="0" y="0"/>
+          <a:chExt cx="0" cy="0"/>
+        </a:xfrm>
+      </p:grpSpPr>
+      <p:sp>
+        <p:nvSpPr>
+          <p:cNvPr id="8" name="Rectangle 7"/>
+          <p:cNvSpPr>
+            <a:spLocks noGrp="1" noChangeArrowheads="1"/>
+          </p:cNvSpPr>
+          <p:nvPr>
+            <p:ph type="sldNum" sz="quarter" idx="5"/>
+          </p:nvPr>
+        </p:nvSpPr>
+        <p:spPr>
+          <a:ln/>
+        </p:spPr>
+        <p:txBody>
+          <a:bodyPr/>
+          <a:lstStyle/>
+          <a:p>
             <a:fld id="{54978248-6888-47BD-AE95-8333877F2A9C}" type="slidenum">
               <a:rPr lang="en-US">
                 <a:solidFill>
@@ -4538,7 +4627,7 @@
                 </a:solidFill>
               </a:rPr>
               <a:pPr/>
-              <a:t>44</a:t>
+              <a:t>45</a:t>
             </a:fld>
             <a:endParaRPr lang="en-US">
               <a:solidFill>
@@ -4621,7 +4710,7 @@
                 </a:solidFill>
               </a:rPr>
               <a:pPr algn="r" defTabSz="966775"/>
-              <a:t>44</a:t>
+              <a:t>45</a:t>
             </a:fld>
             <a:endParaRPr lang="en-US" sz="1300" dirty="0">
               <a:solidFill>
@@ -4639,7 +4728,7 @@
 </p:notes>
 </file>
 
-<file path=ppt/notesSlides/notesSlide45.xml><?xml version="1.0" encoding="utf-8"?>
+<file path=ppt/notesSlides/notesSlide46.xml><?xml version="1.0" encoding="utf-8"?>
 <p:notes xmlns:a="http://schemas.openxmlformats.org/drawingml/2006/main" xmlns:r="http://schemas.openxmlformats.org/officeDocument/2006/relationships" xmlns:mc="http://schemas.openxmlformats.org/markup-compatibility/2006" xmlns:mv="urn:schemas-microsoft-com:mac:vml" xmlns:p="http://schemas.openxmlformats.org/presentationml/2006/main" mc:Ignorable="mv" mc:PreserveAttributes="mv:*">
   <p:cSld>
     <p:spTree>
@@ -4680,7 +4769,7 @@
                 </a:solidFill>
               </a:rPr>
               <a:pPr/>
-              <a:t>45</a:t>
+              <a:t>46</a:t>
             </a:fld>
             <a:endParaRPr lang="en-US">
               <a:solidFill>
@@ -4724,94 +4813,6 @@
           <a:lstStyle/>
           <a:p>
             <a:endParaRPr lang="en-US"/>
-          </a:p>
-        </p:txBody>
-      </p:sp>
-    </p:spTree>
-  </p:cSld>
-  <p:clrMapOvr>
-    <a:masterClrMapping/>
-  </p:clrMapOvr>
-</p:notes>
-</file>
-
-<file path=ppt/notesSlides/notesSlide46.xml><?xml version="1.0" encoding="utf-8"?>
-<p:notes xmlns:a="http://schemas.openxmlformats.org/drawingml/2006/main" xmlns:r="http://schemas.openxmlformats.org/officeDocument/2006/relationships" xmlns:mc="http://schemas.openxmlformats.org/markup-compatibility/2006" xmlns:mv="urn:schemas-microsoft-com:mac:vml" xmlns:p="http://schemas.openxmlformats.org/presentationml/2006/main" mc:Ignorable="mv" mc:PreserveAttributes="mv:*">
-  <p:cSld>
-    <p:spTree>
-      <p:nvGrpSpPr>
-        <p:cNvPr id="1" name=""/>
-        <p:cNvGrpSpPr/>
-        <p:nvPr/>
-      </p:nvGrpSpPr>
-      <p:grpSpPr>
-        <a:xfrm>
-          <a:off x="0" y="0"/>
-          <a:ext cx="0" cy="0"/>
-          <a:chOff x="0" y="0"/>
-          <a:chExt cx="0" cy="0"/>
-        </a:xfrm>
-      </p:grpSpPr>
-      <p:sp>
-        <p:nvSpPr>
-          <p:cNvPr id="56322" name="Rectangle 7"/>
-          <p:cNvSpPr>
-            <a:spLocks noGrp="1" noChangeArrowheads="1"/>
-          </p:cNvSpPr>
-          <p:nvPr>
-            <p:ph type="sldNum" sz="quarter" idx="5"/>
-          </p:nvPr>
-        </p:nvSpPr>
-        <p:spPr>
-          <a:noFill/>
-        </p:spPr>
-        <p:txBody>
-          <a:bodyPr/>
-          <a:lstStyle/>
-          <a:p>
-            <a:fld id="{139C15ED-39E3-4B6A-96B1-35B58B1DA404}" type="slidenum">
-              <a:rPr lang="en-US"/>
-              <a:pPr/>
-              <a:t>46</a:t>
-            </a:fld>
-            <a:endParaRPr lang="en-US"/>
-          </a:p>
-        </p:txBody>
-      </p:sp>
-      <p:sp>
-        <p:nvSpPr>
-          <p:cNvPr id="56323" name="Rectangle 2"/>
-          <p:cNvSpPr>
-            <a:spLocks noGrp="1" noRot="1" noChangeAspect="1" noChangeArrowheads="1" noTextEdit="1"/>
-          </p:cNvSpPr>
-          <p:nvPr>
-            <p:ph type="sldImg"/>
-          </p:nvPr>
-        </p:nvSpPr>
-        <p:spPr>
-          <a:ln/>
-        </p:spPr>
-      </p:sp>
-      <p:sp>
-        <p:nvSpPr>
-          <p:cNvPr id="56324" name="Rectangle 3"/>
-          <p:cNvSpPr>
-            <a:spLocks noGrp="1" noChangeArrowheads="1"/>
-          </p:cNvSpPr>
-          <p:nvPr>
-            <p:ph type="body" idx="1"/>
-          </p:nvPr>
-        </p:nvSpPr>
-        <p:spPr>
-          <a:noFill/>
-          <a:ln/>
-        </p:spPr>
-        <p:txBody>
-          <a:bodyPr/>
-          <a:lstStyle/>
-          <a:p>
-            <a:pPr eaLnBrk="1" hangingPunct="1"/>
-            <a:endParaRPr lang="en-US" dirty="0" smtClean="0"/>
           </a:p>
         </p:txBody>
       </p:sp>
@@ -5036,7 +5037,7 @@
             <a:fld id="{139C15ED-39E3-4B6A-96B1-35B58B1DA404}" type="slidenum">
               <a:rPr lang="en-US"/>
               <a:pPr/>
-              <a:t>50</a:t>
+              <a:t>49</a:t>
             </a:fld>
             <a:endParaRPr lang="en-US"/>
           </a:p>
@@ -5075,24 +5076,7 @@
           <a:lstStyle/>
           <a:p>
             <a:pPr eaLnBrk="1" hangingPunct="1"/>
-            <a:r>
-              <a:rPr lang="en-US" smtClean="0"/>
-              <a:t>Should I expect to see the mean – clearly not! Now what – does this tell me anything?</a:t>
-            </a:r>
-          </a:p>
-          <a:p>
-            <a:pPr eaLnBrk="1" hangingPunct="1"/>
-            <a:r>
-              <a:rPr lang="en-US" smtClean="0"/>
-              <a:t>Really reminder that expected value = average over many experiments, not speciﬁc experiment</a:t>
-            </a:r>
-          </a:p>
-          <a:p>
-            <a:pPr eaLnBrk="1" hangingPunct="1"/>
-            <a:r>
-              <a:rPr lang="en-US" smtClean="0"/>
-              <a:t>And this is a problem, because real power comes from ability to predict ourcome of speciﬁc event (Gore vs Bush today, not average over many elections), and I want the mean to give me that kind of information</a:t>
-            </a:r>
+            <a:endParaRPr lang="en-US" dirty="0" smtClean="0"/>
           </a:p>
         </p:txBody>
       </p:sp>
@@ -5228,7 +5212,7 @@
       </p:grpSpPr>
       <p:sp>
         <p:nvSpPr>
-          <p:cNvPr id="7" name="Rectangle 7"/>
+          <p:cNvPr id="56322" name="Rectangle 7"/>
           <p:cNvSpPr>
             <a:spLocks noGrp="1" noChangeArrowheads="1"/>
           </p:cNvSpPr>
@@ -5237,16 +5221,16 @@
           </p:nvPr>
         </p:nvSpPr>
         <p:spPr>
-          <a:ln/>
+          <a:noFill/>
         </p:spPr>
         <p:txBody>
           <a:bodyPr/>
           <a:lstStyle/>
           <a:p>
-            <a:fld id="{460183DB-8D3D-4827-BF4C-7BD92E76D20E}" type="slidenum">
+            <a:fld id="{139C15ED-39E3-4B6A-96B1-35B58B1DA404}" type="slidenum">
               <a:rPr lang="en-US"/>
               <a:pPr/>
-              <a:t>53</a:t>
+              <a:t>51</a:t>
             </a:fld>
             <a:endParaRPr lang="en-US"/>
           </a:p>
@@ -5254,7 +5238,7 @@
       </p:sp>
       <p:sp>
         <p:nvSpPr>
-          <p:cNvPr id="31746" name="Rectangle 2"/>
+          <p:cNvPr id="56323" name="Rectangle 2"/>
           <p:cNvSpPr>
             <a:spLocks noGrp="1" noRot="1" noChangeAspect="1" noChangeArrowheads="1" noTextEdit="1"/>
           </p:cNvSpPr>
@@ -5263,16 +5247,12 @@
           </p:nvPr>
         </p:nvSpPr>
         <p:spPr>
-          <a:xfrm>
-            <a:off x="1260475" y="720725"/>
-            <a:ext cx="4799013" cy="3600450"/>
-          </a:xfrm>
           <a:ln/>
         </p:spPr>
       </p:sp>
       <p:sp>
         <p:nvSpPr>
-          <p:cNvPr id="31747" name="Rectangle 3"/>
+          <p:cNvPr id="56324" name="Rectangle 3"/>
           <p:cNvSpPr>
             <a:spLocks noGrp="1" noChangeArrowheads="1"/>
           </p:cNvSpPr>
@@ -5280,12 +5260,33 @@
             <p:ph type="body" idx="1"/>
           </p:nvPr>
         </p:nvSpPr>
-        <p:spPr/>
+        <p:spPr>
+          <a:noFill/>
+          <a:ln/>
+        </p:spPr>
         <p:txBody>
           <a:bodyPr/>
           <a:lstStyle/>
           <a:p>
-            <a:endParaRPr lang="en-US" dirty="0"/>
+            <a:pPr eaLnBrk="1" hangingPunct="1"/>
+            <a:r>
+              <a:rPr lang="en-US" smtClean="0"/>
+              <a:t>Should I expect to see the mean – clearly not! Now what – does this tell me anything?</a:t>
+            </a:r>
+          </a:p>
+          <a:p>
+            <a:pPr eaLnBrk="1" hangingPunct="1"/>
+            <a:r>
+              <a:rPr lang="en-US" smtClean="0"/>
+              <a:t>Really reminder that expected value = average over many experiments, not speciﬁc experiment</a:t>
+            </a:r>
+          </a:p>
+          <a:p>
+            <a:pPr eaLnBrk="1" hangingPunct="1"/>
+            <a:r>
+              <a:rPr lang="en-US" smtClean="0"/>
+              <a:t>And this is a problem, because real power comes from ability to predict ourcome of speciﬁc event (Gore vs Bush today, not average over many elections), and I want the mean to give me that kind of information</a:t>
+            </a:r>
           </a:p>
         </p:txBody>
       </p:sp>
@@ -5331,7 +5332,7 @@
           <a:bodyPr/>
           <a:lstStyle/>
           <a:p>
-            <a:fld id="{2C93A176-BC2D-412F-9AD9-2A6459465F7C}" type="slidenum">
+            <a:fld id="{460183DB-8D3D-4827-BF4C-7BD92E76D20E}" type="slidenum">
               <a:rPr lang="en-US"/>
               <a:pPr/>
               <a:t>54</a:t>
@@ -5342,7 +5343,7 @@
       </p:sp>
       <p:sp>
         <p:nvSpPr>
-          <p:cNvPr id="82946" name="Rectangle 2"/>
+          <p:cNvPr id="31746" name="Rectangle 2"/>
           <p:cNvSpPr>
             <a:spLocks noGrp="1" noRot="1" noChangeAspect="1" noChangeArrowheads="1" noTextEdit="1"/>
           </p:cNvSpPr>
@@ -5360,7 +5361,7 @@
       </p:sp>
       <p:sp>
         <p:nvSpPr>
-          <p:cNvPr id="82947" name="Rectangle 3"/>
+          <p:cNvPr id="31747" name="Rectangle 3"/>
           <p:cNvSpPr>
             <a:spLocks noGrp="1" noChangeArrowheads="1"/>
           </p:cNvSpPr>
@@ -5373,7 +5374,7 @@
           <a:bodyPr/>
           <a:lstStyle/>
           <a:p>
-            <a:endParaRPr lang="en-US"/>
+            <a:endParaRPr lang="en-US" dirty="0"/>
           </a:p>
         </p:txBody>
       </p:sp>
@@ -5507,7 +5508,7 @@
           <a:bodyPr/>
           <a:lstStyle/>
           <a:p>
-            <a:fld id="{CE4F1C5E-EC10-4AA2-BE05-3FAD1A6DEC47}" type="slidenum">
+            <a:fld id="{2C93A176-BC2D-412F-9AD9-2A6459465F7C}" type="slidenum">
               <a:rPr lang="en-US"/>
               <a:pPr/>
               <a:t>56</a:t>
@@ -5518,7 +5519,7 @@
       </p:sp>
       <p:sp>
         <p:nvSpPr>
-          <p:cNvPr id="87042" name="Rectangle 2"/>
+          <p:cNvPr id="82946" name="Rectangle 2"/>
           <p:cNvSpPr>
             <a:spLocks noGrp="1" noRot="1" noChangeAspect="1" noChangeArrowheads="1" noTextEdit="1"/>
           </p:cNvSpPr>
@@ -5536,7 +5537,7 @@
       </p:sp>
       <p:sp>
         <p:nvSpPr>
-          <p:cNvPr id="87043" name="Rectangle 3"/>
+          <p:cNvPr id="82947" name="Rectangle 3"/>
           <p:cNvSpPr>
             <a:spLocks noGrp="1" noChangeArrowheads="1"/>
           </p:cNvSpPr>
@@ -5683,10 +5684,98 @@
           <a:bodyPr/>
           <a:lstStyle/>
           <a:p>
+            <a:fld id="{CE4F1C5E-EC10-4AA2-BE05-3FAD1A6DEC47}" type="slidenum">
+              <a:rPr lang="en-US"/>
+              <a:pPr/>
+              <a:t>58</a:t>
+            </a:fld>
+            <a:endParaRPr lang="en-US"/>
+          </a:p>
+        </p:txBody>
+      </p:sp>
+      <p:sp>
+        <p:nvSpPr>
+          <p:cNvPr id="87042" name="Rectangle 2"/>
+          <p:cNvSpPr>
+            <a:spLocks noGrp="1" noRot="1" noChangeAspect="1" noChangeArrowheads="1" noTextEdit="1"/>
+          </p:cNvSpPr>
+          <p:nvPr>
+            <p:ph type="sldImg"/>
+          </p:nvPr>
+        </p:nvSpPr>
+        <p:spPr>
+          <a:xfrm>
+            <a:off x="1260475" y="720725"/>
+            <a:ext cx="4799013" cy="3600450"/>
+          </a:xfrm>
+          <a:ln/>
+        </p:spPr>
+      </p:sp>
+      <p:sp>
+        <p:nvSpPr>
+          <p:cNvPr id="87043" name="Rectangle 3"/>
+          <p:cNvSpPr>
+            <a:spLocks noGrp="1" noChangeArrowheads="1"/>
+          </p:cNvSpPr>
+          <p:nvPr>
+            <p:ph type="body" idx="1"/>
+          </p:nvPr>
+        </p:nvSpPr>
+        <p:spPr/>
+        <p:txBody>
+          <a:bodyPr/>
+          <a:lstStyle/>
+          <a:p>
+            <a:endParaRPr lang="en-US"/>
+          </a:p>
+        </p:txBody>
+      </p:sp>
+    </p:spTree>
+  </p:cSld>
+  <p:clrMapOvr>
+    <a:masterClrMapping/>
+  </p:clrMapOvr>
+</p:notes>
+</file>
+
+<file path=ppt/notesSlides/notesSlide56.xml><?xml version="1.0" encoding="utf-8"?>
+<p:notes xmlns:a="http://schemas.openxmlformats.org/drawingml/2006/main" xmlns:r="http://schemas.openxmlformats.org/officeDocument/2006/relationships" xmlns:mc="http://schemas.openxmlformats.org/markup-compatibility/2006" xmlns:mv="urn:schemas-microsoft-com:mac:vml" xmlns:p="http://schemas.openxmlformats.org/presentationml/2006/main" mc:Ignorable="mv" mc:PreserveAttributes="mv:*">
+  <p:cSld>
+    <p:spTree>
+      <p:nvGrpSpPr>
+        <p:cNvPr id="1" name=""/>
+        <p:cNvGrpSpPr/>
+        <p:nvPr/>
+      </p:nvGrpSpPr>
+      <p:grpSpPr>
+        <a:xfrm>
+          <a:off x="0" y="0"/>
+          <a:ext cx="0" cy="0"/>
+          <a:chOff x="0" y="0"/>
+          <a:chExt cx="0" cy="0"/>
+        </a:xfrm>
+      </p:grpSpPr>
+      <p:sp>
+        <p:nvSpPr>
+          <p:cNvPr id="7" name="Rectangle 7"/>
+          <p:cNvSpPr>
+            <a:spLocks noGrp="1" noChangeArrowheads="1"/>
+          </p:cNvSpPr>
+          <p:nvPr>
+            <p:ph type="sldNum" sz="quarter" idx="5"/>
+          </p:nvPr>
+        </p:nvSpPr>
+        <p:spPr>
+          <a:ln/>
+        </p:spPr>
+        <p:txBody>
+          <a:bodyPr/>
+          <a:lstStyle/>
+          <a:p>
             <a:fld id="{0E24CED3-D070-4199-ABB1-A97C5A2E2D69}" type="slidenum">
               <a:rPr lang="en-US"/>
               <a:pPr/>
-              <a:t>58</a:t>
+              <a:t>59</a:t>
             </a:fld>
             <a:endParaRPr lang="en-US"/>
           </a:p>
@@ -5737,7 +5826,7 @@
 </p:notes>
 </file>
 
-<file path=ppt/notesSlides/notesSlide56.xml><?xml version="1.0" encoding="utf-8"?>
+<file path=ppt/notesSlides/notesSlide57.xml><?xml version="1.0" encoding="utf-8"?>
 <p:notes xmlns:a="http://schemas.openxmlformats.org/drawingml/2006/main" xmlns:r="http://schemas.openxmlformats.org/officeDocument/2006/relationships" xmlns:mc="http://schemas.openxmlformats.org/markup-compatibility/2006" xmlns:mv="urn:schemas-microsoft-com:mac:vml" xmlns:p="http://schemas.openxmlformats.org/presentationml/2006/main" mc:Ignorable="mv" mc:PreserveAttributes="mv:*">
   <p:cSld>
     <p:spTree>
@@ -5774,7 +5863,7 @@
             <a:fld id="{E13B69C8-7D9E-455E-870F-C9359D47CA0D}" type="slidenum">
               <a:rPr lang="en-US"/>
               <a:pPr/>
-              <a:t>60</a:t>
+              <a:t>61</a:t>
             </a:fld>
             <a:endParaRPr lang="en-US"/>
           </a:p>
@@ -5814,7 +5903,7 @@
                 <a:latin typeface="Arial" pitchFamily="34" charset="0"/>
               </a:rPr>
               <a:pPr algn="r" defTabSz="966775"/>
-              <a:t>60</a:t>
+              <a:t>61</a:t>
             </a:fld>
             <a:endParaRPr lang="en-US" sz="1300" dirty="0">
               <a:latin typeface="Arial" pitchFamily="34" charset="0"/>
@@ -5886,94 +5975,6 @@
               <a:t>Its less than some value, and that value is determined by the variance</a:t>
             </a:r>
           </a:p>
-          <a:p>
-            <a:endParaRPr lang="en-US"/>
-          </a:p>
-        </p:txBody>
-      </p:sp>
-    </p:spTree>
-  </p:cSld>
-  <p:clrMapOvr>
-    <a:masterClrMapping/>
-  </p:clrMapOvr>
-</p:notes>
-</file>
-
-<file path=ppt/notesSlides/notesSlide57.xml><?xml version="1.0" encoding="utf-8"?>
-<p:notes xmlns:a="http://schemas.openxmlformats.org/drawingml/2006/main" xmlns:r="http://schemas.openxmlformats.org/officeDocument/2006/relationships" xmlns:mc="http://schemas.openxmlformats.org/markup-compatibility/2006" xmlns:mv="urn:schemas-microsoft-com:mac:vml" xmlns:p="http://schemas.openxmlformats.org/presentationml/2006/main" mc:Ignorable="mv" mc:PreserveAttributes="mv:*">
-  <p:cSld>
-    <p:spTree>
-      <p:nvGrpSpPr>
-        <p:cNvPr id="1" name=""/>
-        <p:cNvGrpSpPr/>
-        <p:nvPr/>
-      </p:nvGrpSpPr>
-      <p:grpSpPr>
-        <a:xfrm>
-          <a:off x="0" y="0"/>
-          <a:ext cx="0" cy="0"/>
-          <a:chOff x="0" y="0"/>
-          <a:chExt cx="0" cy="0"/>
-        </a:xfrm>
-      </p:grpSpPr>
-      <p:sp>
-        <p:nvSpPr>
-          <p:cNvPr id="7" name="Rectangle 7"/>
-          <p:cNvSpPr>
-            <a:spLocks noGrp="1" noChangeArrowheads="1"/>
-          </p:cNvSpPr>
-          <p:nvPr>
-            <p:ph type="sldNum" sz="quarter" idx="5"/>
-          </p:nvPr>
-        </p:nvSpPr>
-        <p:spPr>
-          <a:ln/>
-        </p:spPr>
-        <p:txBody>
-          <a:bodyPr/>
-          <a:lstStyle/>
-          <a:p>
-            <a:fld id="{C45876ED-D830-4BAD-BF23-D8FB18E18E74}" type="slidenum">
-              <a:rPr lang="en-US"/>
-              <a:pPr/>
-              <a:t>61</a:t>
-            </a:fld>
-            <a:endParaRPr lang="en-US"/>
-          </a:p>
-        </p:txBody>
-      </p:sp>
-      <p:sp>
-        <p:nvSpPr>
-          <p:cNvPr id="48130" name="Rectangle 2"/>
-          <p:cNvSpPr>
-            <a:spLocks noGrp="1" noRot="1" noChangeAspect="1" noChangeArrowheads="1" noTextEdit="1"/>
-          </p:cNvSpPr>
-          <p:nvPr>
-            <p:ph type="sldImg"/>
-          </p:nvPr>
-        </p:nvSpPr>
-        <p:spPr>
-          <a:xfrm>
-            <a:off x="1260475" y="720725"/>
-            <a:ext cx="4799013" cy="3600450"/>
-          </a:xfrm>
-          <a:ln/>
-        </p:spPr>
-      </p:sp>
-      <p:sp>
-        <p:nvSpPr>
-          <p:cNvPr id="48131" name="Rectangle 3"/>
-          <p:cNvSpPr>
-            <a:spLocks noGrp="1" noChangeArrowheads="1"/>
-          </p:cNvSpPr>
-          <p:nvPr>
-            <p:ph type="body" idx="1"/>
-          </p:nvPr>
-        </p:nvSpPr>
-        <p:spPr/>
-        <p:txBody>
-          <a:bodyPr/>
-          <a:lstStyle/>
           <a:p>
             <a:endParaRPr lang="en-US"/>
           </a:p>
@@ -6021,7 +6022,7 @@
           <a:bodyPr/>
           <a:lstStyle/>
           <a:p>
-            <a:fld id="{C459CE23-AC74-4612-9505-5863346853AC}" type="slidenum">
+            <a:fld id="{C45876ED-D830-4BAD-BF23-D8FB18E18E74}" type="slidenum">
               <a:rPr lang="en-US"/>
               <a:pPr/>
               <a:t>62</a:t>
@@ -6032,7 +6033,7 @@
       </p:sp>
       <p:sp>
         <p:nvSpPr>
-          <p:cNvPr id="113666" name="Rectangle 2"/>
+          <p:cNvPr id="48130" name="Rectangle 2"/>
           <p:cNvSpPr>
             <a:spLocks noGrp="1" noRot="1" noChangeAspect="1" noChangeArrowheads="1" noTextEdit="1"/>
           </p:cNvSpPr>
@@ -6041,12 +6042,16 @@
           </p:nvPr>
         </p:nvSpPr>
         <p:spPr>
+          <a:xfrm>
+            <a:off x="1260475" y="720725"/>
+            <a:ext cx="4799013" cy="3600450"/>
+          </a:xfrm>
           <a:ln/>
         </p:spPr>
       </p:sp>
       <p:sp>
         <p:nvSpPr>
-          <p:cNvPr id="113667" name="Rectangle 3"/>
+          <p:cNvPr id="48131" name="Rectangle 3"/>
           <p:cNvSpPr>
             <a:spLocks noGrp="1" noChangeArrowheads="1"/>
           </p:cNvSpPr>
@@ -6105,7 +6110,7 @@
           <a:bodyPr/>
           <a:lstStyle/>
           <a:p>
-            <a:fld id="{58D02412-0501-4BDD-893A-9335BF29F723}" type="slidenum">
+            <a:fld id="{C459CE23-AC74-4612-9505-5863346853AC}" type="slidenum">
               <a:rPr lang="en-US"/>
               <a:pPr/>
               <a:t>63</a:t>
@@ -6116,7 +6121,7 @@
       </p:sp>
       <p:sp>
         <p:nvSpPr>
-          <p:cNvPr id="114690" name="Rectangle 2"/>
+          <p:cNvPr id="113666" name="Rectangle 2"/>
           <p:cNvSpPr>
             <a:spLocks noGrp="1" noRot="1" noChangeAspect="1" noChangeArrowheads="1" noTextEdit="1"/>
           </p:cNvSpPr>
@@ -6130,7 +6135,7 @@
       </p:sp>
       <p:sp>
         <p:nvSpPr>
-          <p:cNvPr id="114691" name="Rectangle 3"/>
+          <p:cNvPr id="113667" name="Rectangle 3"/>
           <p:cNvSpPr>
             <a:spLocks noGrp="1" noChangeArrowheads="1"/>
           </p:cNvSpPr>
@@ -6294,10 +6299,94 @@
           <a:bodyPr/>
           <a:lstStyle/>
           <a:p>
+            <a:fld id="{58D02412-0501-4BDD-893A-9335BF29F723}" type="slidenum">
+              <a:rPr lang="en-US"/>
+              <a:pPr/>
+              <a:t>64</a:t>
+            </a:fld>
+            <a:endParaRPr lang="en-US"/>
+          </a:p>
+        </p:txBody>
+      </p:sp>
+      <p:sp>
+        <p:nvSpPr>
+          <p:cNvPr id="114690" name="Rectangle 2"/>
+          <p:cNvSpPr>
+            <a:spLocks noGrp="1" noRot="1" noChangeAspect="1" noChangeArrowheads="1" noTextEdit="1"/>
+          </p:cNvSpPr>
+          <p:nvPr>
+            <p:ph type="sldImg"/>
+          </p:nvPr>
+        </p:nvSpPr>
+        <p:spPr>
+          <a:ln/>
+        </p:spPr>
+      </p:sp>
+      <p:sp>
+        <p:nvSpPr>
+          <p:cNvPr id="114691" name="Rectangle 3"/>
+          <p:cNvSpPr>
+            <a:spLocks noGrp="1" noChangeArrowheads="1"/>
+          </p:cNvSpPr>
+          <p:nvPr>
+            <p:ph type="body" idx="1"/>
+          </p:nvPr>
+        </p:nvSpPr>
+        <p:spPr/>
+        <p:txBody>
+          <a:bodyPr/>
+          <a:lstStyle/>
+          <a:p>
+            <a:endParaRPr lang="en-US"/>
+          </a:p>
+        </p:txBody>
+      </p:sp>
+    </p:spTree>
+  </p:cSld>
+  <p:clrMapOvr>
+    <a:masterClrMapping/>
+  </p:clrMapOvr>
+</p:notes>
+</file>
+
+<file path=ppt/notesSlides/notesSlide61.xml><?xml version="1.0" encoding="utf-8"?>
+<p:notes xmlns:a="http://schemas.openxmlformats.org/drawingml/2006/main" xmlns:r="http://schemas.openxmlformats.org/officeDocument/2006/relationships" xmlns:mc="http://schemas.openxmlformats.org/markup-compatibility/2006" xmlns:mv="urn:schemas-microsoft-com:mac:vml" xmlns:p="http://schemas.openxmlformats.org/presentationml/2006/main" mc:Ignorable="mv" mc:PreserveAttributes="mv:*">
+  <p:cSld>
+    <p:spTree>
+      <p:nvGrpSpPr>
+        <p:cNvPr id="1" name=""/>
+        <p:cNvGrpSpPr/>
+        <p:nvPr/>
+      </p:nvGrpSpPr>
+      <p:grpSpPr>
+        <a:xfrm>
+          <a:off x="0" y="0"/>
+          <a:ext cx="0" cy="0"/>
+          <a:chOff x="0" y="0"/>
+          <a:chExt cx="0" cy="0"/>
+        </a:xfrm>
+      </p:grpSpPr>
+      <p:sp>
+        <p:nvSpPr>
+          <p:cNvPr id="7" name="Rectangle 7"/>
+          <p:cNvSpPr>
+            <a:spLocks noGrp="1" noChangeArrowheads="1"/>
+          </p:cNvSpPr>
+          <p:nvPr>
+            <p:ph type="sldNum" sz="quarter" idx="5"/>
+          </p:nvPr>
+        </p:nvSpPr>
+        <p:spPr>
+          <a:ln/>
+        </p:spPr>
+        <p:txBody>
+          <a:bodyPr/>
+          <a:lstStyle/>
+          <a:p>
             <a:fld id="{080590DD-9A9F-43DC-A51D-BBD25710B0F4}" type="slidenum">
               <a:rPr lang="en-US"/>
               <a:pPr/>
-              <a:t>64</a:t>
+              <a:t>65</a:t>
             </a:fld>
             <a:endParaRPr lang="en-US"/>
           </a:p>
@@ -6344,7 +6433,7 @@
 </p:notes>
 </file>
 
-<file path=ppt/notesSlides/notesSlide61.xml><?xml version="1.0" encoding="utf-8"?>
+<file path=ppt/notesSlides/notesSlide62.xml><?xml version="1.0" encoding="utf-8"?>
 <p:notes xmlns:a="http://schemas.openxmlformats.org/drawingml/2006/main" xmlns:r="http://schemas.openxmlformats.org/officeDocument/2006/relationships" xmlns:mc="http://schemas.openxmlformats.org/markup-compatibility/2006" xmlns:mv="urn:schemas-microsoft-com:mac:vml" xmlns:p="http://schemas.openxmlformats.org/presentationml/2006/main" mc:Ignorable="mv" mc:PreserveAttributes="mv:*">
   <p:cSld>
     <p:spTree>
@@ -6381,7 +6470,7 @@
             <a:fld id="{1B775CA1-31D6-4149-A5F4-B932B1BA8953}" type="slidenum">
               <a:rPr lang="en-US"/>
               <a:pPr/>
-              <a:t>65</a:t>
+              <a:t>66</a:t>
             </a:fld>
             <a:endParaRPr lang="en-US"/>
           </a:p>
@@ -7566,52 +7655,7 @@
                 <a:uFillTx/>
                 <a:latin typeface="Comic Sans MS" pitchFamily="66" charset="0"/>
               </a:rPr>
-              <a:t>Albert R Meyer,</a:t>
-            </a:r>
-            <a:r>
-              <a:rPr kumimoji="0" lang="en-US" sz="1200" b="0" i="0" u="none" strike="noStrike" kern="1200" cap="none" spc="0" normalizeH="0" baseline="0" noProof="0" dirty="0" smtClean="0">
-                <a:ln>
-                  <a:noFill/>
-                </a:ln>
-                <a:solidFill>
-                  <a:schemeClr val="tx1"/>
-                </a:solidFill>
-                <a:effectLst/>
-                <a:uLnTx/>
-                <a:uFillTx/>
-                <a:latin typeface="Comic Sans MS" pitchFamily="66" charset="0"/>
-              </a:rPr>
-              <a:t>                May </a:t>
-            </a:r>
-            <a:r>
-              <a:rPr kumimoji="0" lang="en-US" sz="1200" b="0" i="0" u="none" strike="noStrike" kern="1200" cap="none" spc="0" normalizeH="0" baseline="0" noProof="0" dirty="0" smtClean="0">
-                <a:ln>
-                  <a:noFill/>
-                </a:ln>
-                <a:solidFill>
-                  <a:schemeClr val="tx1"/>
-                </a:solidFill>
-                <a:effectLst/>
-                <a:uLnTx/>
-                <a:uFillTx/>
-                <a:latin typeface="Comic Sans MS" pitchFamily="66" charset="0"/>
-              </a:rPr>
-              <a:t>7, </a:t>
-            </a:r>
-            <a:r>
-              <a:rPr kumimoji="0" lang="en-US" sz="1200" b="0" i="0" u="none" strike="noStrike" kern="1200" cap="none" spc="0" normalizeH="0" baseline="0" noProof="0" dirty="0" smtClean="0">
-                <a:ln>
-                  <a:noFill/>
-                </a:ln>
-                <a:solidFill>
-                  <a:schemeClr val="tx1"/>
-                </a:solidFill>
-                <a:effectLst/>
-                <a:uLnTx/>
-                <a:uFillTx/>
-                <a:latin typeface="Comic Sans MS" pitchFamily="66" charset="0"/>
-              </a:rPr>
-              <a:t>2010</a:t>
+              <a:t>Albert R Meyer,                May 7, 2010</a:t>
             </a:r>
             <a:endParaRPr kumimoji="0" lang="en-US" sz="1200" b="0" i="0" u="none" strike="noStrike" kern="1200" cap="none" spc="0" normalizeH="0" baseline="0" noProof="0" dirty="0">
               <a:ln>
@@ -10977,11 +11021,7 @@
             </a:r>
             <a:r>
               <a:rPr lang="en-US" sz="4800" dirty="0" smtClean="0"/>
-              <a:t>with IQ</a:t>
-            </a:r>
-            <a:r>
-              <a:rPr lang="en-US" sz="4800" dirty="0" smtClean="0"/>
-              <a:t> </a:t>
+              <a:t>with IQ </a:t>
             </a:r>
             <a:r>
               <a:rPr lang="en-US" sz="4800" b="1" dirty="0" smtClean="0">
@@ -15372,7 +15412,7 @@
 </file>
 
 <file path=ppt/slides/slide27.xml><?xml version="1.0" encoding="utf-8"?>
-<p:sld xmlns:a="http://schemas.openxmlformats.org/drawingml/2006/main" xmlns:r="http://schemas.openxmlformats.org/officeDocument/2006/relationships" xmlns:mc="http://schemas.openxmlformats.org/markup-compatibility/2006" xmlns:mv="urn:schemas-microsoft-com:mac:vml" xmlns:p="http://schemas.openxmlformats.org/presentationml/2006/main" mc:Ignorable="mv" mc:PreserveAttributes="mv:*">
+<p:sld xmlns:a="http://schemas.openxmlformats.org/drawingml/2006/main" xmlns:r="http://schemas.openxmlformats.org/officeDocument/2006/relationships" xmlns:mc="http://schemas.openxmlformats.org/markup-compatibility/2006" xmlns:mv="urn:schemas-microsoft-com:mac:vml" xmlns:p="http://schemas.openxmlformats.org/presentationml/2006/main" mc:Ignorable="mv" mc:PreserveAttributes="mv:*" show="0">
   <p:cSld>
     <p:spTree>
       <p:nvGrpSpPr>
@@ -15540,13 +15580,6 @@
               </a:rPr>
               <a:t>2</a:t>
             </a:r>
-            <a:endParaRPr lang="en-US" dirty="0" smtClean="0">
-              <a:solidFill>
-                <a:srgbClr val="FF00FF"/>
-              </a:solidFill>
-              <a:latin typeface="Comic Sans MS"/>
-              <a:cs typeface="Comic Sans MS"/>
-            </a:endParaRPr>
           </a:p>
         </p:txBody>
       </p:sp>
@@ -15940,6 +15973,764 @@
 </file>
 
 <file path=ppt/slides/slide28.xml><?xml version="1.0" encoding="utf-8"?>
+<p:sld xmlns:a="http://schemas.openxmlformats.org/drawingml/2006/main" xmlns:r="http://schemas.openxmlformats.org/officeDocument/2006/relationships" xmlns:mc="http://schemas.openxmlformats.org/markup-compatibility/2006" xmlns:mv="urn:schemas-microsoft-com:mac:vml" xmlns:p="http://schemas.openxmlformats.org/presentationml/2006/main" mc:Ignorable="mv" mc:PreserveAttributes="mv:*">
+  <p:cSld>
+    <p:spTree>
+      <p:nvGrpSpPr>
+        <p:cNvPr id="1" name=""/>
+        <p:cNvGrpSpPr/>
+        <p:nvPr/>
+      </p:nvGrpSpPr>
+      <p:grpSpPr>
+        <a:xfrm>
+          <a:off x="0" y="0"/>
+          <a:ext cx="0" cy="0"/>
+          <a:chOff x="0" y="0"/>
+          <a:chExt cx="0" cy="0"/>
+        </a:xfrm>
+      </p:grpSpPr>
+      <p:sp>
+        <p:nvSpPr>
+          <p:cNvPr id="7172" name="Rectangle 2"/>
+          <p:cNvSpPr>
+            <a:spLocks noGrp="1" noChangeArrowheads="1"/>
+          </p:cNvSpPr>
+          <p:nvPr>
+            <p:ph type="title"/>
+          </p:nvPr>
+        </p:nvSpPr>
+        <p:spPr/>
+        <p:txBody>
+          <a:bodyPr/>
+          <a:lstStyle/>
+          <a:p>
+            <a:pPr eaLnBrk="1" hangingPunct="1"/>
+            <a:r>
+              <a:rPr lang="en-US" sz="4400" smtClean="0">
+                <a:solidFill>
+                  <a:schemeClr val="tx1"/>
+                </a:solidFill>
+              </a:rPr>
+              <a:t>Chebyshev Bound</a:t>
+            </a:r>
+          </a:p>
+        </p:txBody>
+      </p:sp>
+      <p:graphicFrame>
+        <p:nvGraphicFramePr>
+          <p:cNvPr id="7170" name="Object 2"/>
+          <p:cNvGraphicFramePr>
+            <a:graphicFrameLocks noChangeAspect="1"/>
+          </p:cNvGraphicFramePr>
+          <p:nvPr/>
+        </p:nvGraphicFramePr>
+        <p:xfrm>
+          <a:off x="363538" y="1120775"/>
+          <a:ext cx="8485187" cy="2338388"/>
+        </p:xfrm>
+        <a:graphic>
+          <a:graphicData uri="http://schemas.openxmlformats.org/presentationml/2006/ole">
+            <p:oleObj spid="_x0000_s408578" name="Equation" r:id="rId4" imgW="1714500" imgH="431800" progId="Equation.DSMT4">
+              <p:embed/>
+            </p:oleObj>
+          </a:graphicData>
+        </a:graphic>
+      </p:graphicFrame>
+      <p:graphicFrame>
+        <p:nvGraphicFramePr>
+          <p:cNvPr id="4" name="Object 3"/>
+          <p:cNvGraphicFramePr>
+            <a:graphicFrameLocks noChangeAspect="1"/>
+          </p:cNvGraphicFramePr>
+          <p:nvPr/>
+        </p:nvGraphicFramePr>
+        <p:xfrm>
+          <a:off x="608856" y="3340280"/>
+          <a:ext cx="7560228" cy="1430998"/>
+        </p:xfrm>
+        <a:graphic>
+          <a:graphicData uri="http://schemas.openxmlformats.org/presentationml/2006/ole">
+            <p:oleObj spid="_x0000_s408579" name="Equation" r:id="rId5" imgW="1409700" imgH="266700" progId="Equation.DSMT4">
+              <p:embed/>
+            </p:oleObj>
+          </a:graphicData>
+        </a:graphic>
+      </p:graphicFrame>
+      <p:graphicFrame>
+        <p:nvGraphicFramePr>
+          <p:cNvPr id="7174" name="Object 2"/>
+          <p:cNvGraphicFramePr>
+            <a:graphicFrameLocks noChangeAspect="1"/>
+          </p:cNvGraphicFramePr>
+          <p:nvPr/>
+        </p:nvGraphicFramePr>
+        <p:xfrm>
+          <a:off x="2188881" y="4790275"/>
+          <a:ext cx="5464175" cy="1398588"/>
+        </p:xfrm>
+        <a:graphic>
+          <a:graphicData uri="http://schemas.openxmlformats.org/presentationml/2006/ole">
+            <p:oleObj spid="_x0000_s408580" name="Equation" r:id="rId6" imgW="990360" imgH="253800" progId="Equation.DSMT4">
+              <p:embed/>
+            </p:oleObj>
+          </a:graphicData>
+        </a:graphic>
+      </p:graphicFrame>
+      <p:sp>
+        <p:nvSpPr>
+          <p:cNvPr id="6" name="Rectangle 5"/>
+          <p:cNvSpPr/>
+          <p:nvPr/>
+        </p:nvSpPr>
+        <p:spPr bwMode="auto">
+          <a:xfrm>
+            <a:off x="400425" y="1315821"/>
+            <a:ext cx="8546222" cy="2111592"/>
+          </a:xfrm>
+          <a:prstGeom prst="rect">
+            <a:avLst/>
+          </a:prstGeom>
+          <a:noFill/>
+          <a:ln w="41275" algn="ctr">
+            <a:solidFill>
+              <a:srgbClr val="FF00FF"/>
+            </a:solidFill>
+            <a:prstDash val="sysDash"/>
+            <a:miter lim="800000"/>
+            <a:headEnd/>
+            <a:tailEnd/>
+          </a:ln>
+        </p:spPr>
+        <p:txBody>
+          <a:bodyPr wrap="none" rtlCol="0" anchor="ctr"/>
+          <a:lstStyle/>
+          <a:p>
+            <a:pPr algn="ctr"/>
+            <a:endParaRPr lang="en-US"/>
+          </a:p>
+        </p:txBody>
+      </p:sp>
+      <p:sp>
+        <p:nvSpPr>
+          <p:cNvPr id="8" name="Oval 7"/>
+          <p:cNvSpPr/>
+          <p:nvPr/>
+        </p:nvSpPr>
+        <p:spPr bwMode="auto">
+          <a:xfrm>
+            <a:off x="7468399" y="2419139"/>
+            <a:ext cx="554335" cy="574545"/>
+          </a:xfrm>
+          <a:prstGeom prst="ellipse">
+            <a:avLst/>
+          </a:prstGeom>
+          <a:noFill/>
+          <a:ln w="41275" algn="ctr">
+            <a:solidFill>
+              <a:srgbClr val="FF00FF"/>
+            </a:solidFill>
+            <a:prstDash val="sysDash"/>
+            <a:miter lim="800000"/>
+            <a:headEnd/>
+            <a:tailEnd/>
+          </a:ln>
+        </p:spPr>
+        <p:txBody>
+          <a:bodyPr wrap="none" rtlCol="0" anchor="ctr"/>
+          <a:lstStyle/>
+          <a:p>
+            <a:pPr algn="ctr"/>
+            <a:endParaRPr lang="en-US"/>
+          </a:p>
+        </p:txBody>
+      </p:sp>
+    </p:spTree>
+  </p:cSld>
+  <p:clrMapOvr>
+    <a:masterClrMapping/>
+  </p:clrMapOvr>
+  <p:transition>
+    <p:fade thruBlk="1"/>
+  </p:transition>
+  <p:timing>
+    <p:tnLst>
+      <p:par>
+        <p:cTn id="1" dur="indefinite" restart="never" nodeType="tmRoot">
+          <p:childTnLst>
+            <p:seq concurrent="1" nextAc="seek">
+              <p:cTn id="2" dur="indefinite" nodeType="mainSeq">
+                <p:childTnLst>
+                  <p:par>
+                    <p:cTn id="3" fill="hold">
+                      <p:stCondLst>
+                        <p:cond delay="indefinite"/>
+                        <p:cond evt="onBegin" delay="0">
+                          <p:tn val="2"/>
+                        </p:cond>
+                      </p:stCondLst>
+                      <p:childTnLst>
+                        <p:par>
+                          <p:cTn id="4" fill="hold">
+                            <p:stCondLst>
+                              <p:cond delay="0"/>
+                            </p:stCondLst>
+                            <p:childTnLst>
+                              <p:par>
+                                <p:cTn id="5" presetID="22" presetClass="entr" presetSubtype="8" fill="hold" nodeType="afterEffect">
+                                  <p:stCondLst>
+                                    <p:cond delay="0"/>
+                                  </p:stCondLst>
+                                  <p:childTnLst>
+                                    <p:set>
+                                      <p:cBhvr>
+                                        <p:cTn id="6" dur="1" fill="hold">
+                                          <p:stCondLst>
+                                            <p:cond delay="0"/>
+                                          </p:stCondLst>
+                                        </p:cTn>
+                                        <p:tgtEl>
+                                          <p:spTgt spid="7170"/>
+                                        </p:tgtEl>
+                                        <p:attrNameLst>
+                                          <p:attrName>style.visibility</p:attrName>
+                                        </p:attrNameLst>
+                                      </p:cBhvr>
+                                      <p:to>
+                                        <p:strVal val="visible"/>
+                                      </p:to>
+                                    </p:set>
+                                    <p:animEffect transition="in" filter="wipe(left)">
+                                      <p:cBhvr>
+                                        <p:cTn id="7" dur="1000"/>
+                                        <p:tgtEl>
+                                          <p:spTgt spid="7170"/>
+                                        </p:tgtEl>
+                                      </p:cBhvr>
+                                    </p:animEffect>
+                                  </p:childTnLst>
+                                </p:cTn>
+                              </p:par>
+                            </p:childTnLst>
+                          </p:cTn>
+                        </p:par>
+                      </p:childTnLst>
+                    </p:cTn>
+                  </p:par>
+                  <p:par>
+                    <p:cTn id="8" fill="hold">
+                      <p:stCondLst>
+                        <p:cond delay="indefinite"/>
+                      </p:stCondLst>
+                      <p:childTnLst>
+                        <p:par>
+                          <p:cTn id="9" fill="hold">
+                            <p:stCondLst>
+                              <p:cond delay="0"/>
+                            </p:stCondLst>
+                            <p:childTnLst>
+                              <p:par>
+                                <p:cTn id="10" presetID="22" presetClass="entr" presetSubtype="8" fill="hold" nodeType="clickEffect">
+                                  <p:stCondLst>
+                                    <p:cond delay="0"/>
+                                  </p:stCondLst>
+                                  <p:childTnLst>
+                                    <p:set>
+                                      <p:cBhvr>
+                                        <p:cTn id="11" dur="1" fill="hold">
+                                          <p:stCondLst>
+                                            <p:cond delay="0"/>
+                                          </p:stCondLst>
+                                        </p:cTn>
+                                        <p:tgtEl>
+                                          <p:spTgt spid="4"/>
+                                        </p:tgtEl>
+                                        <p:attrNameLst>
+                                          <p:attrName>style.visibility</p:attrName>
+                                        </p:attrNameLst>
+                                      </p:cBhvr>
+                                      <p:to>
+                                        <p:strVal val="visible"/>
+                                      </p:to>
+                                    </p:set>
+                                    <p:animEffect transition="in" filter="wipe(left)">
+                                      <p:cBhvr>
+                                        <p:cTn id="12" dur="1000"/>
+                                        <p:tgtEl>
+                                          <p:spTgt spid="4"/>
+                                        </p:tgtEl>
+                                      </p:cBhvr>
+                                    </p:animEffect>
+                                  </p:childTnLst>
+                                </p:cTn>
+                              </p:par>
+                            </p:childTnLst>
+                          </p:cTn>
+                        </p:par>
+                      </p:childTnLst>
+                    </p:cTn>
+                  </p:par>
+                  <p:par>
+                    <p:cTn id="13" fill="hold">
+                      <p:stCondLst>
+                        <p:cond delay="indefinite"/>
+                      </p:stCondLst>
+                      <p:childTnLst>
+                        <p:par>
+                          <p:cTn id="14" fill="hold">
+                            <p:stCondLst>
+                              <p:cond delay="0"/>
+                            </p:stCondLst>
+                            <p:childTnLst>
+                              <p:par>
+                                <p:cTn id="15" presetID="15" presetClass="entr" presetSubtype="0" fill="hold" grpId="0" nodeType="clickEffect">
+                                  <p:stCondLst>
+                                    <p:cond delay="0"/>
+                                  </p:stCondLst>
+                                  <p:childTnLst>
+                                    <p:set>
+                                      <p:cBhvr>
+                                        <p:cTn id="16" dur="1" fill="hold">
+                                          <p:stCondLst>
+                                            <p:cond delay="0"/>
+                                          </p:stCondLst>
+                                        </p:cTn>
+                                        <p:tgtEl>
+                                          <p:spTgt spid="6"/>
+                                        </p:tgtEl>
+                                        <p:attrNameLst>
+                                          <p:attrName>style.visibility</p:attrName>
+                                        </p:attrNameLst>
+                                      </p:cBhvr>
+                                      <p:to>
+                                        <p:strVal val="visible"/>
+                                      </p:to>
+                                    </p:set>
+                                    <p:anim calcmode="lin" valueType="num">
+                                      <p:cBhvr>
+                                        <p:cTn id="17" dur="1000" fill="hold"/>
+                                        <p:tgtEl>
+                                          <p:spTgt spid="6"/>
+                                        </p:tgtEl>
+                                        <p:attrNameLst>
+                                          <p:attrName>ppt_w</p:attrName>
+                                        </p:attrNameLst>
+                                      </p:cBhvr>
+                                      <p:tavLst>
+                                        <p:tav tm="0">
+                                          <p:val>
+                                            <p:fltVal val="0"/>
+                                          </p:val>
+                                        </p:tav>
+                                        <p:tav tm="100000">
+                                          <p:val>
+                                            <p:strVal val="#ppt_w"/>
+                                          </p:val>
+                                        </p:tav>
+                                      </p:tavLst>
+                                    </p:anim>
+                                    <p:anim calcmode="lin" valueType="num">
+                                      <p:cBhvr>
+                                        <p:cTn id="18" dur="1000" fill="hold"/>
+                                        <p:tgtEl>
+                                          <p:spTgt spid="6"/>
+                                        </p:tgtEl>
+                                        <p:attrNameLst>
+                                          <p:attrName>ppt_h</p:attrName>
+                                        </p:attrNameLst>
+                                      </p:cBhvr>
+                                      <p:tavLst>
+                                        <p:tav tm="0">
+                                          <p:val>
+                                            <p:fltVal val="0"/>
+                                          </p:val>
+                                        </p:tav>
+                                        <p:tav tm="100000">
+                                          <p:val>
+                                            <p:strVal val="#ppt_h"/>
+                                          </p:val>
+                                        </p:tav>
+                                      </p:tavLst>
+                                    </p:anim>
+                                    <p:anim calcmode="lin" valueType="num">
+                                      <p:cBhvr>
+                                        <p:cTn id="19" dur="1000" fill="hold"/>
+                                        <p:tgtEl>
+                                          <p:spTgt spid="6"/>
+                                        </p:tgtEl>
+                                        <p:attrNameLst>
+                                          <p:attrName>ppt_x</p:attrName>
+                                        </p:attrNameLst>
+                                      </p:cBhvr>
+                                      <p:tavLst>
+                                        <p:tav tm="0" fmla="#ppt_x+(cos(-2*pi*(1-$))*-#ppt_x-sin(-2*pi*(1-$))*(1-#ppt_y))*(1-$)">
+                                          <p:val>
+                                            <p:fltVal val="0"/>
+                                          </p:val>
+                                        </p:tav>
+                                        <p:tav tm="100000">
+                                          <p:val>
+                                            <p:fltVal val="1"/>
+                                          </p:val>
+                                        </p:tav>
+                                      </p:tavLst>
+                                    </p:anim>
+                                    <p:anim calcmode="lin" valueType="num">
+                                      <p:cBhvr>
+                                        <p:cTn id="20" dur="1000" fill="hold"/>
+                                        <p:tgtEl>
+                                          <p:spTgt spid="6"/>
+                                        </p:tgtEl>
+                                        <p:attrNameLst>
+                                          <p:attrName>ppt_y</p:attrName>
+                                        </p:attrNameLst>
+                                      </p:cBhvr>
+                                      <p:tavLst>
+                                        <p:tav tm="0" fmla="#ppt_y+(sin(-2*pi*(1-$))*-#ppt_x+cos(-2*pi*(1-$))*(1-#ppt_y))*(1-$)">
+                                          <p:val>
+                                            <p:fltVal val="0"/>
+                                          </p:val>
+                                        </p:tav>
+                                        <p:tav tm="100000">
+                                          <p:val>
+                                            <p:fltVal val="1"/>
+                                          </p:val>
+                                        </p:tav>
+                                      </p:tavLst>
+                                    </p:anim>
+                                  </p:childTnLst>
+                                </p:cTn>
+                              </p:par>
+                            </p:childTnLst>
+                          </p:cTn>
+                        </p:par>
+                      </p:childTnLst>
+                    </p:cTn>
+                  </p:par>
+                  <p:par>
+                    <p:cTn id="21" fill="hold">
+                      <p:stCondLst>
+                        <p:cond delay="indefinite"/>
+                      </p:stCondLst>
+                      <p:childTnLst>
+                        <p:par>
+                          <p:cTn id="22" fill="hold">
+                            <p:stCondLst>
+                              <p:cond delay="0"/>
+                            </p:stCondLst>
+                            <p:childTnLst>
+                              <p:par>
+                                <p:cTn id="23" presetID="25" presetClass="entr" presetSubtype="0" fill="hold" grpId="0" nodeType="clickEffect">
+                                  <p:stCondLst>
+                                    <p:cond delay="0"/>
+                                  </p:stCondLst>
+                                  <p:childTnLst>
+                                    <p:set>
+                                      <p:cBhvr>
+                                        <p:cTn id="24" dur="1" fill="hold">
+                                          <p:stCondLst>
+                                            <p:cond delay="0"/>
+                                          </p:stCondLst>
+                                        </p:cTn>
+                                        <p:tgtEl>
+                                          <p:spTgt spid="8"/>
+                                        </p:tgtEl>
+                                        <p:attrNameLst>
+                                          <p:attrName>style.visibility</p:attrName>
+                                        </p:attrNameLst>
+                                      </p:cBhvr>
+                                      <p:to>
+                                        <p:strVal val="visible"/>
+                                      </p:to>
+                                    </p:set>
+                                    <p:anim calcmode="lin" valueType="num">
+                                      <p:cBhvr>
+                                        <p:cTn id="25" dur="500" decel="50000" fill="hold">
+                                          <p:stCondLst>
+                                            <p:cond delay="0"/>
+                                          </p:stCondLst>
+                                        </p:cTn>
+                                        <p:tgtEl>
+                                          <p:spTgt spid="8"/>
+                                        </p:tgtEl>
+                                        <p:attrNameLst>
+                                          <p:attrName>style.rotation</p:attrName>
+                                        </p:attrNameLst>
+                                      </p:cBhvr>
+                                      <p:tavLst>
+                                        <p:tav tm="0">
+                                          <p:val>
+                                            <p:fltVal val="-90"/>
+                                          </p:val>
+                                        </p:tav>
+                                        <p:tav tm="100000">
+                                          <p:val>
+                                            <p:fltVal val="0"/>
+                                          </p:val>
+                                        </p:tav>
+                                      </p:tavLst>
+                                    </p:anim>
+                                    <p:anim calcmode="lin" valueType="num">
+                                      <p:cBhvr>
+                                        <p:cTn id="26" dur="500" decel="50000" fill="hold">
+                                          <p:stCondLst>
+                                            <p:cond delay="0"/>
+                                          </p:stCondLst>
+                                        </p:cTn>
+                                        <p:tgtEl>
+                                          <p:spTgt spid="8"/>
+                                        </p:tgtEl>
+                                        <p:attrNameLst>
+                                          <p:attrName>ppt_w</p:attrName>
+                                        </p:attrNameLst>
+                                      </p:cBhvr>
+                                      <p:tavLst>
+                                        <p:tav tm="0">
+                                          <p:val>
+                                            <p:strVal val="#ppt_w"/>
+                                          </p:val>
+                                        </p:tav>
+                                        <p:tav tm="100000">
+                                          <p:val>
+                                            <p:strVal val="#ppt_w*.05"/>
+                                          </p:val>
+                                        </p:tav>
+                                      </p:tavLst>
+                                    </p:anim>
+                                    <p:anim calcmode="lin" valueType="num">
+                                      <p:cBhvr>
+                                        <p:cTn id="27" dur="500" accel="50000" fill="hold">
+                                          <p:stCondLst>
+                                            <p:cond delay="500"/>
+                                          </p:stCondLst>
+                                        </p:cTn>
+                                        <p:tgtEl>
+                                          <p:spTgt spid="8"/>
+                                        </p:tgtEl>
+                                        <p:attrNameLst>
+                                          <p:attrName>ppt_w</p:attrName>
+                                        </p:attrNameLst>
+                                      </p:cBhvr>
+                                      <p:tavLst>
+                                        <p:tav tm="0">
+                                          <p:val>
+                                            <p:strVal val="#ppt_w*.05"/>
+                                          </p:val>
+                                        </p:tav>
+                                        <p:tav tm="100000">
+                                          <p:val>
+                                            <p:strVal val="#ppt_w"/>
+                                          </p:val>
+                                        </p:tav>
+                                      </p:tavLst>
+                                    </p:anim>
+                                    <p:anim calcmode="lin" valueType="num">
+                                      <p:cBhvr>
+                                        <p:cTn id="28" dur="1000" fill="hold"/>
+                                        <p:tgtEl>
+                                          <p:spTgt spid="8"/>
+                                        </p:tgtEl>
+                                        <p:attrNameLst>
+                                          <p:attrName>ppt_h</p:attrName>
+                                        </p:attrNameLst>
+                                      </p:cBhvr>
+                                      <p:tavLst>
+                                        <p:tav tm="0">
+                                          <p:val>
+                                            <p:strVal val="#ppt_h"/>
+                                          </p:val>
+                                        </p:tav>
+                                        <p:tav tm="100000">
+                                          <p:val>
+                                            <p:strVal val="#ppt_h"/>
+                                          </p:val>
+                                        </p:tav>
+                                      </p:tavLst>
+                                    </p:anim>
+                                    <p:anim calcmode="lin" valueType="num">
+                                      <p:cBhvr>
+                                        <p:cTn id="29" dur="500" decel="50000" fill="hold">
+                                          <p:stCondLst>
+                                            <p:cond delay="0"/>
+                                          </p:stCondLst>
+                                        </p:cTn>
+                                        <p:tgtEl>
+                                          <p:spTgt spid="8"/>
+                                        </p:tgtEl>
+                                        <p:attrNameLst>
+                                          <p:attrName>ppt_x</p:attrName>
+                                        </p:attrNameLst>
+                                      </p:cBhvr>
+                                      <p:tavLst>
+                                        <p:tav tm="0">
+                                          <p:val>
+                                            <p:strVal val="#ppt_x+.4"/>
+                                          </p:val>
+                                        </p:tav>
+                                        <p:tav tm="100000">
+                                          <p:val>
+                                            <p:strVal val="#ppt_x"/>
+                                          </p:val>
+                                        </p:tav>
+                                      </p:tavLst>
+                                    </p:anim>
+                                    <p:anim calcmode="lin" valueType="num">
+                                      <p:cBhvr>
+                                        <p:cTn id="30" dur="500" decel="50000" fill="hold">
+                                          <p:stCondLst>
+                                            <p:cond delay="0"/>
+                                          </p:stCondLst>
+                                        </p:cTn>
+                                        <p:tgtEl>
+                                          <p:spTgt spid="8"/>
+                                        </p:tgtEl>
+                                        <p:attrNameLst>
+                                          <p:attrName>ppt_y</p:attrName>
+                                        </p:attrNameLst>
+                                      </p:cBhvr>
+                                      <p:tavLst>
+                                        <p:tav tm="0">
+                                          <p:val>
+                                            <p:strVal val="#ppt_y-.2"/>
+                                          </p:val>
+                                        </p:tav>
+                                        <p:tav tm="100000">
+                                          <p:val>
+                                            <p:strVal val="#ppt_y+.1"/>
+                                          </p:val>
+                                        </p:tav>
+                                      </p:tavLst>
+                                    </p:anim>
+                                    <p:anim calcmode="lin" valueType="num">
+                                      <p:cBhvr>
+                                        <p:cTn id="31" dur="500" accel="50000" fill="hold">
+                                          <p:stCondLst>
+                                            <p:cond delay="500"/>
+                                          </p:stCondLst>
+                                        </p:cTn>
+                                        <p:tgtEl>
+                                          <p:spTgt spid="8"/>
+                                        </p:tgtEl>
+                                        <p:attrNameLst>
+                                          <p:attrName>ppt_y</p:attrName>
+                                        </p:attrNameLst>
+                                      </p:cBhvr>
+                                      <p:tavLst>
+                                        <p:tav tm="0">
+                                          <p:val>
+                                            <p:strVal val="#ppt_y+.1"/>
+                                          </p:val>
+                                        </p:tav>
+                                        <p:tav tm="100000">
+                                          <p:val>
+                                            <p:strVal val="#ppt_y"/>
+                                          </p:val>
+                                        </p:tav>
+                                      </p:tavLst>
+                                    </p:anim>
+                                    <p:animEffect transition="in" filter="fade">
+                                      <p:cBhvr>
+                                        <p:cTn id="32" dur="1000" decel="50000">
+                                          <p:stCondLst>
+                                            <p:cond delay="0"/>
+                                          </p:stCondLst>
+                                        </p:cTn>
+                                        <p:tgtEl>
+                                          <p:spTgt spid="8"/>
+                                        </p:tgtEl>
+                                      </p:cBhvr>
+                                    </p:animEffect>
+                                  </p:childTnLst>
+                                </p:cTn>
+                              </p:par>
+                            </p:childTnLst>
+                          </p:cTn>
+                        </p:par>
+                      </p:childTnLst>
+                    </p:cTn>
+                  </p:par>
+                  <p:par>
+                    <p:cTn id="33" fill="hold">
+                      <p:stCondLst>
+                        <p:cond delay="indefinite"/>
+                      </p:stCondLst>
+                      <p:childTnLst>
+                        <p:par>
+                          <p:cTn id="34" fill="hold">
+                            <p:stCondLst>
+                              <p:cond delay="0"/>
+                            </p:stCondLst>
+                            <p:childTnLst>
+                              <p:par>
+                                <p:cTn id="35" presetID="10" presetClass="entr" presetSubtype="0" fill="hold" nodeType="clickEffect">
+                                  <p:stCondLst>
+                                    <p:cond delay="0"/>
+                                  </p:stCondLst>
+                                  <p:childTnLst>
+                                    <p:set>
+                                      <p:cBhvr>
+                                        <p:cTn id="36" dur="1" fill="hold">
+                                          <p:stCondLst>
+                                            <p:cond delay="0"/>
+                                          </p:stCondLst>
+                                        </p:cTn>
+                                        <p:tgtEl>
+                                          <p:spTgt spid="7174"/>
+                                        </p:tgtEl>
+                                        <p:attrNameLst>
+                                          <p:attrName>style.visibility</p:attrName>
+                                        </p:attrNameLst>
+                                      </p:cBhvr>
+                                      <p:to>
+                                        <p:strVal val="visible"/>
+                                      </p:to>
+                                    </p:set>
+                                    <p:animEffect transition="in" filter="fade">
+                                      <p:cBhvr>
+                                        <p:cTn id="37" dur="500"/>
+                                        <p:tgtEl>
+                                          <p:spTgt spid="7174"/>
+                                        </p:tgtEl>
+                                      </p:cBhvr>
+                                    </p:animEffect>
+                                  </p:childTnLst>
+                                </p:cTn>
+                              </p:par>
+                            </p:childTnLst>
+                          </p:cTn>
+                        </p:par>
+                      </p:childTnLst>
+                    </p:cTn>
+                  </p:par>
+                </p:childTnLst>
+              </p:cTn>
+              <p:prevCondLst>
+                <p:cond evt="onPrev" delay="0">
+                  <p:tgtEl>
+                    <p:sldTgt/>
+                  </p:tgtEl>
+                </p:cond>
+              </p:prevCondLst>
+              <p:nextCondLst>
+                <p:cond evt="onNext" delay="0">
+                  <p:tgtEl>
+                    <p:sldTgt/>
+                  </p:tgtEl>
+                </p:cond>
+              </p:nextCondLst>
+            </p:seq>
+          </p:childTnLst>
+        </p:cTn>
+      </p:par>
+    </p:tnLst>
+    <p:bldLst>
+      <p:bldP spid="6" grpId="0" animBg="1"/>
+      <p:bldP spid="8" grpId="0" animBg="1"/>
+    </p:bldLst>
+  </p:timing>
+</p:sld>
+</file>
+
+<file path=ppt/slides/slide29.xml><?xml version="1.0" encoding="utf-8"?>
 <p:sld xmlns:a="http://schemas.openxmlformats.org/drawingml/2006/main" xmlns:r="http://schemas.openxmlformats.org/officeDocument/2006/relationships" xmlns:mc="http://schemas.openxmlformats.org/markup-compatibility/2006" xmlns:mv="urn:schemas-microsoft-com:mac:vml" xmlns:p="http://schemas.openxmlformats.org/presentationml/2006/main" mc:Ignorable="mv" mc:PreserveAttributes="mv:*" show="0">
   <p:cSld>
     <p:spTree>
@@ -16123,7 +16914,405 @@
 </p:sld>
 </file>
 
-<file path=ppt/slides/slide29.xml><?xml version="1.0" encoding="utf-8"?>
+<file path=ppt/slides/slide3.xml><?xml version="1.0" encoding="utf-8"?>
+<p:sld xmlns:a="http://schemas.openxmlformats.org/drawingml/2006/main" xmlns:r="http://schemas.openxmlformats.org/officeDocument/2006/relationships" xmlns:mc="http://schemas.openxmlformats.org/markup-compatibility/2006" xmlns:mv="urn:schemas-microsoft-com:mac:vml" xmlns:p="http://schemas.openxmlformats.org/presentationml/2006/main" mc:Ignorable="mv" mc:PreserveAttributes="mv:*" show="0">
+  <p:cSld>
+    <p:spTree>
+      <p:nvGrpSpPr>
+        <p:cNvPr id="1" name=""/>
+        <p:cNvGrpSpPr/>
+        <p:nvPr/>
+      </p:nvGrpSpPr>
+      <p:grpSpPr>
+        <a:xfrm>
+          <a:off x="0" y="0"/>
+          <a:ext cx="0" cy="0"/>
+          <a:chOff x="0" y="0"/>
+          <a:chExt cx="0" cy="0"/>
+        </a:xfrm>
+      </p:grpSpPr>
+      <p:sp>
+        <p:nvSpPr>
+          <p:cNvPr id="27651" name="Rectangle 3"/>
+          <p:cNvSpPr>
+            <a:spLocks noGrp="1" noChangeArrowheads="1"/>
+          </p:cNvSpPr>
+          <p:nvPr>
+            <p:ph type="body" idx="1"/>
+          </p:nvPr>
+        </p:nvSpPr>
+        <p:spPr>
+          <a:xfrm>
+            <a:off x="298450" y="1698625"/>
+            <a:ext cx="8553450" cy="2909888"/>
+          </a:xfrm>
+        </p:spPr>
+        <p:txBody>
+          <a:bodyPr/>
+          <a:lstStyle/>
+          <a:p>
+            <a:pPr eaLnBrk="1" hangingPunct="1">
+              <a:buFontTx/>
+              <a:buNone/>
+            </a:pPr>
+            <a:r>
+              <a:rPr lang="en-US" sz="4800" dirty="0" smtClean="0"/>
+              <a:t>Pr{</a:t>
+            </a:r>
+            <a:r>
+              <a:rPr lang="en-US" sz="4800" dirty="0" smtClean="0">
+                <a:solidFill>
+                  <a:srgbClr val="7030A0"/>
+                </a:solidFill>
+              </a:rPr>
+              <a:t>exactly</a:t>
+            </a:r>
+            <a:r>
+              <a:rPr lang="en-US" sz="4800" dirty="0" smtClean="0">
+                <a:solidFill>
+                  <a:schemeClr val="accent2"/>
+                </a:solidFill>
+              </a:rPr>
+              <a:t> </a:t>
+            </a:r>
+            <a:r>
+              <a:rPr lang="en-US" sz="4800" dirty="0" smtClean="0">
+                <a:solidFill>
+                  <a:srgbClr val="0000FF"/>
+                </a:solidFill>
+              </a:rPr>
+              <a:t>50.5</a:t>
+            </a:r>
+            <a:r>
+              <a:rPr lang="en-US" sz="4800" dirty="0" smtClean="0"/>
+              <a:t> Heads} = ?</a:t>
+            </a:r>
+            <a:endParaRPr lang="en-US" sz="4800" dirty="0" smtClean="0">
+              <a:solidFill>
+                <a:schemeClr val="accent2"/>
+              </a:solidFill>
+            </a:endParaRPr>
+          </a:p>
+          <a:p>
+            <a:pPr eaLnBrk="1" hangingPunct="1">
+              <a:buFontTx/>
+              <a:buNone/>
+            </a:pPr>
+            <a:r>
+              <a:rPr lang="en-US" sz="4800" dirty="0" smtClean="0"/>
+              <a:t>Pr{</a:t>
+            </a:r>
+            <a:r>
+              <a:rPr lang="en-US" sz="4800" dirty="0" smtClean="0">
+                <a:solidFill>
+                  <a:srgbClr val="7030A0"/>
+                </a:solidFill>
+              </a:rPr>
+              <a:t>exactly</a:t>
+            </a:r>
+            <a:r>
+              <a:rPr lang="en-US" sz="4800" i="1" dirty="0" smtClean="0"/>
+              <a:t> </a:t>
+            </a:r>
+            <a:r>
+              <a:rPr lang="en-US" sz="4800" dirty="0" smtClean="0">
+                <a:solidFill>
+                  <a:srgbClr val="0000FF"/>
+                </a:solidFill>
+              </a:rPr>
+              <a:t>50</a:t>
+            </a:r>
+            <a:r>
+              <a:rPr lang="en-US" sz="4800" dirty="0" smtClean="0"/>
+              <a:t> Heads} </a:t>
+            </a:r>
+            <a:r>
+              <a:rPr lang="en-US" sz="4800" b="1" dirty="0" smtClean="0">
+                <a:latin typeface="Times New Roman" pitchFamily="18" charset="0"/>
+                <a:cs typeface="Times New Roman" pitchFamily="18" charset="0"/>
+                <a:sym typeface="Symbol" pitchFamily="18" charset="2"/>
+              </a:rPr>
+              <a:t>&lt;</a:t>
+            </a:r>
+            <a:r>
+              <a:rPr lang="en-US" sz="4800" dirty="0" smtClean="0">
+                <a:solidFill>
+                  <a:srgbClr val="0000FF"/>
+                </a:solidFill>
+                <a:sym typeface="Symbol" pitchFamily="18" charset="2"/>
+              </a:rPr>
+              <a:t> 1/13</a:t>
+            </a:r>
+          </a:p>
+          <a:p>
+            <a:pPr eaLnBrk="1" hangingPunct="1">
+              <a:buFontTx/>
+              <a:buNone/>
+            </a:pPr>
+            <a:r>
+              <a:rPr lang="en-US" sz="4800" dirty="0" smtClean="0"/>
+              <a:t>Pr{</a:t>
+            </a:r>
+            <a:r>
+              <a:rPr lang="en-US" sz="4800" dirty="0" smtClean="0">
+                <a:solidFill>
+                  <a:srgbClr val="0000FF"/>
+                </a:solidFill>
+              </a:rPr>
+              <a:t>50.5 </a:t>
+            </a:r>
+            <a:r>
+              <a:rPr lang="en-US" sz="4800" dirty="0" smtClean="0">
+                <a:solidFill>
+                  <a:srgbClr val="0000FF"/>
+                </a:solidFill>
+                <a:latin typeface="Euclid Symbol" charset="2"/>
+                <a:cs typeface="Euclid Symbol" charset="2"/>
+              </a:rPr>
+              <a:t>± </a:t>
+            </a:r>
+            <a:r>
+              <a:rPr lang="en-US" sz="4800" dirty="0" smtClean="0">
+                <a:solidFill>
+                  <a:srgbClr val="0000FF"/>
+                </a:solidFill>
+              </a:rPr>
+              <a:t>1</a:t>
+            </a:r>
+            <a:r>
+              <a:rPr lang="en-US" sz="4800" dirty="0" smtClean="0"/>
+              <a:t> Heads}      </a:t>
+            </a:r>
+            <a:r>
+              <a:rPr lang="en-US" sz="4800" b="1" dirty="0" smtClean="0">
+                <a:latin typeface="Times New Roman" pitchFamily="18" charset="0"/>
+                <a:cs typeface="Times New Roman" pitchFamily="18" charset="0"/>
+                <a:sym typeface="Symbol" pitchFamily="18" charset="2"/>
+              </a:rPr>
+              <a:t>&lt;</a:t>
+            </a:r>
+            <a:r>
+              <a:rPr lang="en-US" sz="4800" dirty="0" smtClean="0">
+                <a:solidFill>
+                  <a:srgbClr val="0000FF"/>
+                </a:solidFill>
+                <a:sym typeface="Symbol" pitchFamily="18" charset="2"/>
+              </a:rPr>
+              <a:t> 1/7</a:t>
+            </a:r>
+            <a:endParaRPr lang="en-US" sz="4800" dirty="0" smtClean="0">
+              <a:solidFill>
+                <a:srgbClr val="0000FF"/>
+              </a:solidFill>
+            </a:endParaRPr>
+          </a:p>
+        </p:txBody>
+      </p:sp>
+      <p:sp useBgFill="1">
+        <p:nvSpPr>
+          <p:cNvPr id="27652" name="Text Box 8"/>
+          <p:cNvSpPr txBox="1">
+            <a:spLocks noChangeArrowheads="1"/>
+          </p:cNvSpPr>
+          <p:nvPr/>
+        </p:nvSpPr>
+        <p:spPr bwMode="auto">
+          <a:xfrm>
+            <a:off x="6961188" y="1724025"/>
+            <a:ext cx="1157287" cy="914400"/>
+          </a:xfrm>
+          <a:prstGeom prst="rect">
+            <a:avLst/>
+          </a:prstGeom>
+          <a:ln w="9525">
+            <a:noFill/>
+            <a:miter lim="800000"/>
+            <a:headEnd/>
+            <a:tailEnd/>
+          </a:ln>
+        </p:spPr>
+        <p:txBody>
+          <a:bodyPr wrap="none">
+            <a:spAutoFit/>
+          </a:bodyPr>
+          <a:lstStyle/>
+          <a:p>
+            <a:r>
+              <a:rPr lang="en-US" sz="5400">
+                <a:latin typeface="Comic Sans MS" pitchFamily="66" charset="0"/>
+              </a:rPr>
+              <a:t>= 0</a:t>
+            </a:r>
+          </a:p>
+        </p:txBody>
+      </p:sp>
+      <p:sp>
+        <p:nvSpPr>
+          <p:cNvPr id="27653" name="Rectangle 10"/>
+          <p:cNvSpPr>
+            <a:spLocks noGrp="1" noChangeArrowheads="1"/>
+          </p:cNvSpPr>
+          <p:nvPr>
+            <p:ph type="title"/>
+          </p:nvPr>
+        </p:nvSpPr>
+        <p:spPr>
+          <a:xfrm>
+            <a:off x="1498600" y="304800"/>
+            <a:ext cx="7124700" cy="1193800"/>
+          </a:xfrm>
+          <a:noFill/>
+        </p:spPr>
+        <p:txBody>
+          <a:bodyPr/>
+          <a:lstStyle/>
+          <a:p>
+            <a:pPr eaLnBrk="1" hangingPunct="1"/>
+            <a:r>
+              <a:rPr lang="en-US" sz="3600" dirty="0" smtClean="0"/>
+              <a:t>Don’t expect the Expectation!</a:t>
+            </a:r>
+          </a:p>
+        </p:txBody>
+      </p:sp>
+    </p:spTree>
+  </p:cSld>
+  <p:clrMapOvr>
+    <a:masterClrMapping/>
+  </p:clrMapOvr>
+  <p:transition/>
+  <p:timing>
+    <p:tnLst>
+      <p:par>
+        <p:cTn id="1" dur="indefinite" restart="never" nodeType="tmRoot">
+          <p:childTnLst>
+            <p:seq concurrent="1" nextAc="seek">
+              <p:cTn id="2" dur="indefinite" nodeType="mainSeq">
+                <p:childTnLst>
+                  <p:par>
+                    <p:cTn id="3" fill="hold">
+                      <p:stCondLst>
+                        <p:cond delay="indefinite"/>
+                      </p:stCondLst>
+                      <p:childTnLst>
+                        <p:par>
+                          <p:cTn id="4" fill="hold">
+                            <p:stCondLst>
+                              <p:cond delay="0"/>
+                            </p:stCondLst>
+                            <p:childTnLst>
+                              <p:par>
+                                <p:cTn id="5" presetID="1" presetClass="entr" presetSubtype="0" fill="hold" nodeType="clickEffect">
+                                  <p:stCondLst>
+                                    <p:cond delay="0"/>
+                                  </p:stCondLst>
+                                  <p:childTnLst>
+                                    <p:set>
+                                      <p:cBhvr>
+                                        <p:cTn id="6" dur="1" fill="hold">
+                                          <p:stCondLst>
+                                            <p:cond delay="0"/>
+                                          </p:stCondLst>
+                                        </p:cTn>
+                                        <p:tgtEl>
+                                          <p:spTgt spid="27651">
+                                            <p:txEl>
+                                              <p:pRg st="1" end="1"/>
+                                            </p:txEl>
+                                          </p:spTgt>
+                                        </p:tgtEl>
+                                        <p:attrNameLst>
+                                          <p:attrName>style.visibility</p:attrName>
+                                        </p:attrNameLst>
+                                      </p:cBhvr>
+                                      <p:to>
+                                        <p:strVal val="visible"/>
+                                      </p:to>
+                                    </p:set>
+                                  </p:childTnLst>
+                                </p:cTn>
+                              </p:par>
+                            </p:childTnLst>
+                          </p:cTn>
+                        </p:par>
+                      </p:childTnLst>
+                    </p:cTn>
+                  </p:par>
+                  <p:par>
+                    <p:cTn id="7" fill="hold">
+                      <p:stCondLst>
+                        <p:cond delay="indefinite"/>
+                      </p:stCondLst>
+                      <p:childTnLst>
+                        <p:par>
+                          <p:cTn id="8" fill="hold">
+                            <p:stCondLst>
+                              <p:cond delay="0"/>
+                            </p:stCondLst>
+                            <p:childTnLst>
+                              <p:par>
+                                <p:cTn id="9" presetID="1" presetClass="entr" presetSubtype="0" fill="hold" nodeType="clickEffect">
+                                  <p:stCondLst>
+                                    <p:cond delay="0"/>
+                                  </p:stCondLst>
+                                  <p:childTnLst>
+                                    <p:set>
+                                      <p:cBhvr>
+                                        <p:cTn id="10" dur="1" fill="hold">
+                                          <p:stCondLst>
+                                            <p:cond delay="0"/>
+                                          </p:stCondLst>
+                                        </p:cTn>
+                                        <p:tgtEl>
+                                          <p:spTgt spid="27651">
+                                            <p:txEl>
+                                              <p:pRg st="2" end="2"/>
+                                            </p:txEl>
+                                          </p:spTgt>
+                                        </p:tgtEl>
+                                        <p:attrNameLst>
+                                          <p:attrName>style.visibility</p:attrName>
+                                        </p:attrNameLst>
+                                      </p:cBhvr>
+                                      <p:to>
+                                        <p:strVal val="visible"/>
+                                      </p:to>
+                                    </p:set>
+                                  </p:childTnLst>
+                                </p:cTn>
+                              </p:par>
+                            </p:childTnLst>
+                          </p:cTn>
+                        </p:par>
+                      </p:childTnLst>
+                    </p:cTn>
+                  </p:par>
+                </p:childTnLst>
+              </p:cTn>
+              <p:prevCondLst>
+                <p:cond evt="onPrev" delay="0">
+                  <p:tgtEl>
+                    <p:sldTgt/>
+                  </p:tgtEl>
+                </p:cond>
+              </p:prevCondLst>
+              <p:nextCondLst>
+                <p:cond evt="onNext" delay="0">
+                  <p:tgtEl>
+                    <p:sldTgt/>
+                  </p:tgtEl>
+                </p:cond>
+              </p:nextCondLst>
+            </p:seq>
+          </p:childTnLst>
+        </p:cTn>
+      </p:par>
+    </p:tnLst>
+  </p:timing>
+</p:sld>
+</file>
+
+<file path=ppt/slides/slide30.xml><?xml version="1.0" encoding="utf-8"?>
 <p:sld xmlns:a="http://schemas.openxmlformats.org/drawingml/2006/main" xmlns:r="http://schemas.openxmlformats.org/officeDocument/2006/relationships" xmlns:mc="http://schemas.openxmlformats.org/markup-compatibility/2006" xmlns:mv="urn:schemas-microsoft-com:mac:vml" xmlns:p="http://schemas.openxmlformats.org/presentationml/2006/main" mc:Ignorable="mv" mc:PreserveAttributes="mv:*" show="0">
   <p:cSld>
     <p:spTree>
@@ -16961,405 +18150,7 @@
 </p:sld>
 </file>
 
-<file path=ppt/slides/slide3.xml><?xml version="1.0" encoding="utf-8"?>
-<p:sld xmlns:a="http://schemas.openxmlformats.org/drawingml/2006/main" xmlns:r="http://schemas.openxmlformats.org/officeDocument/2006/relationships" xmlns:mc="http://schemas.openxmlformats.org/markup-compatibility/2006" xmlns:mv="urn:schemas-microsoft-com:mac:vml" xmlns:p="http://schemas.openxmlformats.org/presentationml/2006/main" mc:Ignorable="mv" mc:PreserveAttributes="mv:*" show="0">
-  <p:cSld>
-    <p:spTree>
-      <p:nvGrpSpPr>
-        <p:cNvPr id="1" name=""/>
-        <p:cNvGrpSpPr/>
-        <p:nvPr/>
-      </p:nvGrpSpPr>
-      <p:grpSpPr>
-        <a:xfrm>
-          <a:off x="0" y="0"/>
-          <a:ext cx="0" cy="0"/>
-          <a:chOff x="0" y="0"/>
-          <a:chExt cx="0" cy="0"/>
-        </a:xfrm>
-      </p:grpSpPr>
-      <p:sp>
-        <p:nvSpPr>
-          <p:cNvPr id="27651" name="Rectangle 3"/>
-          <p:cNvSpPr>
-            <a:spLocks noGrp="1" noChangeArrowheads="1"/>
-          </p:cNvSpPr>
-          <p:nvPr>
-            <p:ph type="body" idx="1"/>
-          </p:nvPr>
-        </p:nvSpPr>
-        <p:spPr>
-          <a:xfrm>
-            <a:off x="298450" y="1698625"/>
-            <a:ext cx="8553450" cy="2909888"/>
-          </a:xfrm>
-        </p:spPr>
-        <p:txBody>
-          <a:bodyPr/>
-          <a:lstStyle/>
-          <a:p>
-            <a:pPr eaLnBrk="1" hangingPunct="1">
-              <a:buFontTx/>
-              <a:buNone/>
-            </a:pPr>
-            <a:r>
-              <a:rPr lang="en-US" sz="4800" dirty="0" smtClean="0"/>
-              <a:t>Pr{</a:t>
-            </a:r>
-            <a:r>
-              <a:rPr lang="en-US" sz="4800" dirty="0" smtClean="0">
-                <a:solidFill>
-                  <a:srgbClr val="7030A0"/>
-                </a:solidFill>
-              </a:rPr>
-              <a:t>exactly</a:t>
-            </a:r>
-            <a:r>
-              <a:rPr lang="en-US" sz="4800" dirty="0" smtClean="0">
-                <a:solidFill>
-                  <a:schemeClr val="accent2"/>
-                </a:solidFill>
-              </a:rPr>
-              <a:t> </a:t>
-            </a:r>
-            <a:r>
-              <a:rPr lang="en-US" sz="4800" dirty="0" smtClean="0">
-                <a:solidFill>
-                  <a:srgbClr val="0000FF"/>
-                </a:solidFill>
-              </a:rPr>
-              <a:t>50.5</a:t>
-            </a:r>
-            <a:r>
-              <a:rPr lang="en-US" sz="4800" dirty="0" smtClean="0"/>
-              <a:t> Heads} = ?</a:t>
-            </a:r>
-            <a:endParaRPr lang="en-US" sz="4800" dirty="0" smtClean="0">
-              <a:solidFill>
-                <a:schemeClr val="accent2"/>
-              </a:solidFill>
-            </a:endParaRPr>
-          </a:p>
-          <a:p>
-            <a:pPr eaLnBrk="1" hangingPunct="1">
-              <a:buFontTx/>
-              <a:buNone/>
-            </a:pPr>
-            <a:r>
-              <a:rPr lang="en-US" sz="4800" dirty="0" smtClean="0"/>
-              <a:t>Pr{</a:t>
-            </a:r>
-            <a:r>
-              <a:rPr lang="en-US" sz="4800" dirty="0" smtClean="0">
-                <a:solidFill>
-                  <a:srgbClr val="7030A0"/>
-                </a:solidFill>
-              </a:rPr>
-              <a:t>exactly</a:t>
-            </a:r>
-            <a:r>
-              <a:rPr lang="en-US" sz="4800" i="1" dirty="0" smtClean="0"/>
-              <a:t> </a:t>
-            </a:r>
-            <a:r>
-              <a:rPr lang="en-US" sz="4800" dirty="0" smtClean="0">
-                <a:solidFill>
-                  <a:srgbClr val="0000FF"/>
-                </a:solidFill>
-              </a:rPr>
-              <a:t>50</a:t>
-            </a:r>
-            <a:r>
-              <a:rPr lang="en-US" sz="4800" dirty="0" smtClean="0"/>
-              <a:t> Heads} </a:t>
-            </a:r>
-            <a:r>
-              <a:rPr lang="en-US" sz="4800" b="1" dirty="0" smtClean="0">
-                <a:latin typeface="Times New Roman" pitchFamily="18" charset="0"/>
-                <a:cs typeface="Times New Roman" pitchFamily="18" charset="0"/>
-                <a:sym typeface="Symbol" pitchFamily="18" charset="2"/>
-              </a:rPr>
-              <a:t>&lt;</a:t>
-            </a:r>
-            <a:r>
-              <a:rPr lang="en-US" sz="4800" dirty="0" smtClean="0">
-                <a:solidFill>
-                  <a:srgbClr val="0000FF"/>
-                </a:solidFill>
-                <a:sym typeface="Symbol" pitchFamily="18" charset="2"/>
-              </a:rPr>
-              <a:t> 1/13</a:t>
-            </a:r>
-          </a:p>
-          <a:p>
-            <a:pPr eaLnBrk="1" hangingPunct="1">
-              <a:buFontTx/>
-              <a:buNone/>
-            </a:pPr>
-            <a:r>
-              <a:rPr lang="en-US" sz="4800" dirty="0" smtClean="0"/>
-              <a:t>Pr{</a:t>
-            </a:r>
-            <a:r>
-              <a:rPr lang="en-US" sz="4800" dirty="0" smtClean="0">
-                <a:solidFill>
-                  <a:srgbClr val="0000FF"/>
-                </a:solidFill>
-              </a:rPr>
-              <a:t>50.5 </a:t>
-            </a:r>
-            <a:r>
-              <a:rPr lang="en-US" sz="4800" dirty="0" smtClean="0">
-                <a:solidFill>
-                  <a:srgbClr val="0000FF"/>
-                </a:solidFill>
-                <a:latin typeface="Euclid Symbol" charset="2"/>
-                <a:cs typeface="Euclid Symbol" charset="2"/>
-              </a:rPr>
-              <a:t>± </a:t>
-            </a:r>
-            <a:r>
-              <a:rPr lang="en-US" sz="4800" dirty="0" smtClean="0">
-                <a:solidFill>
-                  <a:srgbClr val="0000FF"/>
-                </a:solidFill>
-              </a:rPr>
-              <a:t>1</a:t>
-            </a:r>
-            <a:r>
-              <a:rPr lang="en-US" sz="4800" dirty="0" smtClean="0"/>
-              <a:t> Heads}      </a:t>
-            </a:r>
-            <a:r>
-              <a:rPr lang="en-US" sz="4800" b="1" dirty="0" smtClean="0">
-                <a:latin typeface="Times New Roman" pitchFamily="18" charset="0"/>
-                <a:cs typeface="Times New Roman" pitchFamily="18" charset="0"/>
-                <a:sym typeface="Symbol" pitchFamily="18" charset="2"/>
-              </a:rPr>
-              <a:t>&lt;</a:t>
-            </a:r>
-            <a:r>
-              <a:rPr lang="en-US" sz="4800" dirty="0" smtClean="0">
-                <a:solidFill>
-                  <a:srgbClr val="0000FF"/>
-                </a:solidFill>
-                <a:sym typeface="Symbol" pitchFamily="18" charset="2"/>
-              </a:rPr>
-              <a:t> 1/7</a:t>
-            </a:r>
-            <a:endParaRPr lang="en-US" sz="4800" dirty="0" smtClean="0">
-              <a:solidFill>
-                <a:srgbClr val="0000FF"/>
-              </a:solidFill>
-            </a:endParaRPr>
-          </a:p>
-        </p:txBody>
-      </p:sp>
-      <p:sp useBgFill="1">
-        <p:nvSpPr>
-          <p:cNvPr id="27652" name="Text Box 8"/>
-          <p:cNvSpPr txBox="1">
-            <a:spLocks noChangeArrowheads="1"/>
-          </p:cNvSpPr>
-          <p:nvPr/>
-        </p:nvSpPr>
-        <p:spPr bwMode="auto">
-          <a:xfrm>
-            <a:off x="6961188" y="1724025"/>
-            <a:ext cx="1157287" cy="914400"/>
-          </a:xfrm>
-          <a:prstGeom prst="rect">
-            <a:avLst/>
-          </a:prstGeom>
-          <a:ln w="9525">
-            <a:noFill/>
-            <a:miter lim="800000"/>
-            <a:headEnd/>
-            <a:tailEnd/>
-          </a:ln>
-        </p:spPr>
-        <p:txBody>
-          <a:bodyPr wrap="none">
-            <a:spAutoFit/>
-          </a:bodyPr>
-          <a:lstStyle/>
-          <a:p>
-            <a:r>
-              <a:rPr lang="en-US" sz="5400">
-                <a:latin typeface="Comic Sans MS" pitchFamily="66" charset="0"/>
-              </a:rPr>
-              <a:t>= 0</a:t>
-            </a:r>
-          </a:p>
-        </p:txBody>
-      </p:sp>
-      <p:sp>
-        <p:nvSpPr>
-          <p:cNvPr id="27653" name="Rectangle 10"/>
-          <p:cNvSpPr>
-            <a:spLocks noGrp="1" noChangeArrowheads="1"/>
-          </p:cNvSpPr>
-          <p:nvPr>
-            <p:ph type="title"/>
-          </p:nvPr>
-        </p:nvSpPr>
-        <p:spPr>
-          <a:xfrm>
-            <a:off x="1498600" y="304800"/>
-            <a:ext cx="7124700" cy="1193800"/>
-          </a:xfrm>
-          <a:noFill/>
-        </p:spPr>
-        <p:txBody>
-          <a:bodyPr/>
-          <a:lstStyle/>
-          <a:p>
-            <a:pPr eaLnBrk="1" hangingPunct="1"/>
-            <a:r>
-              <a:rPr lang="en-US" sz="3600" dirty="0" smtClean="0"/>
-              <a:t>Don’t expect the Expectation!</a:t>
-            </a:r>
-          </a:p>
-        </p:txBody>
-      </p:sp>
-    </p:spTree>
-  </p:cSld>
-  <p:clrMapOvr>
-    <a:masterClrMapping/>
-  </p:clrMapOvr>
-  <p:transition/>
-  <p:timing>
-    <p:tnLst>
-      <p:par>
-        <p:cTn id="1" dur="indefinite" restart="never" nodeType="tmRoot">
-          <p:childTnLst>
-            <p:seq concurrent="1" nextAc="seek">
-              <p:cTn id="2" dur="indefinite" nodeType="mainSeq">
-                <p:childTnLst>
-                  <p:par>
-                    <p:cTn id="3" fill="hold">
-                      <p:stCondLst>
-                        <p:cond delay="indefinite"/>
-                      </p:stCondLst>
-                      <p:childTnLst>
-                        <p:par>
-                          <p:cTn id="4" fill="hold">
-                            <p:stCondLst>
-                              <p:cond delay="0"/>
-                            </p:stCondLst>
-                            <p:childTnLst>
-                              <p:par>
-                                <p:cTn id="5" presetID="1" presetClass="entr" presetSubtype="0" fill="hold" nodeType="clickEffect">
-                                  <p:stCondLst>
-                                    <p:cond delay="0"/>
-                                  </p:stCondLst>
-                                  <p:childTnLst>
-                                    <p:set>
-                                      <p:cBhvr>
-                                        <p:cTn id="6" dur="1" fill="hold">
-                                          <p:stCondLst>
-                                            <p:cond delay="0"/>
-                                          </p:stCondLst>
-                                        </p:cTn>
-                                        <p:tgtEl>
-                                          <p:spTgt spid="27651">
-                                            <p:txEl>
-                                              <p:pRg st="1" end="1"/>
-                                            </p:txEl>
-                                          </p:spTgt>
-                                        </p:tgtEl>
-                                        <p:attrNameLst>
-                                          <p:attrName>style.visibility</p:attrName>
-                                        </p:attrNameLst>
-                                      </p:cBhvr>
-                                      <p:to>
-                                        <p:strVal val="visible"/>
-                                      </p:to>
-                                    </p:set>
-                                  </p:childTnLst>
-                                </p:cTn>
-                              </p:par>
-                            </p:childTnLst>
-                          </p:cTn>
-                        </p:par>
-                      </p:childTnLst>
-                    </p:cTn>
-                  </p:par>
-                  <p:par>
-                    <p:cTn id="7" fill="hold">
-                      <p:stCondLst>
-                        <p:cond delay="indefinite"/>
-                      </p:stCondLst>
-                      <p:childTnLst>
-                        <p:par>
-                          <p:cTn id="8" fill="hold">
-                            <p:stCondLst>
-                              <p:cond delay="0"/>
-                            </p:stCondLst>
-                            <p:childTnLst>
-                              <p:par>
-                                <p:cTn id="9" presetID="1" presetClass="entr" presetSubtype="0" fill="hold" nodeType="clickEffect">
-                                  <p:stCondLst>
-                                    <p:cond delay="0"/>
-                                  </p:stCondLst>
-                                  <p:childTnLst>
-                                    <p:set>
-                                      <p:cBhvr>
-                                        <p:cTn id="10" dur="1" fill="hold">
-                                          <p:stCondLst>
-                                            <p:cond delay="0"/>
-                                          </p:stCondLst>
-                                        </p:cTn>
-                                        <p:tgtEl>
-                                          <p:spTgt spid="27651">
-                                            <p:txEl>
-                                              <p:pRg st="2" end="2"/>
-                                            </p:txEl>
-                                          </p:spTgt>
-                                        </p:tgtEl>
-                                        <p:attrNameLst>
-                                          <p:attrName>style.visibility</p:attrName>
-                                        </p:attrNameLst>
-                                      </p:cBhvr>
-                                      <p:to>
-                                        <p:strVal val="visible"/>
-                                      </p:to>
-                                    </p:set>
-                                  </p:childTnLst>
-                                </p:cTn>
-                              </p:par>
-                            </p:childTnLst>
-                          </p:cTn>
-                        </p:par>
-                      </p:childTnLst>
-                    </p:cTn>
-                  </p:par>
-                </p:childTnLst>
-              </p:cTn>
-              <p:prevCondLst>
-                <p:cond evt="onPrev" delay="0">
-                  <p:tgtEl>
-                    <p:sldTgt/>
-                  </p:tgtEl>
-                </p:cond>
-              </p:prevCondLst>
-              <p:nextCondLst>
-                <p:cond evt="onNext" delay="0">
-                  <p:tgtEl>
-                    <p:sldTgt/>
-                  </p:tgtEl>
-                </p:cond>
-              </p:nextCondLst>
-            </p:seq>
-          </p:childTnLst>
-        </p:cTn>
-      </p:par>
-    </p:tnLst>
-  </p:timing>
-</p:sld>
-</file>
-
-<file path=ppt/slides/slide30.xml><?xml version="1.0" encoding="utf-8"?>
+<file path=ppt/slides/slide31.xml><?xml version="1.0" encoding="utf-8"?>
 <p:sld xmlns:a="http://schemas.openxmlformats.org/drawingml/2006/main" xmlns:r="http://schemas.openxmlformats.org/officeDocument/2006/relationships" xmlns:mc="http://schemas.openxmlformats.org/markup-compatibility/2006" xmlns:mv="urn:schemas-microsoft-com:mac:vml" xmlns:p="http://schemas.openxmlformats.org/presentationml/2006/main" mc:Ignorable="mv" mc:PreserveAttributes="mv:*" show="0">
   <p:cSld>
     <p:spTree>
@@ -17460,7 +18251,7 @@
 </p:sld>
 </file>
 
-<file path=ppt/slides/slide31.xml><?xml version="1.0" encoding="utf-8"?>
+<file path=ppt/slides/slide32.xml><?xml version="1.0" encoding="utf-8"?>
 <p:sld xmlns:a="http://schemas.openxmlformats.org/drawingml/2006/main" xmlns:r="http://schemas.openxmlformats.org/officeDocument/2006/relationships" xmlns:mc="http://schemas.openxmlformats.org/markup-compatibility/2006" xmlns:mv="urn:schemas-microsoft-com:mac:vml" xmlns:p="http://schemas.openxmlformats.org/presentationml/2006/main" mc:Ignorable="mv" mc:PreserveAttributes="mv:*">
   <p:cSld>
     <p:spTree>
@@ -18183,7 +18974,7 @@
 </p:sld>
 </file>
 
-<file path=ppt/slides/slide32.xml><?xml version="1.0" encoding="utf-8"?>
+<file path=ppt/slides/slide33.xml><?xml version="1.0" encoding="utf-8"?>
 <p:sld xmlns:a="http://schemas.openxmlformats.org/drawingml/2006/main" xmlns:r="http://schemas.openxmlformats.org/officeDocument/2006/relationships" xmlns:mc="http://schemas.openxmlformats.org/markup-compatibility/2006" xmlns:mv="urn:schemas-microsoft-com:mac:vml" xmlns:p="http://schemas.openxmlformats.org/presentationml/2006/main" mc:Ignorable="mv" mc:PreserveAttributes="mv:*" show="0">
   <p:cSld>
     <p:spTree>
@@ -18596,7 +19387,7 @@
 </p:sld>
 </file>
 
-<file path=ppt/slides/slide33.xml><?xml version="1.0" encoding="utf-8"?>
+<file path=ppt/slides/slide34.xml><?xml version="1.0" encoding="utf-8"?>
 <p:sld xmlns:a="http://schemas.openxmlformats.org/drawingml/2006/main" xmlns:r="http://schemas.openxmlformats.org/officeDocument/2006/relationships" xmlns:mc="http://schemas.openxmlformats.org/markup-compatibility/2006" xmlns:mv="urn:schemas-microsoft-com:mac:vml" xmlns:p="http://schemas.openxmlformats.org/presentationml/2006/main" mc:Ignorable="mv" mc:PreserveAttributes="mv:*">
   <p:cSld>
     <p:spTree>
@@ -19192,7 +19983,7 @@
 </p:sld>
 </file>
 
-<file path=ppt/slides/slide34.xml><?xml version="1.0" encoding="utf-8"?>
+<file path=ppt/slides/slide35.xml><?xml version="1.0" encoding="utf-8"?>
 <p:sld xmlns:a="http://schemas.openxmlformats.org/drawingml/2006/main" xmlns:r="http://schemas.openxmlformats.org/officeDocument/2006/relationships" xmlns:mc="http://schemas.openxmlformats.org/markup-compatibility/2006" xmlns:mv="urn:schemas-microsoft-com:mac:vml" xmlns:p="http://schemas.openxmlformats.org/presentationml/2006/main" mc:Ignorable="mv" mc:PreserveAttributes="mv:*">
   <p:cSld>
     <p:spTree>
@@ -19690,7 +20481,7 @@
 </p:sld>
 </file>
 
-<file path=ppt/slides/slide35.xml><?xml version="1.0" encoding="utf-8"?>
+<file path=ppt/slides/slide36.xml><?xml version="1.0" encoding="utf-8"?>
 <p:sld xmlns:a="http://schemas.openxmlformats.org/drawingml/2006/main" xmlns:r="http://schemas.openxmlformats.org/officeDocument/2006/relationships" xmlns:mc="http://schemas.openxmlformats.org/markup-compatibility/2006" xmlns:mv="urn:schemas-microsoft-com:mac:vml" xmlns:p="http://schemas.openxmlformats.org/presentationml/2006/main" mc:Ignorable="mv" mc:PreserveAttributes="mv:*" show="0">
   <p:cSld>
     <p:spTree>
@@ -20466,7 +21257,7 @@
 </p:sld>
 </file>
 
-<file path=ppt/slides/slide36.xml><?xml version="1.0" encoding="utf-8"?>
+<file path=ppt/slides/slide37.xml><?xml version="1.0" encoding="utf-8"?>
 <p:sld xmlns:a="http://schemas.openxmlformats.org/drawingml/2006/main" xmlns:r="http://schemas.openxmlformats.org/officeDocument/2006/relationships" xmlns:mc="http://schemas.openxmlformats.org/markup-compatibility/2006" xmlns:mv="urn:schemas-microsoft-com:mac:vml" xmlns:p="http://schemas.openxmlformats.org/presentationml/2006/main" mc:Ignorable="mv" mc:PreserveAttributes="mv:*" show="0">
   <p:cSld>
     <p:spTree>
@@ -21030,7 +21821,7 @@
 </p:sld>
 </file>
 
-<file path=ppt/slides/slide37.xml><?xml version="1.0" encoding="utf-8"?>
+<file path=ppt/slides/slide38.xml><?xml version="1.0" encoding="utf-8"?>
 <p:sld xmlns:a="http://schemas.openxmlformats.org/drawingml/2006/main" xmlns:r="http://schemas.openxmlformats.org/officeDocument/2006/relationships" xmlns:mc="http://schemas.openxmlformats.org/markup-compatibility/2006" xmlns:mv="urn:schemas-microsoft-com:mac:vml" xmlns:p="http://schemas.openxmlformats.org/presentationml/2006/main" mc:Ignorable="mv" mc:PreserveAttributes="mv:*" show="0">
   <p:cSld>
     <p:spTree>
@@ -21850,7 +22641,7 @@
 </p:sld>
 </file>
 
-<file path=ppt/slides/slide38.xml><?xml version="1.0" encoding="utf-8"?>
+<file path=ppt/slides/slide39.xml><?xml version="1.0" encoding="utf-8"?>
 <p:sld xmlns:a="http://schemas.openxmlformats.org/drawingml/2006/main" xmlns:r="http://schemas.openxmlformats.org/officeDocument/2006/relationships" xmlns:mc="http://schemas.openxmlformats.org/markup-compatibility/2006" xmlns:mv="urn:schemas-microsoft-com:mac:vml" xmlns:p="http://schemas.openxmlformats.org/presentationml/2006/main" mc:Ignorable="mv" mc:PreserveAttributes="mv:*" show="0">
   <p:cSld>
     <p:spTree>
@@ -22332,7 +23123,713 @@
 </p:sld>
 </file>
 
-<file path=ppt/slides/slide39.xml><?xml version="1.0" encoding="utf-8"?>
+<file path=ppt/slides/slide4.xml><?xml version="1.0" encoding="utf-8"?>
+<p:sld xmlns:a="http://schemas.openxmlformats.org/drawingml/2006/main" xmlns:r="http://schemas.openxmlformats.org/officeDocument/2006/relationships" xmlns:mc="http://schemas.openxmlformats.org/markup-compatibility/2006" xmlns:mv="urn:schemas-microsoft-com:mac:vml" xmlns:p="http://schemas.openxmlformats.org/presentationml/2006/main" mc:Ignorable="mv" mc:PreserveAttributes="mv:*" show="0">
+  <p:cSld>
+    <p:spTree>
+      <p:nvGrpSpPr>
+        <p:cNvPr id="1" name=""/>
+        <p:cNvGrpSpPr/>
+        <p:nvPr/>
+      </p:nvGrpSpPr>
+      <p:grpSpPr>
+        <a:xfrm>
+          <a:off x="0" y="0"/>
+          <a:ext cx="0" cy="0"/>
+          <a:chOff x="0" y="0"/>
+          <a:chExt cx="0" cy="0"/>
+        </a:xfrm>
+      </p:grpSpPr>
+      <p:sp>
+        <p:nvSpPr>
+          <p:cNvPr id="28675" name="Rectangle 3"/>
+          <p:cNvSpPr>
+            <a:spLocks noGrp="1" noChangeArrowheads="1"/>
+          </p:cNvSpPr>
+          <p:nvPr>
+            <p:ph type="body" sz="half" idx="1"/>
+          </p:nvPr>
+        </p:nvSpPr>
+        <p:spPr>
+          <a:xfrm>
+            <a:off x="400050" y="1600200"/>
+            <a:ext cx="8355013" cy="3675063"/>
+          </a:xfrm>
+        </p:spPr>
+        <p:txBody>
+          <a:bodyPr/>
+          <a:lstStyle/>
+          <a:p>
+            <a:pPr eaLnBrk="1" hangingPunct="1">
+              <a:buFontTx/>
+              <a:buNone/>
+            </a:pPr>
+            <a:r>
+              <a:rPr lang="en-US" sz="5400" dirty="0" smtClean="0"/>
+              <a:t>Toss </a:t>
+            </a:r>
+            <a:r>
+              <a:rPr lang="en-US" sz="5400" dirty="0" smtClean="0">
+                <a:solidFill>
+                  <a:srgbClr val="008000"/>
+                </a:solidFill>
+              </a:rPr>
+              <a:t>1001</a:t>
+            </a:r>
+            <a:r>
+              <a:rPr lang="en-US" sz="5400" dirty="0" smtClean="0"/>
+              <a:t> fair coins.</a:t>
+            </a:r>
+          </a:p>
+          <a:p>
+            <a:pPr eaLnBrk="1" hangingPunct="1">
+              <a:buFontTx/>
+              <a:buNone/>
+            </a:pPr>
+            <a:r>
+              <a:rPr lang="en-US" sz="4800" dirty="0" smtClean="0"/>
+              <a:t>E[#Heads]              = </a:t>
+            </a:r>
+            <a:r>
+              <a:rPr lang="en-US" sz="4800" dirty="0" smtClean="0">
+                <a:solidFill>
+                  <a:srgbClr val="0000FF"/>
+                </a:solidFill>
+              </a:rPr>
+              <a:t>500.5</a:t>
+            </a:r>
+          </a:p>
+          <a:p>
+            <a:pPr eaLnBrk="1" hangingPunct="1">
+              <a:buFontTx/>
+              <a:buNone/>
+            </a:pPr>
+            <a:r>
+              <a:rPr lang="en-US" sz="4800" dirty="0" smtClean="0"/>
+              <a:t>Pr{#H = </a:t>
+            </a:r>
+            <a:r>
+              <a:rPr lang="en-US" sz="4800" dirty="0" smtClean="0">
+                <a:solidFill>
+                  <a:srgbClr val="0000FF"/>
+                </a:solidFill>
+              </a:rPr>
+              <a:t>500</a:t>
+            </a:r>
+            <a:r>
+              <a:rPr lang="en-US" sz="4800" dirty="0" smtClean="0"/>
+              <a:t>}          </a:t>
+            </a:r>
+            <a:r>
+              <a:rPr lang="en-US" sz="4800" b="1" dirty="0" smtClean="0">
+                <a:latin typeface="Times New Roman" pitchFamily="18" charset="0"/>
+                <a:cs typeface="Times New Roman" pitchFamily="18" charset="0"/>
+                <a:sym typeface="Symbol" pitchFamily="18" charset="2"/>
+              </a:rPr>
+              <a:t>&lt;</a:t>
+            </a:r>
+            <a:r>
+              <a:rPr lang="en-US" sz="4800" dirty="0" smtClean="0">
+                <a:solidFill>
+                  <a:srgbClr val="0000FF"/>
+                </a:solidFill>
+              </a:rPr>
+              <a:t> 1/39</a:t>
+            </a:r>
+            <a:endParaRPr lang="en-US" sz="4800" i="1" dirty="0" smtClean="0"/>
+          </a:p>
+          <a:p>
+            <a:pPr eaLnBrk="1" hangingPunct="1">
+              <a:buFontTx/>
+              <a:buNone/>
+            </a:pPr>
+            <a:r>
+              <a:rPr lang="en-US" sz="4800" dirty="0" smtClean="0"/>
+              <a:t>Pr{#H = </a:t>
+            </a:r>
+            <a:r>
+              <a:rPr lang="en-US" sz="4800" dirty="0" smtClean="0">
+                <a:solidFill>
+                  <a:srgbClr val="0000FF"/>
+                </a:solidFill>
+              </a:rPr>
+              <a:t>500.5 </a:t>
+            </a:r>
+            <a:r>
+              <a:rPr lang="en-US" sz="4800" dirty="0" smtClean="0">
+                <a:solidFill>
+                  <a:srgbClr val="0000FF"/>
+                </a:solidFill>
+                <a:latin typeface="Euclid Symbol" charset="2"/>
+                <a:cs typeface="Euclid Symbol" charset="2"/>
+              </a:rPr>
+              <a:t>± </a:t>
+            </a:r>
+            <a:r>
+              <a:rPr lang="en-US" sz="4800" dirty="0" smtClean="0">
+                <a:solidFill>
+                  <a:srgbClr val="0000FF"/>
+                </a:solidFill>
+              </a:rPr>
+              <a:t>1</a:t>
+            </a:r>
+            <a:r>
+              <a:rPr lang="en-US" sz="4800" dirty="0" smtClean="0"/>
+              <a:t> } </a:t>
+            </a:r>
+            <a:r>
+              <a:rPr lang="en-US" sz="4800" b="1" dirty="0" smtClean="0">
+                <a:latin typeface="Times New Roman" pitchFamily="18" charset="0"/>
+                <a:cs typeface="Times New Roman" pitchFamily="18" charset="0"/>
+                <a:sym typeface="Symbol" pitchFamily="18" charset="2"/>
+              </a:rPr>
+              <a:t>&lt;</a:t>
+            </a:r>
+            <a:r>
+              <a:rPr lang="en-US" sz="4800" dirty="0" smtClean="0">
+                <a:solidFill>
+                  <a:srgbClr val="0000FF"/>
+                </a:solidFill>
+              </a:rPr>
+              <a:t> 1/19</a:t>
+            </a:r>
+            <a:endParaRPr lang="en-US" sz="4800" i="1" dirty="0" smtClean="0"/>
+          </a:p>
+        </p:txBody>
+      </p:sp>
+      <p:sp>
+        <p:nvSpPr>
+          <p:cNvPr id="626696" name="Text Box 8"/>
+          <p:cNvSpPr txBox="1">
+            <a:spLocks noChangeArrowheads="1"/>
+          </p:cNvSpPr>
+          <p:nvPr/>
+        </p:nvSpPr>
+        <p:spPr bwMode="auto">
+          <a:xfrm>
+            <a:off x="6497256" y="5283878"/>
+            <a:ext cx="1906291" cy="707886"/>
+          </a:xfrm>
+          <a:prstGeom prst="rect">
+            <a:avLst/>
+          </a:prstGeom>
+          <a:noFill/>
+          <a:ln w="28575" algn="ctr">
+            <a:noFill/>
+            <a:miter lim="800000"/>
+            <a:headEnd/>
+            <a:tailEnd/>
+          </a:ln>
+        </p:spPr>
+        <p:txBody>
+          <a:bodyPr wrap="none">
+            <a:spAutoFit/>
+          </a:bodyPr>
+          <a:lstStyle/>
+          <a:p>
+            <a:pPr marL="342900" indent="-342900"/>
+            <a:r>
+              <a:rPr lang="en-US" dirty="0">
+                <a:solidFill>
+                  <a:srgbClr val="7030A0"/>
+                </a:solidFill>
+                <a:latin typeface="Comic Sans MS" pitchFamily="66" charset="0"/>
+              </a:rPr>
+              <a:t>smaller</a:t>
+            </a:r>
+          </a:p>
+        </p:txBody>
+      </p:sp>
+      <p:sp>
+        <p:nvSpPr>
+          <p:cNvPr id="28677" name="Rectangle 10"/>
+          <p:cNvSpPr>
+            <a:spLocks noGrp="1" noChangeArrowheads="1"/>
+          </p:cNvSpPr>
+          <p:nvPr>
+            <p:ph type="title"/>
+          </p:nvPr>
+        </p:nvSpPr>
+        <p:spPr>
+          <a:xfrm>
+            <a:off x="1498600" y="304800"/>
+            <a:ext cx="7124700" cy="1193800"/>
+          </a:xfrm>
+          <a:noFill/>
+        </p:spPr>
+        <p:txBody>
+          <a:bodyPr/>
+          <a:lstStyle/>
+          <a:p>
+            <a:pPr eaLnBrk="1" hangingPunct="1"/>
+            <a:r>
+              <a:rPr lang="en-US" sz="3600" dirty="0" smtClean="0"/>
+              <a:t>Don’t expect the Expectation!</a:t>
+            </a:r>
+          </a:p>
+        </p:txBody>
+      </p:sp>
+      <p:sp>
+        <p:nvSpPr>
+          <p:cNvPr id="6" name="Left Brace 5"/>
+          <p:cNvSpPr/>
+          <p:nvPr/>
+        </p:nvSpPr>
+        <p:spPr bwMode="auto">
+          <a:xfrm rot="-5400000">
+            <a:off x="7353652" y="4648200"/>
+            <a:ext cx="137160" cy="1196340"/>
+          </a:xfrm>
+          <a:prstGeom prst="leftBrace">
+            <a:avLst/>
+          </a:prstGeom>
+          <a:noFill/>
+          <a:ln w="31750" cap="flat" cmpd="sng" algn="ctr">
+            <a:solidFill>
+              <a:schemeClr val="tx1"/>
+            </a:solidFill>
+            <a:prstDash val="solid"/>
+            <a:round/>
+            <a:headEnd type="none" w="med" len="med"/>
+            <a:tailEnd type="none" w="lg" len="lg"/>
+          </a:ln>
+          <a:effectLst/>
+        </p:spPr>
+        <p:txBody>
+          <a:bodyPr vert="horz" wrap="square" lIns="91440" tIns="45720" rIns="91440" bIns="45720" numCol="1" rtlCol="0" anchor="t" anchorCtr="0" compatLnSpc="1">
+            <a:prstTxWarp prst="textNoShape">
+              <a:avLst/>
+            </a:prstTxWarp>
+          </a:bodyPr>
+          <a:lstStyle/>
+          <a:p>
+            <a:pPr marL="0" marR="0" indent="0" algn="l" defTabSz="914400" rtl="0" eaLnBrk="1" fontAlgn="base" latinLnBrk="0" hangingPunct="1">
+              <a:lnSpc>
+                <a:spcPct val="100000"/>
+              </a:lnSpc>
+              <a:spcBef>
+                <a:spcPct val="0"/>
+              </a:spcBef>
+              <a:spcAft>
+                <a:spcPct val="0"/>
+              </a:spcAft>
+              <a:buClrTx/>
+              <a:buSzTx/>
+              <a:buFontTx/>
+              <a:buNone/>
+              <a:tabLst/>
+            </a:pPr>
+            <a:endParaRPr kumimoji="0" lang="en-US" sz="4000" b="0" i="0" u="none" strike="noStrike" cap="none" normalizeH="0" baseline="0" smtClean="0">
+              <a:ln>
+                <a:noFill/>
+              </a:ln>
+              <a:solidFill>
+                <a:schemeClr val="tx1"/>
+              </a:solidFill>
+              <a:effectLst/>
+              <a:latin typeface="Arial" pitchFamily="34" charset="0"/>
+            </a:endParaRPr>
+          </a:p>
+        </p:txBody>
+      </p:sp>
+      <p:sp>
+        <p:nvSpPr>
+          <p:cNvPr id="7" name="Left Brace 6"/>
+          <p:cNvSpPr/>
+          <p:nvPr/>
+        </p:nvSpPr>
+        <p:spPr bwMode="auto">
+          <a:xfrm rot="-5400000">
+            <a:off x="7345966" y="3657600"/>
+            <a:ext cx="137160" cy="1196340"/>
+          </a:xfrm>
+          <a:prstGeom prst="leftBrace">
+            <a:avLst/>
+          </a:prstGeom>
+          <a:noFill/>
+          <a:ln w="31750" cap="flat" cmpd="sng" algn="ctr">
+            <a:solidFill>
+              <a:schemeClr val="tx1"/>
+            </a:solidFill>
+            <a:prstDash val="solid"/>
+            <a:round/>
+            <a:headEnd type="none" w="med" len="med"/>
+            <a:tailEnd type="none" w="lg" len="lg"/>
+          </a:ln>
+          <a:effectLst/>
+        </p:spPr>
+        <p:txBody>
+          <a:bodyPr vert="horz" wrap="square" lIns="91440" tIns="45720" rIns="91440" bIns="45720" numCol="1" rtlCol="0" anchor="t" anchorCtr="0" compatLnSpc="1">
+            <a:prstTxWarp prst="textNoShape">
+              <a:avLst/>
+            </a:prstTxWarp>
+          </a:bodyPr>
+          <a:lstStyle/>
+          <a:p>
+            <a:pPr marL="0" marR="0" indent="0" algn="l" defTabSz="914400" rtl="0" eaLnBrk="1" fontAlgn="base" latinLnBrk="0" hangingPunct="1">
+              <a:lnSpc>
+                <a:spcPct val="100000"/>
+              </a:lnSpc>
+              <a:spcBef>
+                <a:spcPct val="0"/>
+              </a:spcBef>
+              <a:spcAft>
+                <a:spcPct val="0"/>
+              </a:spcAft>
+              <a:buClrTx/>
+              <a:buSzTx/>
+              <a:buFontTx/>
+              <a:buNone/>
+              <a:tabLst/>
+            </a:pPr>
+            <a:endParaRPr kumimoji="0" lang="en-US" sz="4000" b="0" i="0" u="none" strike="noStrike" cap="none" normalizeH="0" baseline="0" smtClean="0">
+              <a:ln>
+                <a:noFill/>
+              </a:ln>
+              <a:solidFill>
+                <a:schemeClr val="tx1"/>
+              </a:solidFill>
+              <a:effectLst/>
+              <a:latin typeface="Arial" pitchFamily="34" charset="0"/>
+            </a:endParaRPr>
+          </a:p>
+        </p:txBody>
+      </p:sp>
+    </p:spTree>
+  </p:cSld>
+  <p:clrMapOvr>
+    <a:masterClrMapping/>
+  </p:clrMapOvr>
+  <p:transition>
+    <p:fade/>
+  </p:transition>
+  <p:timing>
+    <p:tnLst>
+      <p:par>
+        <p:cTn id="1" dur="indefinite" restart="never" nodeType="tmRoot">
+          <p:childTnLst>
+            <p:seq concurrent="1" nextAc="seek">
+              <p:cTn id="2" dur="indefinite" nodeType="mainSeq">
+                <p:childTnLst>
+                  <p:par>
+                    <p:cTn id="3" fill="hold">
+                      <p:stCondLst>
+                        <p:cond delay="indefinite"/>
+                      </p:stCondLst>
+                      <p:childTnLst>
+                        <p:par>
+                          <p:cTn id="4" fill="hold">
+                            <p:stCondLst>
+                              <p:cond delay="0"/>
+                            </p:stCondLst>
+                            <p:childTnLst>
+                              <p:par>
+                                <p:cTn id="5" presetID="22" presetClass="entr" presetSubtype="1" fill="hold" nodeType="clickEffect">
+                                  <p:stCondLst>
+                                    <p:cond delay="0"/>
+                                  </p:stCondLst>
+                                  <p:childTnLst>
+                                    <p:set>
+                                      <p:cBhvr>
+                                        <p:cTn id="6" dur="1" fill="hold">
+                                          <p:stCondLst>
+                                            <p:cond delay="0"/>
+                                          </p:stCondLst>
+                                        </p:cTn>
+                                        <p:tgtEl>
+                                          <p:spTgt spid="28675">
+                                            <p:txEl>
+                                              <p:pRg st="1" end="1"/>
+                                            </p:txEl>
+                                          </p:spTgt>
+                                        </p:tgtEl>
+                                        <p:attrNameLst>
+                                          <p:attrName>style.visibility</p:attrName>
+                                        </p:attrNameLst>
+                                      </p:cBhvr>
+                                      <p:to>
+                                        <p:strVal val="visible"/>
+                                      </p:to>
+                                    </p:set>
+                                    <p:animEffect transition="in" filter="wipe(up)">
+                                      <p:cBhvr>
+                                        <p:cTn id="7" dur="500"/>
+                                        <p:tgtEl>
+                                          <p:spTgt spid="28675">
+                                            <p:txEl>
+                                              <p:pRg st="1" end="1"/>
+                                            </p:txEl>
+                                          </p:spTgt>
+                                        </p:tgtEl>
+                                      </p:cBhvr>
+                                    </p:animEffect>
+                                  </p:childTnLst>
+                                </p:cTn>
+                              </p:par>
+                            </p:childTnLst>
+                          </p:cTn>
+                        </p:par>
+                        <p:par>
+                          <p:cTn id="8" fill="hold">
+                            <p:stCondLst>
+                              <p:cond delay="500"/>
+                            </p:stCondLst>
+                            <p:childTnLst>
+                              <p:par>
+                                <p:cTn id="9" presetID="22" presetClass="entr" presetSubtype="1" fill="hold" nodeType="afterEffect">
+                                  <p:stCondLst>
+                                    <p:cond delay="0"/>
+                                  </p:stCondLst>
+                                  <p:childTnLst>
+                                    <p:set>
+                                      <p:cBhvr>
+                                        <p:cTn id="10" dur="1" fill="hold">
+                                          <p:stCondLst>
+                                            <p:cond delay="0"/>
+                                          </p:stCondLst>
+                                        </p:cTn>
+                                        <p:tgtEl>
+                                          <p:spTgt spid="28675">
+                                            <p:txEl>
+                                              <p:pRg st="2" end="2"/>
+                                            </p:txEl>
+                                          </p:spTgt>
+                                        </p:tgtEl>
+                                        <p:attrNameLst>
+                                          <p:attrName>style.visibility</p:attrName>
+                                        </p:attrNameLst>
+                                      </p:cBhvr>
+                                      <p:to>
+                                        <p:strVal val="visible"/>
+                                      </p:to>
+                                    </p:set>
+                                    <p:animEffect transition="in" filter="wipe(up)">
+                                      <p:cBhvr>
+                                        <p:cTn id="11" dur="500"/>
+                                        <p:tgtEl>
+                                          <p:spTgt spid="28675">
+                                            <p:txEl>
+                                              <p:pRg st="2" end="2"/>
+                                            </p:txEl>
+                                          </p:spTgt>
+                                        </p:tgtEl>
+                                      </p:cBhvr>
+                                    </p:animEffect>
+                                  </p:childTnLst>
+                                </p:cTn>
+                              </p:par>
+                            </p:childTnLst>
+                          </p:cTn>
+                        </p:par>
+                        <p:par>
+                          <p:cTn id="12" fill="hold">
+                            <p:stCondLst>
+                              <p:cond delay="1000"/>
+                            </p:stCondLst>
+                            <p:childTnLst>
+                              <p:par>
+                                <p:cTn id="13" presetID="22" presetClass="entr" presetSubtype="1" fill="hold" nodeType="afterEffect">
+                                  <p:stCondLst>
+                                    <p:cond delay="0"/>
+                                  </p:stCondLst>
+                                  <p:childTnLst>
+                                    <p:set>
+                                      <p:cBhvr>
+                                        <p:cTn id="14" dur="1" fill="hold">
+                                          <p:stCondLst>
+                                            <p:cond delay="0"/>
+                                          </p:stCondLst>
+                                        </p:cTn>
+                                        <p:tgtEl>
+                                          <p:spTgt spid="28675">
+                                            <p:txEl>
+                                              <p:pRg st="3" end="3"/>
+                                            </p:txEl>
+                                          </p:spTgt>
+                                        </p:tgtEl>
+                                        <p:attrNameLst>
+                                          <p:attrName>style.visibility</p:attrName>
+                                        </p:attrNameLst>
+                                      </p:cBhvr>
+                                      <p:to>
+                                        <p:strVal val="visible"/>
+                                      </p:to>
+                                    </p:set>
+                                    <p:animEffect transition="in" filter="wipe(up)">
+                                      <p:cBhvr>
+                                        <p:cTn id="15" dur="500"/>
+                                        <p:tgtEl>
+                                          <p:spTgt spid="28675">
+                                            <p:txEl>
+                                              <p:pRg st="3" end="3"/>
+                                            </p:txEl>
+                                          </p:spTgt>
+                                        </p:tgtEl>
+                                      </p:cBhvr>
+                                    </p:animEffect>
+                                  </p:childTnLst>
+                                </p:cTn>
+                              </p:par>
+                            </p:childTnLst>
+                          </p:cTn>
+                        </p:par>
+                      </p:childTnLst>
+                    </p:cTn>
+                  </p:par>
+                  <p:par>
+                    <p:cTn id="16" fill="hold">
+                      <p:stCondLst>
+                        <p:cond delay="indefinite"/>
+                      </p:stCondLst>
+                      <p:childTnLst>
+                        <p:par>
+                          <p:cTn id="17" fill="hold">
+                            <p:stCondLst>
+                              <p:cond delay="0"/>
+                            </p:stCondLst>
+                            <p:childTnLst>
+                              <p:par>
+                                <p:cTn id="18" presetID="9" presetClass="entr" presetSubtype="0" fill="hold" grpId="0" nodeType="clickEffect">
+                                  <p:stCondLst>
+                                    <p:cond delay="0"/>
+                                  </p:stCondLst>
+                                  <p:childTnLst>
+                                    <p:set>
+                                      <p:cBhvr>
+                                        <p:cTn id="19" dur="1" fill="hold">
+                                          <p:stCondLst>
+                                            <p:cond delay="0"/>
+                                          </p:stCondLst>
+                                        </p:cTn>
+                                        <p:tgtEl>
+                                          <p:spTgt spid="7"/>
+                                        </p:tgtEl>
+                                        <p:attrNameLst>
+                                          <p:attrName>style.visibility</p:attrName>
+                                        </p:attrNameLst>
+                                      </p:cBhvr>
+                                      <p:to>
+                                        <p:strVal val="visible"/>
+                                      </p:to>
+                                    </p:set>
+                                    <p:animEffect transition="in" filter="dissolve">
+                                      <p:cBhvr>
+                                        <p:cTn id="20" dur="500"/>
+                                        <p:tgtEl>
+                                          <p:spTgt spid="7"/>
+                                        </p:tgtEl>
+                                      </p:cBhvr>
+                                    </p:animEffect>
+                                  </p:childTnLst>
+                                </p:cTn>
+                              </p:par>
+                              <p:par>
+                                <p:cTn id="21" presetID="9" presetClass="entr" presetSubtype="0" fill="hold" grpId="0" nodeType="withEffect">
+                                  <p:stCondLst>
+                                    <p:cond delay="0"/>
+                                  </p:stCondLst>
+                                  <p:childTnLst>
+                                    <p:set>
+                                      <p:cBhvr>
+                                        <p:cTn id="22" dur="1" fill="hold">
+                                          <p:stCondLst>
+                                            <p:cond delay="0"/>
+                                          </p:stCondLst>
+                                        </p:cTn>
+                                        <p:tgtEl>
+                                          <p:spTgt spid="6"/>
+                                        </p:tgtEl>
+                                        <p:attrNameLst>
+                                          <p:attrName>style.visibility</p:attrName>
+                                        </p:attrNameLst>
+                                      </p:cBhvr>
+                                      <p:to>
+                                        <p:strVal val="visible"/>
+                                      </p:to>
+                                    </p:set>
+                                    <p:animEffect transition="in" filter="dissolve">
+                                      <p:cBhvr>
+                                        <p:cTn id="23" dur="500"/>
+                                        <p:tgtEl>
+                                          <p:spTgt spid="6"/>
+                                        </p:tgtEl>
+                                      </p:cBhvr>
+                                    </p:animEffect>
+                                  </p:childTnLst>
+                                </p:cTn>
+                              </p:par>
+                              <p:par>
+                                <p:cTn id="24" presetID="9" presetClass="entr" presetSubtype="0" fill="hold" grpId="1" nodeType="withEffect">
+                                  <p:stCondLst>
+                                    <p:cond delay="0"/>
+                                  </p:stCondLst>
+                                  <p:childTnLst>
+                                    <p:set>
+                                      <p:cBhvr>
+                                        <p:cTn id="25" dur="1" fill="hold">
+                                          <p:stCondLst>
+                                            <p:cond delay="0"/>
+                                          </p:stCondLst>
+                                        </p:cTn>
+                                        <p:tgtEl>
+                                          <p:spTgt spid="626696"/>
+                                        </p:tgtEl>
+                                        <p:attrNameLst>
+                                          <p:attrName>style.visibility</p:attrName>
+                                        </p:attrNameLst>
+                                      </p:cBhvr>
+                                      <p:to>
+                                        <p:strVal val="visible"/>
+                                      </p:to>
+                                    </p:set>
+                                    <p:animEffect transition="in" filter="dissolve">
+                                      <p:cBhvr>
+                                        <p:cTn id="26" dur="500"/>
+                                        <p:tgtEl>
+                                          <p:spTgt spid="626696"/>
+                                        </p:tgtEl>
+                                      </p:cBhvr>
+                                    </p:animEffect>
+                                  </p:childTnLst>
+                                </p:cTn>
+                              </p:par>
+                            </p:childTnLst>
+                          </p:cTn>
+                        </p:par>
+                      </p:childTnLst>
+                    </p:cTn>
+                  </p:par>
+                </p:childTnLst>
+              </p:cTn>
+              <p:prevCondLst>
+                <p:cond evt="onPrev" delay="0">
+                  <p:tgtEl>
+                    <p:sldTgt/>
+                  </p:tgtEl>
+                </p:cond>
+              </p:prevCondLst>
+              <p:nextCondLst>
+                <p:cond evt="onNext" delay="0">
+                  <p:tgtEl>
+                    <p:sldTgt/>
+                  </p:tgtEl>
+                </p:cond>
+              </p:nextCondLst>
+            </p:seq>
+          </p:childTnLst>
+        </p:cTn>
+      </p:par>
+    </p:tnLst>
+    <p:bldLst>
+      <p:bldP spid="626696" grpId="1"/>
+      <p:bldP spid="6" grpId="0" animBg="1"/>
+      <p:bldP spid="7" grpId="0" animBg="1"/>
+    </p:bldLst>
+  </p:timing>
+</p:sld>
+</file>
+
+<file path=ppt/slides/slide40.xml><?xml version="1.0" encoding="utf-8"?>
 <p:sld xmlns:a="http://schemas.openxmlformats.org/drawingml/2006/main" xmlns:r="http://schemas.openxmlformats.org/officeDocument/2006/relationships" xmlns:mc="http://schemas.openxmlformats.org/markup-compatibility/2006" xmlns:mv="urn:schemas-microsoft-com:mac:vml" xmlns:p="http://schemas.openxmlformats.org/presentationml/2006/main" mc:Ignorable="mv" mc:PreserveAttributes="mv:*" show="0">
   <p:cSld>
     <p:spTree>
@@ -22839,713 +24336,7 @@
 </p:sld>
 </file>
 
-<file path=ppt/slides/slide4.xml><?xml version="1.0" encoding="utf-8"?>
-<p:sld xmlns:a="http://schemas.openxmlformats.org/drawingml/2006/main" xmlns:r="http://schemas.openxmlformats.org/officeDocument/2006/relationships" xmlns:mc="http://schemas.openxmlformats.org/markup-compatibility/2006" xmlns:mv="urn:schemas-microsoft-com:mac:vml" xmlns:p="http://schemas.openxmlformats.org/presentationml/2006/main" mc:Ignorable="mv" mc:PreserveAttributes="mv:*" show="0">
-  <p:cSld>
-    <p:spTree>
-      <p:nvGrpSpPr>
-        <p:cNvPr id="1" name=""/>
-        <p:cNvGrpSpPr/>
-        <p:nvPr/>
-      </p:nvGrpSpPr>
-      <p:grpSpPr>
-        <a:xfrm>
-          <a:off x="0" y="0"/>
-          <a:ext cx="0" cy="0"/>
-          <a:chOff x="0" y="0"/>
-          <a:chExt cx="0" cy="0"/>
-        </a:xfrm>
-      </p:grpSpPr>
-      <p:sp>
-        <p:nvSpPr>
-          <p:cNvPr id="28675" name="Rectangle 3"/>
-          <p:cNvSpPr>
-            <a:spLocks noGrp="1" noChangeArrowheads="1"/>
-          </p:cNvSpPr>
-          <p:nvPr>
-            <p:ph type="body" sz="half" idx="1"/>
-          </p:nvPr>
-        </p:nvSpPr>
-        <p:spPr>
-          <a:xfrm>
-            <a:off x="400050" y="1600200"/>
-            <a:ext cx="8355013" cy="3675063"/>
-          </a:xfrm>
-        </p:spPr>
-        <p:txBody>
-          <a:bodyPr/>
-          <a:lstStyle/>
-          <a:p>
-            <a:pPr eaLnBrk="1" hangingPunct="1">
-              <a:buFontTx/>
-              <a:buNone/>
-            </a:pPr>
-            <a:r>
-              <a:rPr lang="en-US" sz="5400" dirty="0" smtClean="0"/>
-              <a:t>Toss </a:t>
-            </a:r>
-            <a:r>
-              <a:rPr lang="en-US" sz="5400" dirty="0" smtClean="0">
-                <a:solidFill>
-                  <a:srgbClr val="008000"/>
-                </a:solidFill>
-              </a:rPr>
-              <a:t>1001</a:t>
-            </a:r>
-            <a:r>
-              <a:rPr lang="en-US" sz="5400" dirty="0" smtClean="0"/>
-              <a:t> fair coins.</a:t>
-            </a:r>
-          </a:p>
-          <a:p>
-            <a:pPr eaLnBrk="1" hangingPunct="1">
-              <a:buFontTx/>
-              <a:buNone/>
-            </a:pPr>
-            <a:r>
-              <a:rPr lang="en-US" sz="4800" dirty="0" smtClean="0"/>
-              <a:t>E[#Heads]              = </a:t>
-            </a:r>
-            <a:r>
-              <a:rPr lang="en-US" sz="4800" dirty="0" smtClean="0">
-                <a:solidFill>
-                  <a:srgbClr val="0000FF"/>
-                </a:solidFill>
-              </a:rPr>
-              <a:t>500.5</a:t>
-            </a:r>
-          </a:p>
-          <a:p>
-            <a:pPr eaLnBrk="1" hangingPunct="1">
-              <a:buFontTx/>
-              <a:buNone/>
-            </a:pPr>
-            <a:r>
-              <a:rPr lang="en-US" sz="4800" dirty="0" smtClean="0"/>
-              <a:t>Pr{#H = </a:t>
-            </a:r>
-            <a:r>
-              <a:rPr lang="en-US" sz="4800" dirty="0" smtClean="0">
-                <a:solidFill>
-                  <a:srgbClr val="0000FF"/>
-                </a:solidFill>
-              </a:rPr>
-              <a:t>500</a:t>
-            </a:r>
-            <a:r>
-              <a:rPr lang="en-US" sz="4800" dirty="0" smtClean="0"/>
-              <a:t>}          </a:t>
-            </a:r>
-            <a:r>
-              <a:rPr lang="en-US" sz="4800" b="1" dirty="0" smtClean="0">
-                <a:latin typeface="Times New Roman" pitchFamily="18" charset="0"/>
-                <a:cs typeface="Times New Roman" pitchFamily="18" charset="0"/>
-                <a:sym typeface="Symbol" pitchFamily="18" charset="2"/>
-              </a:rPr>
-              <a:t>&lt;</a:t>
-            </a:r>
-            <a:r>
-              <a:rPr lang="en-US" sz="4800" dirty="0" smtClean="0">
-                <a:solidFill>
-                  <a:srgbClr val="0000FF"/>
-                </a:solidFill>
-              </a:rPr>
-              <a:t> 1/39</a:t>
-            </a:r>
-            <a:endParaRPr lang="en-US" sz="4800" i="1" dirty="0" smtClean="0"/>
-          </a:p>
-          <a:p>
-            <a:pPr eaLnBrk="1" hangingPunct="1">
-              <a:buFontTx/>
-              <a:buNone/>
-            </a:pPr>
-            <a:r>
-              <a:rPr lang="en-US" sz="4800" dirty="0" smtClean="0"/>
-              <a:t>Pr{#H = </a:t>
-            </a:r>
-            <a:r>
-              <a:rPr lang="en-US" sz="4800" dirty="0" smtClean="0">
-                <a:solidFill>
-                  <a:srgbClr val="0000FF"/>
-                </a:solidFill>
-              </a:rPr>
-              <a:t>500.5 </a:t>
-            </a:r>
-            <a:r>
-              <a:rPr lang="en-US" sz="4800" dirty="0" smtClean="0">
-                <a:solidFill>
-                  <a:srgbClr val="0000FF"/>
-                </a:solidFill>
-                <a:latin typeface="Euclid Symbol" charset="2"/>
-                <a:cs typeface="Euclid Symbol" charset="2"/>
-              </a:rPr>
-              <a:t>± </a:t>
-            </a:r>
-            <a:r>
-              <a:rPr lang="en-US" sz="4800" dirty="0" smtClean="0">
-                <a:solidFill>
-                  <a:srgbClr val="0000FF"/>
-                </a:solidFill>
-              </a:rPr>
-              <a:t>1</a:t>
-            </a:r>
-            <a:r>
-              <a:rPr lang="en-US" sz="4800" dirty="0" smtClean="0"/>
-              <a:t> } </a:t>
-            </a:r>
-            <a:r>
-              <a:rPr lang="en-US" sz="4800" b="1" dirty="0" smtClean="0">
-                <a:latin typeface="Times New Roman" pitchFamily="18" charset="0"/>
-                <a:cs typeface="Times New Roman" pitchFamily="18" charset="0"/>
-                <a:sym typeface="Symbol" pitchFamily="18" charset="2"/>
-              </a:rPr>
-              <a:t>&lt;</a:t>
-            </a:r>
-            <a:r>
-              <a:rPr lang="en-US" sz="4800" dirty="0" smtClean="0">
-                <a:solidFill>
-                  <a:srgbClr val="0000FF"/>
-                </a:solidFill>
-              </a:rPr>
-              <a:t> 1/19</a:t>
-            </a:r>
-            <a:endParaRPr lang="en-US" sz="4800" i="1" dirty="0" smtClean="0"/>
-          </a:p>
-        </p:txBody>
-      </p:sp>
-      <p:sp>
-        <p:nvSpPr>
-          <p:cNvPr id="626696" name="Text Box 8"/>
-          <p:cNvSpPr txBox="1">
-            <a:spLocks noChangeArrowheads="1"/>
-          </p:cNvSpPr>
-          <p:nvPr/>
-        </p:nvSpPr>
-        <p:spPr bwMode="auto">
-          <a:xfrm>
-            <a:off x="6497256" y="5283878"/>
-            <a:ext cx="1906291" cy="707886"/>
-          </a:xfrm>
-          <a:prstGeom prst="rect">
-            <a:avLst/>
-          </a:prstGeom>
-          <a:noFill/>
-          <a:ln w="28575" algn="ctr">
-            <a:noFill/>
-            <a:miter lim="800000"/>
-            <a:headEnd/>
-            <a:tailEnd/>
-          </a:ln>
-        </p:spPr>
-        <p:txBody>
-          <a:bodyPr wrap="none">
-            <a:spAutoFit/>
-          </a:bodyPr>
-          <a:lstStyle/>
-          <a:p>
-            <a:pPr marL="342900" indent="-342900"/>
-            <a:r>
-              <a:rPr lang="en-US" dirty="0">
-                <a:solidFill>
-                  <a:srgbClr val="7030A0"/>
-                </a:solidFill>
-                <a:latin typeface="Comic Sans MS" pitchFamily="66" charset="0"/>
-              </a:rPr>
-              <a:t>smaller</a:t>
-            </a:r>
-          </a:p>
-        </p:txBody>
-      </p:sp>
-      <p:sp>
-        <p:nvSpPr>
-          <p:cNvPr id="28677" name="Rectangle 10"/>
-          <p:cNvSpPr>
-            <a:spLocks noGrp="1" noChangeArrowheads="1"/>
-          </p:cNvSpPr>
-          <p:nvPr>
-            <p:ph type="title"/>
-          </p:nvPr>
-        </p:nvSpPr>
-        <p:spPr>
-          <a:xfrm>
-            <a:off x="1498600" y="304800"/>
-            <a:ext cx="7124700" cy="1193800"/>
-          </a:xfrm>
-          <a:noFill/>
-        </p:spPr>
-        <p:txBody>
-          <a:bodyPr/>
-          <a:lstStyle/>
-          <a:p>
-            <a:pPr eaLnBrk="1" hangingPunct="1"/>
-            <a:r>
-              <a:rPr lang="en-US" sz="3600" dirty="0" smtClean="0"/>
-              <a:t>Don’t expect the Expectation!</a:t>
-            </a:r>
-          </a:p>
-        </p:txBody>
-      </p:sp>
-      <p:sp>
-        <p:nvSpPr>
-          <p:cNvPr id="6" name="Left Brace 5"/>
-          <p:cNvSpPr/>
-          <p:nvPr/>
-        </p:nvSpPr>
-        <p:spPr bwMode="auto">
-          <a:xfrm rot="-5400000">
-            <a:off x="7353652" y="4648200"/>
-            <a:ext cx="137160" cy="1196340"/>
-          </a:xfrm>
-          <a:prstGeom prst="leftBrace">
-            <a:avLst/>
-          </a:prstGeom>
-          <a:noFill/>
-          <a:ln w="31750" cap="flat" cmpd="sng" algn="ctr">
-            <a:solidFill>
-              <a:schemeClr val="tx1"/>
-            </a:solidFill>
-            <a:prstDash val="solid"/>
-            <a:round/>
-            <a:headEnd type="none" w="med" len="med"/>
-            <a:tailEnd type="none" w="lg" len="lg"/>
-          </a:ln>
-          <a:effectLst/>
-        </p:spPr>
-        <p:txBody>
-          <a:bodyPr vert="horz" wrap="square" lIns="91440" tIns="45720" rIns="91440" bIns="45720" numCol="1" rtlCol="0" anchor="t" anchorCtr="0" compatLnSpc="1">
-            <a:prstTxWarp prst="textNoShape">
-              <a:avLst/>
-            </a:prstTxWarp>
-          </a:bodyPr>
-          <a:lstStyle/>
-          <a:p>
-            <a:pPr marL="0" marR="0" indent="0" algn="l" defTabSz="914400" rtl="0" eaLnBrk="1" fontAlgn="base" latinLnBrk="0" hangingPunct="1">
-              <a:lnSpc>
-                <a:spcPct val="100000"/>
-              </a:lnSpc>
-              <a:spcBef>
-                <a:spcPct val="0"/>
-              </a:spcBef>
-              <a:spcAft>
-                <a:spcPct val="0"/>
-              </a:spcAft>
-              <a:buClrTx/>
-              <a:buSzTx/>
-              <a:buFontTx/>
-              <a:buNone/>
-              <a:tabLst/>
-            </a:pPr>
-            <a:endParaRPr kumimoji="0" lang="en-US" sz="4000" b="0" i="0" u="none" strike="noStrike" cap="none" normalizeH="0" baseline="0" smtClean="0">
-              <a:ln>
-                <a:noFill/>
-              </a:ln>
-              <a:solidFill>
-                <a:schemeClr val="tx1"/>
-              </a:solidFill>
-              <a:effectLst/>
-              <a:latin typeface="Arial" pitchFamily="34" charset="0"/>
-            </a:endParaRPr>
-          </a:p>
-        </p:txBody>
-      </p:sp>
-      <p:sp>
-        <p:nvSpPr>
-          <p:cNvPr id="7" name="Left Brace 6"/>
-          <p:cNvSpPr/>
-          <p:nvPr/>
-        </p:nvSpPr>
-        <p:spPr bwMode="auto">
-          <a:xfrm rot="-5400000">
-            <a:off x="7345966" y="3657600"/>
-            <a:ext cx="137160" cy="1196340"/>
-          </a:xfrm>
-          <a:prstGeom prst="leftBrace">
-            <a:avLst/>
-          </a:prstGeom>
-          <a:noFill/>
-          <a:ln w="31750" cap="flat" cmpd="sng" algn="ctr">
-            <a:solidFill>
-              <a:schemeClr val="tx1"/>
-            </a:solidFill>
-            <a:prstDash val="solid"/>
-            <a:round/>
-            <a:headEnd type="none" w="med" len="med"/>
-            <a:tailEnd type="none" w="lg" len="lg"/>
-          </a:ln>
-          <a:effectLst/>
-        </p:spPr>
-        <p:txBody>
-          <a:bodyPr vert="horz" wrap="square" lIns="91440" tIns="45720" rIns="91440" bIns="45720" numCol="1" rtlCol="0" anchor="t" anchorCtr="0" compatLnSpc="1">
-            <a:prstTxWarp prst="textNoShape">
-              <a:avLst/>
-            </a:prstTxWarp>
-          </a:bodyPr>
-          <a:lstStyle/>
-          <a:p>
-            <a:pPr marL="0" marR="0" indent="0" algn="l" defTabSz="914400" rtl="0" eaLnBrk="1" fontAlgn="base" latinLnBrk="0" hangingPunct="1">
-              <a:lnSpc>
-                <a:spcPct val="100000"/>
-              </a:lnSpc>
-              <a:spcBef>
-                <a:spcPct val="0"/>
-              </a:spcBef>
-              <a:spcAft>
-                <a:spcPct val="0"/>
-              </a:spcAft>
-              <a:buClrTx/>
-              <a:buSzTx/>
-              <a:buFontTx/>
-              <a:buNone/>
-              <a:tabLst/>
-            </a:pPr>
-            <a:endParaRPr kumimoji="0" lang="en-US" sz="4000" b="0" i="0" u="none" strike="noStrike" cap="none" normalizeH="0" baseline="0" smtClean="0">
-              <a:ln>
-                <a:noFill/>
-              </a:ln>
-              <a:solidFill>
-                <a:schemeClr val="tx1"/>
-              </a:solidFill>
-              <a:effectLst/>
-              <a:latin typeface="Arial" pitchFamily="34" charset="0"/>
-            </a:endParaRPr>
-          </a:p>
-        </p:txBody>
-      </p:sp>
-    </p:spTree>
-  </p:cSld>
-  <p:clrMapOvr>
-    <a:masterClrMapping/>
-  </p:clrMapOvr>
-  <p:transition>
-    <p:fade/>
-  </p:transition>
-  <p:timing>
-    <p:tnLst>
-      <p:par>
-        <p:cTn id="1" dur="indefinite" restart="never" nodeType="tmRoot">
-          <p:childTnLst>
-            <p:seq concurrent="1" nextAc="seek">
-              <p:cTn id="2" dur="indefinite" nodeType="mainSeq">
-                <p:childTnLst>
-                  <p:par>
-                    <p:cTn id="3" fill="hold">
-                      <p:stCondLst>
-                        <p:cond delay="indefinite"/>
-                      </p:stCondLst>
-                      <p:childTnLst>
-                        <p:par>
-                          <p:cTn id="4" fill="hold">
-                            <p:stCondLst>
-                              <p:cond delay="0"/>
-                            </p:stCondLst>
-                            <p:childTnLst>
-                              <p:par>
-                                <p:cTn id="5" presetID="22" presetClass="entr" presetSubtype="1" fill="hold" nodeType="clickEffect">
-                                  <p:stCondLst>
-                                    <p:cond delay="0"/>
-                                  </p:stCondLst>
-                                  <p:childTnLst>
-                                    <p:set>
-                                      <p:cBhvr>
-                                        <p:cTn id="6" dur="1" fill="hold">
-                                          <p:stCondLst>
-                                            <p:cond delay="0"/>
-                                          </p:stCondLst>
-                                        </p:cTn>
-                                        <p:tgtEl>
-                                          <p:spTgt spid="28675">
-                                            <p:txEl>
-                                              <p:pRg st="1" end="1"/>
-                                            </p:txEl>
-                                          </p:spTgt>
-                                        </p:tgtEl>
-                                        <p:attrNameLst>
-                                          <p:attrName>style.visibility</p:attrName>
-                                        </p:attrNameLst>
-                                      </p:cBhvr>
-                                      <p:to>
-                                        <p:strVal val="visible"/>
-                                      </p:to>
-                                    </p:set>
-                                    <p:animEffect transition="in" filter="wipe(up)">
-                                      <p:cBhvr>
-                                        <p:cTn id="7" dur="500"/>
-                                        <p:tgtEl>
-                                          <p:spTgt spid="28675">
-                                            <p:txEl>
-                                              <p:pRg st="1" end="1"/>
-                                            </p:txEl>
-                                          </p:spTgt>
-                                        </p:tgtEl>
-                                      </p:cBhvr>
-                                    </p:animEffect>
-                                  </p:childTnLst>
-                                </p:cTn>
-                              </p:par>
-                            </p:childTnLst>
-                          </p:cTn>
-                        </p:par>
-                        <p:par>
-                          <p:cTn id="8" fill="hold">
-                            <p:stCondLst>
-                              <p:cond delay="500"/>
-                            </p:stCondLst>
-                            <p:childTnLst>
-                              <p:par>
-                                <p:cTn id="9" presetID="22" presetClass="entr" presetSubtype="1" fill="hold" nodeType="afterEffect">
-                                  <p:stCondLst>
-                                    <p:cond delay="0"/>
-                                  </p:stCondLst>
-                                  <p:childTnLst>
-                                    <p:set>
-                                      <p:cBhvr>
-                                        <p:cTn id="10" dur="1" fill="hold">
-                                          <p:stCondLst>
-                                            <p:cond delay="0"/>
-                                          </p:stCondLst>
-                                        </p:cTn>
-                                        <p:tgtEl>
-                                          <p:spTgt spid="28675">
-                                            <p:txEl>
-                                              <p:pRg st="2" end="2"/>
-                                            </p:txEl>
-                                          </p:spTgt>
-                                        </p:tgtEl>
-                                        <p:attrNameLst>
-                                          <p:attrName>style.visibility</p:attrName>
-                                        </p:attrNameLst>
-                                      </p:cBhvr>
-                                      <p:to>
-                                        <p:strVal val="visible"/>
-                                      </p:to>
-                                    </p:set>
-                                    <p:animEffect transition="in" filter="wipe(up)">
-                                      <p:cBhvr>
-                                        <p:cTn id="11" dur="500"/>
-                                        <p:tgtEl>
-                                          <p:spTgt spid="28675">
-                                            <p:txEl>
-                                              <p:pRg st="2" end="2"/>
-                                            </p:txEl>
-                                          </p:spTgt>
-                                        </p:tgtEl>
-                                      </p:cBhvr>
-                                    </p:animEffect>
-                                  </p:childTnLst>
-                                </p:cTn>
-                              </p:par>
-                            </p:childTnLst>
-                          </p:cTn>
-                        </p:par>
-                        <p:par>
-                          <p:cTn id="12" fill="hold">
-                            <p:stCondLst>
-                              <p:cond delay="1000"/>
-                            </p:stCondLst>
-                            <p:childTnLst>
-                              <p:par>
-                                <p:cTn id="13" presetID="22" presetClass="entr" presetSubtype="1" fill="hold" nodeType="afterEffect">
-                                  <p:stCondLst>
-                                    <p:cond delay="0"/>
-                                  </p:stCondLst>
-                                  <p:childTnLst>
-                                    <p:set>
-                                      <p:cBhvr>
-                                        <p:cTn id="14" dur="1" fill="hold">
-                                          <p:stCondLst>
-                                            <p:cond delay="0"/>
-                                          </p:stCondLst>
-                                        </p:cTn>
-                                        <p:tgtEl>
-                                          <p:spTgt spid="28675">
-                                            <p:txEl>
-                                              <p:pRg st="3" end="3"/>
-                                            </p:txEl>
-                                          </p:spTgt>
-                                        </p:tgtEl>
-                                        <p:attrNameLst>
-                                          <p:attrName>style.visibility</p:attrName>
-                                        </p:attrNameLst>
-                                      </p:cBhvr>
-                                      <p:to>
-                                        <p:strVal val="visible"/>
-                                      </p:to>
-                                    </p:set>
-                                    <p:animEffect transition="in" filter="wipe(up)">
-                                      <p:cBhvr>
-                                        <p:cTn id="15" dur="500"/>
-                                        <p:tgtEl>
-                                          <p:spTgt spid="28675">
-                                            <p:txEl>
-                                              <p:pRg st="3" end="3"/>
-                                            </p:txEl>
-                                          </p:spTgt>
-                                        </p:tgtEl>
-                                      </p:cBhvr>
-                                    </p:animEffect>
-                                  </p:childTnLst>
-                                </p:cTn>
-                              </p:par>
-                            </p:childTnLst>
-                          </p:cTn>
-                        </p:par>
-                      </p:childTnLst>
-                    </p:cTn>
-                  </p:par>
-                  <p:par>
-                    <p:cTn id="16" fill="hold">
-                      <p:stCondLst>
-                        <p:cond delay="indefinite"/>
-                      </p:stCondLst>
-                      <p:childTnLst>
-                        <p:par>
-                          <p:cTn id="17" fill="hold">
-                            <p:stCondLst>
-                              <p:cond delay="0"/>
-                            </p:stCondLst>
-                            <p:childTnLst>
-                              <p:par>
-                                <p:cTn id="18" presetID="9" presetClass="entr" presetSubtype="0" fill="hold" grpId="0" nodeType="clickEffect">
-                                  <p:stCondLst>
-                                    <p:cond delay="0"/>
-                                  </p:stCondLst>
-                                  <p:childTnLst>
-                                    <p:set>
-                                      <p:cBhvr>
-                                        <p:cTn id="19" dur="1" fill="hold">
-                                          <p:stCondLst>
-                                            <p:cond delay="0"/>
-                                          </p:stCondLst>
-                                        </p:cTn>
-                                        <p:tgtEl>
-                                          <p:spTgt spid="7"/>
-                                        </p:tgtEl>
-                                        <p:attrNameLst>
-                                          <p:attrName>style.visibility</p:attrName>
-                                        </p:attrNameLst>
-                                      </p:cBhvr>
-                                      <p:to>
-                                        <p:strVal val="visible"/>
-                                      </p:to>
-                                    </p:set>
-                                    <p:animEffect transition="in" filter="dissolve">
-                                      <p:cBhvr>
-                                        <p:cTn id="20" dur="500"/>
-                                        <p:tgtEl>
-                                          <p:spTgt spid="7"/>
-                                        </p:tgtEl>
-                                      </p:cBhvr>
-                                    </p:animEffect>
-                                  </p:childTnLst>
-                                </p:cTn>
-                              </p:par>
-                              <p:par>
-                                <p:cTn id="21" presetID="9" presetClass="entr" presetSubtype="0" fill="hold" grpId="0" nodeType="withEffect">
-                                  <p:stCondLst>
-                                    <p:cond delay="0"/>
-                                  </p:stCondLst>
-                                  <p:childTnLst>
-                                    <p:set>
-                                      <p:cBhvr>
-                                        <p:cTn id="22" dur="1" fill="hold">
-                                          <p:stCondLst>
-                                            <p:cond delay="0"/>
-                                          </p:stCondLst>
-                                        </p:cTn>
-                                        <p:tgtEl>
-                                          <p:spTgt spid="6"/>
-                                        </p:tgtEl>
-                                        <p:attrNameLst>
-                                          <p:attrName>style.visibility</p:attrName>
-                                        </p:attrNameLst>
-                                      </p:cBhvr>
-                                      <p:to>
-                                        <p:strVal val="visible"/>
-                                      </p:to>
-                                    </p:set>
-                                    <p:animEffect transition="in" filter="dissolve">
-                                      <p:cBhvr>
-                                        <p:cTn id="23" dur="500"/>
-                                        <p:tgtEl>
-                                          <p:spTgt spid="6"/>
-                                        </p:tgtEl>
-                                      </p:cBhvr>
-                                    </p:animEffect>
-                                  </p:childTnLst>
-                                </p:cTn>
-                              </p:par>
-                              <p:par>
-                                <p:cTn id="24" presetID="9" presetClass="entr" presetSubtype="0" fill="hold" grpId="1" nodeType="withEffect">
-                                  <p:stCondLst>
-                                    <p:cond delay="0"/>
-                                  </p:stCondLst>
-                                  <p:childTnLst>
-                                    <p:set>
-                                      <p:cBhvr>
-                                        <p:cTn id="25" dur="1" fill="hold">
-                                          <p:stCondLst>
-                                            <p:cond delay="0"/>
-                                          </p:stCondLst>
-                                        </p:cTn>
-                                        <p:tgtEl>
-                                          <p:spTgt spid="626696"/>
-                                        </p:tgtEl>
-                                        <p:attrNameLst>
-                                          <p:attrName>style.visibility</p:attrName>
-                                        </p:attrNameLst>
-                                      </p:cBhvr>
-                                      <p:to>
-                                        <p:strVal val="visible"/>
-                                      </p:to>
-                                    </p:set>
-                                    <p:animEffect transition="in" filter="dissolve">
-                                      <p:cBhvr>
-                                        <p:cTn id="26" dur="500"/>
-                                        <p:tgtEl>
-                                          <p:spTgt spid="626696"/>
-                                        </p:tgtEl>
-                                      </p:cBhvr>
-                                    </p:animEffect>
-                                  </p:childTnLst>
-                                </p:cTn>
-                              </p:par>
-                            </p:childTnLst>
-                          </p:cTn>
-                        </p:par>
-                      </p:childTnLst>
-                    </p:cTn>
-                  </p:par>
-                </p:childTnLst>
-              </p:cTn>
-              <p:prevCondLst>
-                <p:cond evt="onPrev" delay="0">
-                  <p:tgtEl>
-                    <p:sldTgt/>
-                  </p:tgtEl>
-                </p:cond>
-              </p:prevCondLst>
-              <p:nextCondLst>
-                <p:cond evt="onNext" delay="0">
-                  <p:tgtEl>
-                    <p:sldTgt/>
-                  </p:tgtEl>
-                </p:cond>
-              </p:nextCondLst>
-            </p:seq>
-          </p:childTnLst>
-        </p:cTn>
-      </p:par>
-    </p:tnLst>
-    <p:bldLst>
-      <p:bldP spid="626696" grpId="1"/>
-      <p:bldP spid="6" grpId="0" animBg="1"/>
-      <p:bldP spid="7" grpId="0" animBg="1"/>
-    </p:bldLst>
-  </p:timing>
-</p:sld>
-</file>
-
-<file path=ppt/slides/slide40.xml><?xml version="1.0" encoding="utf-8"?>
+<file path=ppt/slides/slide41.xml><?xml version="1.0" encoding="utf-8"?>
 <p:sld xmlns:a="http://schemas.openxmlformats.org/drawingml/2006/main" xmlns:r="http://schemas.openxmlformats.org/officeDocument/2006/relationships" xmlns:mc="http://schemas.openxmlformats.org/markup-compatibility/2006" xmlns:mv="urn:schemas-microsoft-com:mac:vml" xmlns:p="http://schemas.openxmlformats.org/presentationml/2006/main" mc:Ignorable="mv" mc:PreserveAttributes="mv:*" show="0">
   <p:cSld>
     <p:spTree>
@@ -23736,15 +24527,6 @@
               </a:rPr>
               <a:t>cleverer approach:</a:t>
             </a:r>
-            <a:endParaRPr lang="en-US" sz="4800" dirty="0" smtClean="0">
-              <a:solidFill>
-                <a:schemeClr val="accent1">
-                  <a:lumMod val="50000"/>
-                </a:schemeClr>
-              </a:solidFill>
-              <a:latin typeface="Comic Sans MS"/>
-              <a:cs typeface="Comic Sans MS"/>
-            </a:endParaRPr>
           </a:p>
         </p:txBody>
       </p:sp>
@@ -23854,13 +24636,6 @@
                 </a:rPr>
                 <a:t>now solve for </a:t>
               </a:r>
-              <a:endParaRPr lang="en-US" sz="5400" dirty="0" smtClean="0">
-                <a:solidFill>
-                  <a:srgbClr val="0000E5"/>
-                </a:solidFill>
-                <a:latin typeface="Comic Sans MS"/>
-                <a:cs typeface="Comic Sans MS"/>
-              </a:endParaRPr>
             </a:p>
           </p:txBody>
         </p:sp>
@@ -24138,7 +24913,7 @@
 </p:sld>
 </file>
 
-<file path=ppt/slides/slide41.xml><?xml version="1.0" encoding="utf-8"?>
+<file path=ppt/slides/slide42.xml><?xml version="1.0" encoding="utf-8"?>
 <p:sld xmlns:a="http://schemas.openxmlformats.org/drawingml/2006/main" xmlns:r="http://schemas.openxmlformats.org/officeDocument/2006/relationships" xmlns:mc="http://schemas.openxmlformats.org/markup-compatibility/2006" xmlns:mv="urn:schemas-microsoft-com:mac:vml" xmlns:p="http://schemas.openxmlformats.org/presentationml/2006/main" mc:Ignorable="mv" mc:PreserveAttributes="mv:*" show="0">
   <p:cSld>
     <p:spTree>
@@ -25042,7 +25817,7 @@
 </p:sld>
 </file>
 
-<file path=ppt/slides/slide42.xml><?xml version="1.0" encoding="utf-8"?>
+<file path=ppt/slides/slide43.xml><?xml version="1.0" encoding="utf-8"?>
 <p:sld xmlns:a="http://schemas.openxmlformats.org/drawingml/2006/main" xmlns:r="http://schemas.openxmlformats.org/officeDocument/2006/relationships" xmlns:mc="http://schemas.openxmlformats.org/markup-compatibility/2006" xmlns:mv="urn:schemas-microsoft-com:mac:vml" xmlns:p="http://schemas.openxmlformats.org/presentationml/2006/main" mc:Ignorable="mv" mc:PreserveAttributes="mv:*">
   <p:cSld>
     <p:spTree>
@@ -25971,7 +26746,7 @@
 </p:sld>
 </file>
 
-<file path=ppt/slides/slide43.xml><?xml version="1.0" encoding="utf-8"?>
+<file path=ppt/slides/slide44.xml><?xml version="1.0" encoding="utf-8"?>
 <p:sld xmlns:a="http://schemas.openxmlformats.org/drawingml/2006/main" xmlns:r="http://schemas.openxmlformats.org/officeDocument/2006/relationships" xmlns:mc="http://schemas.openxmlformats.org/markup-compatibility/2006" xmlns:mv="urn:schemas-microsoft-com:mac:vml" xmlns:p="http://schemas.openxmlformats.org/presentationml/2006/main" mc:Ignorable="mv" mc:PreserveAttributes="mv:*">
   <p:cSld>
     <p:spTree>
@@ -26167,7 +26942,7 @@
 </p:sld>
 </file>
 
-<file path=ppt/slides/slide44.xml><?xml version="1.0" encoding="utf-8"?>
+<file path=ppt/slides/slide45.xml><?xml version="1.0" encoding="utf-8"?>
 <p:sld xmlns:a="http://schemas.openxmlformats.org/drawingml/2006/main" xmlns:r="http://schemas.openxmlformats.org/officeDocument/2006/relationships" xmlns:mc="http://schemas.openxmlformats.org/markup-compatibility/2006" xmlns:mv="urn:schemas-microsoft-com:mac:vml" xmlns:p="http://schemas.openxmlformats.org/presentationml/2006/main" mc:Ignorable="mv" mc:PreserveAttributes="mv:*">
   <p:cSld>
     <p:spTree>
@@ -26573,7 +27348,7 @@
 </p:sld>
 </file>
 
-<file path=ppt/slides/slide45.xml><?xml version="1.0" encoding="utf-8"?>
+<file path=ppt/slides/slide46.xml><?xml version="1.0" encoding="utf-8"?>
 <p:sld xmlns:a="http://schemas.openxmlformats.org/drawingml/2006/main" xmlns:r="http://schemas.openxmlformats.org/officeDocument/2006/relationships" xmlns:mc="http://schemas.openxmlformats.org/markup-compatibility/2006" xmlns:mv="urn:schemas-microsoft-com:mac:vml" xmlns:p="http://schemas.openxmlformats.org/presentationml/2006/main" mc:Ignorable="mv" mc:PreserveAttributes="mv:*">
   <p:cSld>
     <p:spTree>
@@ -26851,7 +27626,7 @@
 </p:sld>
 </file>
 
-<file path=ppt/slides/slide46.xml><?xml version="1.0" encoding="utf-8"?>
+<file path=ppt/slides/slide47.xml><?xml version="1.0" encoding="utf-8"?>
 <p:sld xmlns:a="http://schemas.openxmlformats.org/drawingml/2006/main" xmlns:r="http://schemas.openxmlformats.org/officeDocument/2006/relationships" xmlns:mc="http://schemas.openxmlformats.org/markup-compatibility/2006" xmlns:mv="urn:schemas-microsoft-com:mac:vml" xmlns:p="http://schemas.openxmlformats.org/presentationml/2006/main" mc:Ignorable="mv" mc:PreserveAttributes="mv:*" show="0">
   <p:cSld>
     <p:spTree>
@@ -27169,7 +27944,7 @@
 </p:sld>
 </file>
 
-<file path=ppt/slides/slide47.xml><?xml version="1.0" encoding="utf-8"?>
+<file path=ppt/slides/slide48.xml><?xml version="1.0" encoding="utf-8"?>
 <p:sld xmlns:a="http://schemas.openxmlformats.org/drawingml/2006/main" xmlns:r="http://schemas.openxmlformats.org/officeDocument/2006/relationships" xmlns:mc="http://schemas.openxmlformats.org/markup-compatibility/2006" xmlns:mv="urn:schemas-microsoft-com:mac:vml" xmlns:p="http://schemas.openxmlformats.org/presentationml/2006/main" mc:Ignorable="mv" mc:PreserveAttributes="mv:*" show="0">
   <p:cSld>
     <p:spTree>
@@ -27478,7 +28253,7 @@
 </p:sld>
 </file>
 
-<file path=ppt/slides/slide48.xml><?xml version="1.0" encoding="utf-8"?>
+<file path=ppt/slides/slide49.xml><?xml version="1.0" encoding="utf-8"?>
 <p:sld xmlns:a="http://schemas.openxmlformats.org/drawingml/2006/main" xmlns:r="http://schemas.openxmlformats.org/officeDocument/2006/relationships" xmlns:mc="http://schemas.openxmlformats.org/markup-compatibility/2006" xmlns:mv="urn:schemas-microsoft-com:mac:vml" xmlns:p="http://schemas.openxmlformats.org/presentationml/2006/main" mc:Ignorable="mv" mc:PreserveAttributes="mv:*" show="0">
   <p:cSld>
     <p:spTree>
@@ -27842,7 +28617,126 @@
 </p:sld>
 </file>
 
-<file path=ppt/slides/slide49.xml><?xml version="1.0" encoding="utf-8"?>
+<file path=ppt/slides/slide5.xml><?xml version="1.0" encoding="utf-8"?>
+<p:sld xmlns:a="http://schemas.openxmlformats.org/drawingml/2006/main" xmlns:r="http://schemas.openxmlformats.org/officeDocument/2006/relationships" xmlns:mc="http://schemas.openxmlformats.org/markup-compatibility/2006" xmlns:mv="urn:schemas-microsoft-com:mac:vml" xmlns:p="http://schemas.openxmlformats.org/presentationml/2006/main" mc:Ignorable="mv" mc:PreserveAttributes="mv:*" show="0">
+  <p:cSld>
+    <p:spTree>
+      <p:nvGrpSpPr>
+        <p:cNvPr id="1" name=""/>
+        <p:cNvGrpSpPr/>
+        <p:nvPr/>
+      </p:nvGrpSpPr>
+      <p:grpSpPr>
+        <a:xfrm>
+          <a:off x="0" y="0"/>
+          <a:ext cx="0" cy="0"/>
+          <a:chOff x="0" y="0"/>
+          <a:chExt cx="0" cy="0"/>
+        </a:xfrm>
+      </p:grpSpPr>
+      <p:sp>
+        <p:nvSpPr>
+          <p:cNvPr id="28675" name="Rectangle 3"/>
+          <p:cNvSpPr>
+            <a:spLocks noGrp="1" noChangeArrowheads="1"/>
+          </p:cNvSpPr>
+          <p:nvPr>
+            <p:ph type="body" sz="half" idx="1"/>
+          </p:nvPr>
+        </p:nvSpPr>
+        <p:spPr>
+          <a:xfrm>
+            <a:off x="148730" y="1394378"/>
+            <a:ext cx="8995270" cy="4051973"/>
+          </a:xfrm>
+        </p:spPr>
+        <p:txBody>
+          <a:bodyPr/>
+          <a:lstStyle/>
+          <a:p>
+            <a:pPr eaLnBrk="1" hangingPunct="1">
+              <a:buFontTx/>
+              <a:buNone/>
+            </a:pPr>
+            <a:r>
+              <a:rPr lang="en-US" sz="6000" dirty="0" smtClean="0"/>
+              <a:t>As </a:t>
+            </a:r>
+            <a:r>
+              <a:rPr lang="en-US" sz="6000" dirty="0" smtClean="0">
+                <a:solidFill>
+                  <a:srgbClr val="008000"/>
+                </a:solidFill>
+              </a:rPr>
+              <a:t>#tosses</a:t>
+            </a:r>
+            <a:r>
+              <a:rPr lang="en-US" sz="6000" dirty="0" smtClean="0"/>
+              <a:t> grows, #Heads gets less likely to be within a </a:t>
+            </a:r>
+            <a:r>
+              <a:rPr lang="en-US" sz="6000" dirty="0" smtClean="0">
+                <a:solidFill>
+                  <a:srgbClr val="FF00FF"/>
+                </a:solidFill>
+              </a:rPr>
+              <a:t>fixed distance</a:t>
+            </a:r>
+            <a:r>
+              <a:rPr lang="en-US" sz="6000" dirty="0" smtClean="0"/>
+              <a:t> of the mean</a:t>
+            </a:r>
+          </a:p>
+        </p:txBody>
+      </p:sp>
+      <p:sp>
+        <p:nvSpPr>
+          <p:cNvPr id="28677" name="Rectangle 10"/>
+          <p:cNvSpPr>
+            <a:spLocks noGrp="1" noChangeArrowheads="1"/>
+          </p:cNvSpPr>
+          <p:nvPr>
+            <p:ph type="title"/>
+          </p:nvPr>
+        </p:nvSpPr>
+        <p:spPr>
+          <a:xfrm>
+            <a:off x="1498600" y="304800"/>
+            <a:ext cx="7124700" cy="1193800"/>
+          </a:xfrm>
+          <a:noFill/>
+        </p:spPr>
+        <p:txBody>
+          <a:bodyPr/>
+          <a:lstStyle/>
+          <a:p>
+            <a:pPr eaLnBrk="1" hangingPunct="1"/>
+            <a:r>
+              <a:rPr lang="en-US" sz="3600" dirty="0" smtClean="0"/>
+              <a:t>Don’t expect the Expectation!</a:t>
+            </a:r>
+          </a:p>
+        </p:txBody>
+      </p:sp>
+    </p:spTree>
+  </p:cSld>
+  <p:clrMapOvr>
+    <a:masterClrMapping/>
+  </p:clrMapOvr>
+  <p:transition>
+    <p:fade/>
+  </p:transition>
+  <p:timing>
+    <p:tnLst>
+      <p:par>
+        <p:cTn id="1" dur="indefinite" restart="never" nodeType="tmRoot"/>
+      </p:par>
+    </p:tnLst>
+  </p:timing>
+</p:sld>
+</file>
+
+<file path=ppt/slides/slide50.xml><?xml version="1.0" encoding="utf-8"?>
 <p:sld xmlns:a="http://schemas.openxmlformats.org/drawingml/2006/main" xmlns:r="http://schemas.openxmlformats.org/officeDocument/2006/relationships" xmlns:mc="http://schemas.openxmlformats.org/markup-compatibility/2006" xmlns:mv="urn:schemas-microsoft-com:mac:vml" xmlns:p="http://schemas.openxmlformats.org/presentationml/2006/main" mc:Ignorable="mv" mc:PreserveAttributes="mv:*" show="0">
   <p:cSld>
     <p:spTree>
@@ -28413,126 +29307,7 @@
 </p:sld>
 </file>
 
-<file path=ppt/slides/slide5.xml><?xml version="1.0" encoding="utf-8"?>
-<p:sld xmlns:a="http://schemas.openxmlformats.org/drawingml/2006/main" xmlns:r="http://schemas.openxmlformats.org/officeDocument/2006/relationships" xmlns:mc="http://schemas.openxmlformats.org/markup-compatibility/2006" xmlns:mv="urn:schemas-microsoft-com:mac:vml" xmlns:p="http://schemas.openxmlformats.org/presentationml/2006/main" mc:Ignorable="mv" mc:PreserveAttributes="mv:*" show="0">
-  <p:cSld>
-    <p:spTree>
-      <p:nvGrpSpPr>
-        <p:cNvPr id="1" name=""/>
-        <p:cNvGrpSpPr/>
-        <p:nvPr/>
-      </p:nvGrpSpPr>
-      <p:grpSpPr>
-        <a:xfrm>
-          <a:off x="0" y="0"/>
-          <a:ext cx="0" cy="0"/>
-          <a:chOff x="0" y="0"/>
-          <a:chExt cx="0" cy="0"/>
-        </a:xfrm>
-      </p:grpSpPr>
-      <p:sp>
-        <p:nvSpPr>
-          <p:cNvPr id="28675" name="Rectangle 3"/>
-          <p:cNvSpPr>
-            <a:spLocks noGrp="1" noChangeArrowheads="1"/>
-          </p:cNvSpPr>
-          <p:nvPr>
-            <p:ph type="body" sz="half" idx="1"/>
-          </p:nvPr>
-        </p:nvSpPr>
-        <p:spPr>
-          <a:xfrm>
-            <a:off x="148730" y="1394378"/>
-            <a:ext cx="8995270" cy="4051973"/>
-          </a:xfrm>
-        </p:spPr>
-        <p:txBody>
-          <a:bodyPr/>
-          <a:lstStyle/>
-          <a:p>
-            <a:pPr eaLnBrk="1" hangingPunct="1">
-              <a:buFontTx/>
-              <a:buNone/>
-            </a:pPr>
-            <a:r>
-              <a:rPr lang="en-US" sz="6000" dirty="0" smtClean="0"/>
-              <a:t>As </a:t>
-            </a:r>
-            <a:r>
-              <a:rPr lang="en-US" sz="6000" dirty="0" smtClean="0">
-                <a:solidFill>
-                  <a:srgbClr val="008000"/>
-                </a:solidFill>
-              </a:rPr>
-              <a:t>#tosses</a:t>
-            </a:r>
-            <a:r>
-              <a:rPr lang="en-US" sz="6000" dirty="0" smtClean="0"/>
-              <a:t> grows, #Heads gets less likely to be within a </a:t>
-            </a:r>
-            <a:r>
-              <a:rPr lang="en-US" sz="6000" dirty="0" smtClean="0">
-                <a:solidFill>
-                  <a:srgbClr val="FF00FF"/>
-                </a:solidFill>
-              </a:rPr>
-              <a:t>fixed distance</a:t>
-            </a:r>
-            <a:r>
-              <a:rPr lang="en-US" sz="6000" dirty="0" smtClean="0"/>
-              <a:t> of the mean</a:t>
-            </a:r>
-          </a:p>
-        </p:txBody>
-      </p:sp>
-      <p:sp>
-        <p:nvSpPr>
-          <p:cNvPr id="28677" name="Rectangle 10"/>
-          <p:cNvSpPr>
-            <a:spLocks noGrp="1" noChangeArrowheads="1"/>
-          </p:cNvSpPr>
-          <p:nvPr>
-            <p:ph type="title"/>
-          </p:nvPr>
-        </p:nvSpPr>
-        <p:spPr>
-          <a:xfrm>
-            <a:off x="1498600" y="304800"/>
-            <a:ext cx="7124700" cy="1193800"/>
-          </a:xfrm>
-          <a:noFill/>
-        </p:spPr>
-        <p:txBody>
-          <a:bodyPr/>
-          <a:lstStyle/>
-          <a:p>
-            <a:pPr eaLnBrk="1" hangingPunct="1"/>
-            <a:r>
-              <a:rPr lang="en-US" sz="3600" dirty="0" smtClean="0"/>
-              <a:t>Don’t expect the Expectation!</a:t>
-            </a:r>
-          </a:p>
-        </p:txBody>
-      </p:sp>
-    </p:spTree>
-  </p:cSld>
-  <p:clrMapOvr>
-    <a:masterClrMapping/>
-  </p:clrMapOvr>
-  <p:transition>
-    <p:fade/>
-  </p:transition>
-  <p:timing>
-    <p:tnLst>
-      <p:par>
-        <p:cTn id="1" dur="indefinite" restart="never" nodeType="tmRoot"/>
-      </p:par>
-    </p:tnLst>
-  </p:timing>
-</p:sld>
-</file>
-
-<file path=ppt/slides/slide50.xml><?xml version="1.0" encoding="utf-8"?>
+<file path=ppt/slides/slide51.xml><?xml version="1.0" encoding="utf-8"?>
 <p:sld xmlns:a="http://schemas.openxmlformats.org/drawingml/2006/main" xmlns:r="http://schemas.openxmlformats.org/officeDocument/2006/relationships" xmlns:mc="http://schemas.openxmlformats.org/markup-compatibility/2006" xmlns:mv="urn:schemas-microsoft-com:mac:vml" xmlns:p="http://schemas.openxmlformats.org/presentationml/2006/main" mc:Ignorable="mv" mc:PreserveAttributes="mv:*" show="0">
   <p:cSld>
     <p:spTree>
@@ -28847,7 +29622,7 @@
 </p:sld>
 </file>
 
-<file path=ppt/slides/slide51.xml><?xml version="1.0" encoding="utf-8"?>
+<file path=ppt/slides/slide52.xml><?xml version="1.0" encoding="utf-8"?>
 <p:sld xmlns:a="http://schemas.openxmlformats.org/drawingml/2006/main" xmlns:r="http://schemas.openxmlformats.org/officeDocument/2006/relationships" xmlns:mc="http://schemas.openxmlformats.org/markup-compatibility/2006" xmlns:mv="urn:schemas-microsoft-com:mac:vml" xmlns:p="http://schemas.openxmlformats.org/presentationml/2006/main" mc:Ignorable="mv" mc:PreserveAttributes="mv:*" show="0">
   <p:cSld>
     <p:spTree>
@@ -29423,7 +30198,7 @@
 </p:sld>
 </file>
 
-<file path=ppt/slides/slide52.xml><?xml version="1.0" encoding="utf-8"?>
+<file path=ppt/slides/slide53.xml><?xml version="1.0" encoding="utf-8"?>
 <p:sld xmlns:a="http://schemas.openxmlformats.org/drawingml/2006/main" xmlns:r="http://schemas.openxmlformats.org/officeDocument/2006/relationships" xmlns:mc="http://schemas.openxmlformats.org/markup-compatibility/2006" xmlns:mv="urn:schemas-microsoft-com:mac:vml" xmlns:p="http://schemas.openxmlformats.org/presentationml/2006/main" mc:Ignorable="mv" mc:PreserveAttributes="mv:*" show="0">
   <p:cSld>
     <p:spTree>
@@ -30041,7 +30816,7 @@
 </p:sld>
 </file>
 
-<file path=ppt/slides/slide53.xml><?xml version="1.0" encoding="utf-8"?>
+<file path=ppt/slides/slide54.xml><?xml version="1.0" encoding="utf-8"?>
 <p:sld xmlns:a="http://schemas.openxmlformats.org/drawingml/2006/main" xmlns:r="http://schemas.openxmlformats.org/officeDocument/2006/relationships" xmlns:mc="http://schemas.openxmlformats.org/markup-compatibility/2006" xmlns:mv="urn:schemas-microsoft-com:mac:vml" xmlns:p="http://schemas.openxmlformats.org/presentationml/2006/main" mc:Ignorable="mv" mc:PreserveAttributes="mv:*" showMasterPhAnim="0">
   <p:cSld>
     <p:spTree>
@@ -30474,7 +31249,7 @@
 </p:sld>
 </file>
 
-<file path=ppt/slides/slide54.xml><?xml version="1.0" encoding="utf-8"?>
+<file path=ppt/slides/slide55.xml><?xml version="1.0" encoding="utf-8"?>
 <p:sld xmlns:a="http://schemas.openxmlformats.org/drawingml/2006/main" xmlns:r="http://schemas.openxmlformats.org/officeDocument/2006/relationships" xmlns:mc="http://schemas.openxmlformats.org/markup-compatibility/2006" xmlns:mv="urn:schemas-microsoft-com:mac:vml" xmlns:p="http://schemas.openxmlformats.org/presentationml/2006/main" mc:Ignorable="mv" mc:PreserveAttributes="mv:*" showMasterPhAnim="0">
   <p:cSld>
     <p:spTree>
@@ -30641,7 +31416,7 @@
               <a:t> </a:t>
             </a:r>
             <a:r>
-              <a:rPr lang="en-US" sz="4800" i="1" dirty="0" err="1" smtClean="0">
+              <a:rPr lang="en-US" sz="4800" b="1" i="1" dirty="0" err="1" smtClean="0">
                 <a:solidFill>
                   <a:srgbClr val="0000FF"/>
                 </a:solidFill>
@@ -31080,7 +31855,7 @@
 </p:sld>
 </file>
 
-<file path=ppt/slides/slide55.xml><?xml version="1.0" encoding="utf-8"?>
+<file path=ppt/slides/slide56.xml><?xml version="1.0" encoding="utf-8"?>
 <p:sld xmlns:a="http://schemas.openxmlformats.org/drawingml/2006/main" xmlns:r="http://schemas.openxmlformats.org/officeDocument/2006/relationships" xmlns:mc="http://schemas.openxmlformats.org/markup-compatibility/2006" xmlns:mv="urn:schemas-microsoft-com:mac:vml" xmlns:p="http://schemas.openxmlformats.org/presentationml/2006/main" mc:Ignorable="mv" mc:PreserveAttributes="mv:*" showMasterPhAnim="0" show="0">
   <p:cSld>
     <p:spTree>
@@ -31700,7 +32475,7 @@
 </p:sld>
 </file>
 
-<file path=ppt/slides/slide56.xml><?xml version="1.0" encoding="utf-8"?>
+<file path=ppt/slides/slide57.xml><?xml version="1.0" encoding="utf-8"?>
 <p:sld xmlns:a="http://schemas.openxmlformats.org/drawingml/2006/main" xmlns:r="http://schemas.openxmlformats.org/officeDocument/2006/relationships" xmlns:mc="http://schemas.openxmlformats.org/markup-compatibility/2006" xmlns:mv="urn:schemas-microsoft-com:mac:vml" xmlns:p="http://schemas.openxmlformats.org/presentationml/2006/main" mc:Ignorable="mv" mc:PreserveAttributes="mv:*">
   <p:cSld>
     <p:spTree>
@@ -32383,7 +33158,7 @@
 </p:sld>
 </file>
 
-<file path=ppt/slides/slide57.xml><?xml version="1.0" encoding="utf-8"?>
+<file path=ppt/slides/slide58.xml><?xml version="1.0" encoding="utf-8"?>
 <p:sld xmlns:a="http://schemas.openxmlformats.org/drawingml/2006/main" xmlns:r="http://schemas.openxmlformats.org/officeDocument/2006/relationships" xmlns:mc="http://schemas.openxmlformats.org/markup-compatibility/2006" xmlns:mv="urn:schemas-microsoft-com:mac:vml" xmlns:p="http://schemas.openxmlformats.org/presentationml/2006/main" mc:Ignorable="mv" mc:PreserveAttributes="mv:*">
   <p:cSld>
     <p:spTree>
@@ -32658,7 +33433,7 @@
 </p:sld>
 </file>
 
-<file path=ppt/slides/slide58.xml><?xml version="1.0" encoding="utf-8"?>
+<file path=ppt/slides/slide59.xml><?xml version="1.0" encoding="utf-8"?>
 <p:sld xmlns:a="http://schemas.openxmlformats.org/drawingml/2006/main" xmlns:r="http://schemas.openxmlformats.org/officeDocument/2006/relationships" xmlns:mc="http://schemas.openxmlformats.org/markup-compatibility/2006" xmlns:mv="urn:schemas-microsoft-com:mac:vml" xmlns:p="http://schemas.openxmlformats.org/presentationml/2006/main" mc:Ignorable="mv" mc:PreserveAttributes="mv:*" showMasterPhAnim="0">
   <p:cSld>
     <p:spTree>
@@ -33046,397 +33821,6 @@
         </p:cTn>
       </p:par>
     </p:tnLst>
-  </p:timing>
-</p:sld>
-</file>
-
-<file path=ppt/slides/slide59.xml><?xml version="1.0" encoding="utf-8"?>
-<p:sld xmlns:a="http://schemas.openxmlformats.org/drawingml/2006/main" xmlns:r="http://schemas.openxmlformats.org/officeDocument/2006/relationships" xmlns:mc="http://schemas.openxmlformats.org/markup-compatibility/2006" xmlns:mv="urn:schemas-microsoft-com:mac:vml" xmlns:p="http://schemas.openxmlformats.org/presentationml/2006/main" mc:Ignorable="mv" mc:PreserveAttributes="mv:*">
-  <p:cSld>
-    <p:spTree>
-      <p:nvGrpSpPr>
-        <p:cNvPr id="1" name=""/>
-        <p:cNvGrpSpPr/>
-        <p:nvPr/>
-      </p:nvGrpSpPr>
-      <p:grpSpPr>
-        <a:xfrm>
-          <a:off x="0" y="0"/>
-          <a:ext cx="0" cy="0"/>
-          <a:chOff x="0" y="0"/>
-          <a:chExt cx="0" cy="0"/>
-        </a:xfrm>
-      </p:grpSpPr>
-      <p:sp>
-        <p:nvSpPr>
-          <p:cNvPr id="3" name="TextBox 2"/>
-          <p:cNvSpPr txBox="1"/>
-          <p:nvPr/>
-        </p:nvSpPr>
-        <p:spPr>
-          <a:xfrm>
-            <a:off x="671196" y="1350684"/>
-            <a:ext cx="5029743" cy="830997"/>
-          </a:xfrm>
-          <a:prstGeom prst="rect">
-            <a:avLst/>
-          </a:prstGeom>
-          <a:noFill/>
-        </p:spPr>
-        <p:txBody>
-          <a:bodyPr wrap="none" rtlCol="0">
-            <a:spAutoFit/>
-          </a:bodyPr>
-          <a:lstStyle/>
-          <a:p>
-            <a:r>
-              <a:rPr lang="en-US" sz="4800" dirty="0" smtClean="0">
-                <a:latin typeface="Comic Sans MS"/>
-                <a:cs typeface="Comic Sans MS"/>
-              </a:rPr>
-              <a:t>So by </a:t>
-            </a:r>
-            <a:r>
-              <a:rPr lang="en-US" sz="4800" dirty="0" err="1" smtClean="0">
-                <a:latin typeface="Comic Sans MS"/>
-                <a:cs typeface="Comic Sans MS"/>
-              </a:rPr>
-              <a:t>Chebyshev</a:t>
-            </a:r>
-            <a:endParaRPr lang="en-US" sz="4800" dirty="0">
-              <a:latin typeface="Comic Sans MS"/>
-              <a:cs typeface="Comic Sans MS"/>
-            </a:endParaRPr>
-          </a:p>
-        </p:txBody>
-      </p:sp>
-      <p:graphicFrame>
-        <p:nvGraphicFramePr>
-          <p:cNvPr id="4" name="Object 3"/>
-          <p:cNvGraphicFramePr>
-            <a:graphicFrameLocks noChangeAspect="1"/>
-          </p:cNvGraphicFramePr>
-          <p:nvPr/>
-        </p:nvGraphicFramePr>
-        <p:xfrm>
-          <a:off x="653009" y="1782280"/>
-          <a:ext cx="7863160" cy="2397985"/>
-        </p:xfrm>
-        <a:graphic>
-          <a:graphicData uri="http://schemas.openxmlformats.org/presentationml/2006/ole">
-            <p:oleObj spid="_x0000_s209922" name="Equation" r:id="rId3" imgW="1790700" imgH="546100" progId="Equation.DSMT4">
-              <p:embed/>
-            </p:oleObj>
-          </a:graphicData>
-        </a:graphic>
-      </p:graphicFrame>
-      <p:sp>
-        <p:nvSpPr>
-          <p:cNvPr id="5" name="Text Box 9"/>
-          <p:cNvSpPr txBox="1">
-            <a:spLocks noChangeArrowheads="1"/>
-          </p:cNvSpPr>
-          <p:nvPr/>
-        </p:nvSpPr>
-        <p:spPr bwMode="auto">
-          <a:xfrm>
-            <a:off x="1635125" y="335598"/>
-            <a:ext cx="6657975" cy="641350"/>
-          </a:xfrm>
-          <a:prstGeom prst="rect">
-            <a:avLst/>
-          </a:prstGeom>
-          <a:noFill/>
-          <a:ln w="9525" algn="ctr">
-            <a:noFill/>
-            <a:miter lim="800000"/>
-            <a:headEnd/>
-            <a:tailEnd/>
-          </a:ln>
-        </p:spPr>
-        <p:txBody>
-          <a:bodyPr wrap="none">
-            <a:spAutoFit/>
-          </a:bodyPr>
-          <a:lstStyle/>
-          <a:p>
-            <a:pPr algn="ctr"/>
-            <a:r>
-              <a:rPr lang="en-US" sz="3600" b="1" dirty="0">
-                <a:latin typeface="Comic Sans MS"/>
-                <a:cs typeface="Comic Sans MS"/>
-              </a:rPr>
-              <a:t>Weak Law of Large Numbers</a:t>
-            </a:r>
-          </a:p>
-        </p:txBody>
-      </p:sp>
-      <p:sp>
-        <p:nvSpPr>
-          <p:cNvPr id="6" name="TextBox 5"/>
-          <p:cNvSpPr txBox="1"/>
-          <p:nvPr/>
-        </p:nvSpPr>
-        <p:spPr>
-          <a:xfrm>
-            <a:off x="836549" y="4072213"/>
-            <a:ext cx="7549029" cy="1612758"/>
-          </a:xfrm>
-          <a:prstGeom prst="rect">
-            <a:avLst/>
-          </a:prstGeom>
-          <a:noFill/>
-        </p:spPr>
-        <p:txBody>
-          <a:bodyPr wrap="square" rtlCol="0">
-            <a:spAutoFit/>
-          </a:bodyPr>
-          <a:lstStyle/>
-          <a:p>
-            <a:r>
-              <a:rPr lang="en-US" sz="4800" dirty="0" smtClean="0">
-                <a:latin typeface="Comic Sans MS"/>
-                <a:cs typeface="Comic Sans MS"/>
-              </a:rPr>
-              <a:t>need only show</a:t>
-            </a:r>
-          </a:p>
-          <a:p>
-            <a:pPr algn="ctr"/>
-            <a:r>
-              <a:rPr lang="en-US" sz="4800" dirty="0" err="1" smtClean="0">
-                <a:solidFill>
-                  <a:schemeClr val="accent1">
-                    <a:lumMod val="50000"/>
-                  </a:schemeClr>
-                </a:solidFill>
-                <a:latin typeface="Comic Sans MS"/>
-                <a:cs typeface="Comic Sans MS"/>
-              </a:rPr>
-              <a:t>Var[A</a:t>
-            </a:r>
-            <a:r>
-              <a:rPr lang="en-US" sz="4800" baseline="-25000" dirty="0" err="1" smtClean="0">
-                <a:solidFill>
-                  <a:schemeClr val="accent1">
-                    <a:lumMod val="50000"/>
-                  </a:schemeClr>
-                </a:solidFill>
-                <a:latin typeface="Comic Sans MS"/>
-                <a:cs typeface="Comic Sans MS"/>
-              </a:rPr>
-              <a:t>n</a:t>
-            </a:r>
-            <a:r>
-              <a:rPr lang="en-US" sz="4800" dirty="0" smtClean="0">
-                <a:solidFill>
-                  <a:schemeClr val="accent1">
-                    <a:lumMod val="50000"/>
-                  </a:schemeClr>
-                </a:solidFill>
-                <a:latin typeface="Comic Sans MS"/>
-                <a:cs typeface="Comic Sans MS"/>
-              </a:rPr>
-              <a:t>] </a:t>
-            </a:r>
-            <a:r>
-              <a:rPr lang="en-US" sz="4800" b="1" dirty="0" smtClean="0">
-                <a:solidFill>
-                  <a:schemeClr val="accent1">
-                    <a:lumMod val="50000"/>
-                  </a:schemeClr>
-                </a:solidFill>
-                <a:latin typeface="Euclid Symbol" charset="2"/>
-                <a:cs typeface="Euclid Symbol" charset="2"/>
-              </a:rPr>
-              <a:t>→ </a:t>
-            </a:r>
-            <a:r>
-              <a:rPr lang="en-US" sz="4800" dirty="0" smtClean="0">
-                <a:solidFill>
-                  <a:schemeClr val="accent1">
-                    <a:lumMod val="50000"/>
-                  </a:schemeClr>
-                </a:solidFill>
-                <a:latin typeface="Comic Sans MS"/>
-                <a:cs typeface="Comic Sans MS"/>
-              </a:rPr>
-              <a:t>0  </a:t>
-            </a:r>
-            <a:r>
-              <a:rPr lang="en-US" sz="4800" dirty="0" smtClean="0">
-                <a:latin typeface="Comic Sans MS"/>
-                <a:cs typeface="Comic Sans MS"/>
-              </a:rPr>
-              <a:t>as</a:t>
-            </a:r>
-            <a:r>
-              <a:rPr lang="en-US" sz="4800" dirty="0" smtClean="0">
-                <a:solidFill>
-                  <a:schemeClr val="accent1">
-                    <a:lumMod val="50000"/>
-                  </a:schemeClr>
-                </a:solidFill>
-                <a:latin typeface="Comic Sans MS"/>
-                <a:cs typeface="Comic Sans MS"/>
-              </a:rPr>
-              <a:t>  </a:t>
-            </a:r>
-            <a:r>
-              <a:rPr lang="en-US" sz="4800" dirty="0" err="1" smtClean="0">
-                <a:solidFill>
-                  <a:schemeClr val="accent1">
-                    <a:lumMod val="50000"/>
-                  </a:schemeClr>
-                </a:solidFill>
-                <a:latin typeface="Comic Sans MS"/>
-                <a:cs typeface="Comic Sans MS"/>
-              </a:rPr>
-              <a:t>n</a:t>
-            </a:r>
-            <a:r>
-              <a:rPr lang="en-US" sz="4800" dirty="0" smtClean="0">
-                <a:solidFill>
-                  <a:schemeClr val="accent1">
-                    <a:lumMod val="50000"/>
-                  </a:schemeClr>
-                </a:solidFill>
-                <a:latin typeface="Comic Sans MS"/>
-                <a:cs typeface="Comic Sans MS"/>
-              </a:rPr>
-              <a:t> </a:t>
-            </a:r>
-            <a:r>
-              <a:rPr lang="en-US" sz="4800" b="1" dirty="0" smtClean="0">
-                <a:solidFill>
-                  <a:schemeClr val="accent1">
-                    <a:lumMod val="50000"/>
-                  </a:schemeClr>
-                </a:solidFill>
-                <a:latin typeface="Euclid Symbol" charset="2"/>
-                <a:cs typeface="Euclid Symbol" charset="2"/>
-              </a:rPr>
-              <a:t>→ ∞</a:t>
-            </a:r>
-            <a:r>
-              <a:rPr lang="en-US" sz="4800" dirty="0" smtClean="0">
-                <a:solidFill>
-                  <a:schemeClr val="accent1">
-                    <a:lumMod val="50000"/>
-                  </a:schemeClr>
-                </a:solidFill>
-                <a:latin typeface="Comic Sans MS"/>
-                <a:cs typeface="Comic Sans MS"/>
-              </a:rPr>
-              <a:t> </a:t>
-            </a:r>
-            <a:r>
-              <a:rPr lang="en-US" sz="4800" dirty="0" smtClean="0">
-                <a:latin typeface="Comic Sans MS"/>
-                <a:cs typeface="Comic Sans MS"/>
-              </a:rPr>
-              <a:t> </a:t>
-            </a:r>
-            <a:endParaRPr lang="en-US" sz="4800" dirty="0">
-              <a:latin typeface="Comic Sans MS"/>
-              <a:cs typeface="Comic Sans MS"/>
-            </a:endParaRPr>
-          </a:p>
-        </p:txBody>
-      </p:sp>
-    </p:spTree>
-  </p:cSld>
-  <p:clrMapOvr>
-    <a:masterClrMapping/>
-  </p:clrMapOvr>
-  <p:transition>
-    <p:fade/>
-  </p:transition>
-  <p:timing>
-    <p:tnLst>
-      <p:par>
-        <p:cTn id="1" dur="indefinite" restart="never" nodeType="tmRoot">
-          <p:childTnLst>
-            <p:seq concurrent="1" nextAc="seek">
-              <p:cTn id="2" dur="indefinite" nodeType="mainSeq">
-                <p:childTnLst>
-                  <p:par>
-                    <p:cTn id="3" fill="hold">
-                      <p:stCondLst>
-                        <p:cond delay="indefinite"/>
-                      </p:stCondLst>
-                      <p:childTnLst>
-                        <p:par>
-                          <p:cTn id="4" fill="hold">
-                            <p:stCondLst>
-                              <p:cond delay="0"/>
-                            </p:stCondLst>
-                            <p:childTnLst>
-                              <p:par>
-                                <p:cTn id="5" presetID="10" presetClass="entr" presetSubtype="0" fill="hold" grpId="0" nodeType="clickEffect">
-                                  <p:stCondLst>
-                                    <p:cond delay="0"/>
-                                  </p:stCondLst>
-                                  <p:childTnLst>
-                                    <p:set>
-                                      <p:cBhvr>
-                                        <p:cTn id="6" dur="1" fill="hold">
-                                          <p:stCondLst>
-                                            <p:cond delay="0"/>
-                                          </p:stCondLst>
-                                        </p:cTn>
-                                        <p:tgtEl>
-                                          <p:spTgt spid="6"/>
-                                        </p:tgtEl>
-                                        <p:attrNameLst>
-                                          <p:attrName>style.visibility</p:attrName>
-                                        </p:attrNameLst>
-                                      </p:cBhvr>
-                                      <p:to>
-                                        <p:strVal val="visible"/>
-                                      </p:to>
-                                    </p:set>
-                                    <p:animEffect transition="in" filter="fade">
-                                      <p:cBhvr>
-                                        <p:cTn id="7" dur="500"/>
-                                        <p:tgtEl>
-                                          <p:spTgt spid="6"/>
-                                        </p:tgtEl>
-                                      </p:cBhvr>
-                                    </p:animEffect>
-                                  </p:childTnLst>
-                                </p:cTn>
-                              </p:par>
-                            </p:childTnLst>
-                          </p:cTn>
-                        </p:par>
-                      </p:childTnLst>
-                    </p:cTn>
-                  </p:par>
-                </p:childTnLst>
-              </p:cTn>
-              <p:prevCondLst>
-                <p:cond evt="onPrev" delay="0">
-                  <p:tgtEl>
-                    <p:sldTgt/>
-                  </p:tgtEl>
-                </p:cond>
-              </p:prevCondLst>
-              <p:nextCondLst>
-                <p:cond evt="onNext" delay="0">
-                  <p:tgtEl>
-                    <p:sldTgt/>
-                  </p:tgtEl>
-                </p:cond>
-              </p:nextCondLst>
-            </p:seq>
-          </p:childTnLst>
-        </p:cTn>
-      </p:par>
-    </p:tnLst>
-    <p:bldLst>
-      <p:bldP spid="6" grpId="0"/>
-    </p:bldLst>
   </p:timing>
 </p:sld>
 </file>
@@ -34225,6 +34609,397 @@
 </file>
 
 <file path=ppt/slides/slide60.xml><?xml version="1.0" encoding="utf-8"?>
+<p:sld xmlns:a="http://schemas.openxmlformats.org/drawingml/2006/main" xmlns:r="http://schemas.openxmlformats.org/officeDocument/2006/relationships" xmlns:mc="http://schemas.openxmlformats.org/markup-compatibility/2006" xmlns:mv="urn:schemas-microsoft-com:mac:vml" xmlns:p="http://schemas.openxmlformats.org/presentationml/2006/main" mc:Ignorable="mv" mc:PreserveAttributes="mv:*">
+  <p:cSld>
+    <p:spTree>
+      <p:nvGrpSpPr>
+        <p:cNvPr id="1" name=""/>
+        <p:cNvGrpSpPr/>
+        <p:nvPr/>
+      </p:nvGrpSpPr>
+      <p:grpSpPr>
+        <a:xfrm>
+          <a:off x="0" y="0"/>
+          <a:ext cx="0" cy="0"/>
+          <a:chOff x="0" y="0"/>
+          <a:chExt cx="0" cy="0"/>
+        </a:xfrm>
+      </p:grpSpPr>
+      <p:sp>
+        <p:nvSpPr>
+          <p:cNvPr id="3" name="TextBox 2"/>
+          <p:cNvSpPr txBox="1"/>
+          <p:nvPr/>
+        </p:nvSpPr>
+        <p:spPr>
+          <a:xfrm>
+            <a:off x="671196" y="1350684"/>
+            <a:ext cx="5029743" cy="830997"/>
+          </a:xfrm>
+          <a:prstGeom prst="rect">
+            <a:avLst/>
+          </a:prstGeom>
+          <a:noFill/>
+        </p:spPr>
+        <p:txBody>
+          <a:bodyPr wrap="none" rtlCol="0">
+            <a:spAutoFit/>
+          </a:bodyPr>
+          <a:lstStyle/>
+          <a:p>
+            <a:r>
+              <a:rPr lang="en-US" sz="4800" dirty="0" smtClean="0">
+                <a:latin typeface="Comic Sans MS"/>
+                <a:cs typeface="Comic Sans MS"/>
+              </a:rPr>
+              <a:t>So by </a:t>
+            </a:r>
+            <a:r>
+              <a:rPr lang="en-US" sz="4800" dirty="0" err="1" smtClean="0">
+                <a:latin typeface="Comic Sans MS"/>
+                <a:cs typeface="Comic Sans MS"/>
+              </a:rPr>
+              <a:t>Chebyshev</a:t>
+            </a:r>
+            <a:endParaRPr lang="en-US" sz="4800" dirty="0">
+              <a:latin typeface="Comic Sans MS"/>
+              <a:cs typeface="Comic Sans MS"/>
+            </a:endParaRPr>
+          </a:p>
+        </p:txBody>
+      </p:sp>
+      <p:graphicFrame>
+        <p:nvGraphicFramePr>
+          <p:cNvPr id="4" name="Object 3"/>
+          <p:cNvGraphicFramePr>
+            <a:graphicFrameLocks noChangeAspect="1"/>
+          </p:cNvGraphicFramePr>
+          <p:nvPr/>
+        </p:nvGraphicFramePr>
+        <p:xfrm>
+          <a:off x="653009" y="1782280"/>
+          <a:ext cx="7863160" cy="2397985"/>
+        </p:xfrm>
+        <a:graphic>
+          <a:graphicData uri="http://schemas.openxmlformats.org/presentationml/2006/ole">
+            <p:oleObj spid="_x0000_s209922" name="Equation" r:id="rId3" imgW="1790700" imgH="546100" progId="Equation.DSMT4">
+              <p:embed/>
+            </p:oleObj>
+          </a:graphicData>
+        </a:graphic>
+      </p:graphicFrame>
+      <p:sp>
+        <p:nvSpPr>
+          <p:cNvPr id="5" name="Text Box 9"/>
+          <p:cNvSpPr txBox="1">
+            <a:spLocks noChangeArrowheads="1"/>
+          </p:cNvSpPr>
+          <p:nvPr/>
+        </p:nvSpPr>
+        <p:spPr bwMode="auto">
+          <a:xfrm>
+            <a:off x="1635125" y="335598"/>
+            <a:ext cx="6657975" cy="641350"/>
+          </a:xfrm>
+          <a:prstGeom prst="rect">
+            <a:avLst/>
+          </a:prstGeom>
+          <a:noFill/>
+          <a:ln w="9525" algn="ctr">
+            <a:noFill/>
+            <a:miter lim="800000"/>
+            <a:headEnd/>
+            <a:tailEnd/>
+          </a:ln>
+        </p:spPr>
+        <p:txBody>
+          <a:bodyPr wrap="none">
+            <a:spAutoFit/>
+          </a:bodyPr>
+          <a:lstStyle/>
+          <a:p>
+            <a:pPr algn="ctr"/>
+            <a:r>
+              <a:rPr lang="en-US" sz="3600" b="1" dirty="0">
+                <a:latin typeface="Comic Sans MS"/>
+                <a:cs typeface="Comic Sans MS"/>
+              </a:rPr>
+              <a:t>Weak Law of Large Numbers</a:t>
+            </a:r>
+          </a:p>
+        </p:txBody>
+      </p:sp>
+      <p:sp>
+        <p:nvSpPr>
+          <p:cNvPr id="6" name="TextBox 5"/>
+          <p:cNvSpPr txBox="1"/>
+          <p:nvPr/>
+        </p:nvSpPr>
+        <p:spPr>
+          <a:xfrm>
+            <a:off x="836549" y="4072213"/>
+            <a:ext cx="7549029" cy="1612758"/>
+          </a:xfrm>
+          <a:prstGeom prst="rect">
+            <a:avLst/>
+          </a:prstGeom>
+          <a:noFill/>
+        </p:spPr>
+        <p:txBody>
+          <a:bodyPr wrap="square" rtlCol="0">
+            <a:spAutoFit/>
+          </a:bodyPr>
+          <a:lstStyle/>
+          <a:p>
+            <a:r>
+              <a:rPr lang="en-US" sz="4800" dirty="0" smtClean="0">
+                <a:latin typeface="Comic Sans MS"/>
+                <a:cs typeface="Comic Sans MS"/>
+              </a:rPr>
+              <a:t>need only show</a:t>
+            </a:r>
+          </a:p>
+          <a:p>
+            <a:pPr algn="ctr"/>
+            <a:r>
+              <a:rPr lang="en-US" sz="4800" dirty="0" err="1" smtClean="0">
+                <a:solidFill>
+                  <a:schemeClr val="accent1">
+                    <a:lumMod val="50000"/>
+                  </a:schemeClr>
+                </a:solidFill>
+                <a:latin typeface="Comic Sans MS"/>
+                <a:cs typeface="Comic Sans MS"/>
+              </a:rPr>
+              <a:t>Var[A</a:t>
+            </a:r>
+            <a:r>
+              <a:rPr lang="en-US" sz="4800" baseline="-25000" dirty="0" err="1" smtClean="0">
+                <a:solidFill>
+                  <a:schemeClr val="accent1">
+                    <a:lumMod val="50000"/>
+                  </a:schemeClr>
+                </a:solidFill>
+                <a:latin typeface="Comic Sans MS"/>
+                <a:cs typeface="Comic Sans MS"/>
+              </a:rPr>
+              <a:t>n</a:t>
+            </a:r>
+            <a:r>
+              <a:rPr lang="en-US" sz="4800" dirty="0" smtClean="0">
+                <a:solidFill>
+                  <a:schemeClr val="accent1">
+                    <a:lumMod val="50000"/>
+                  </a:schemeClr>
+                </a:solidFill>
+                <a:latin typeface="Comic Sans MS"/>
+                <a:cs typeface="Comic Sans MS"/>
+              </a:rPr>
+              <a:t>] </a:t>
+            </a:r>
+            <a:r>
+              <a:rPr lang="en-US" sz="4800" b="1" dirty="0" smtClean="0">
+                <a:solidFill>
+                  <a:schemeClr val="accent1">
+                    <a:lumMod val="50000"/>
+                  </a:schemeClr>
+                </a:solidFill>
+                <a:latin typeface="Euclid Symbol" charset="2"/>
+                <a:cs typeface="Euclid Symbol" charset="2"/>
+              </a:rPr>
+              <a:t>→ </a:t>
+            </a:r>
+            <a:r>
+              <a:rPr lang="en-US" sz="4800" dirty="0" smtClean="0">
+                <a:solidFill>
+                  <a:schemeClr val="accent1">
+                    <a:lumMod val="50000"/>
+                  </a:schemeClr>
+                </a:solidFill>
+                <a:latin typeface="Comic Sans MS"/>
+                <a:cs typeface="Comic Sans MS"/>
+              </a:rPr>
+              <a:t>0  </a:t>
+            </a:r>
+            <a:r>
+              <a:rPr lang="en-US" sz="4800" dirty="0" smtClean="0">
+                <a:latin typeface="Comic Sans MS"/>
+                <a:cs typeface="Comic Sans MS"/>
+              </a:rPr>
+              <a:t>as</a:t>
+            </a:r>
+            <a:r>
+              <a:rPr lang="en-US" sz="4800" dirty="0" smtClean="0">
+                <a:solidFill>
+                  <a:schemeClr val="accent1">
+                    <a:lumMod val="50000"/>
+                  </a:schemeClr>
+                </a:solidFill>
+                <a:latin typeface="Comic Sans MS"/>
+                <a:cs typeface="Comic Sans MS"/>
+              </a:rPr>
+              <a:t>  </a:t>
+            </a:r>
+            <a:r>
+              <a:rPr lang="en-US" sz="4800" dirty="0" err="1" smtClean="0">
+                <a:solidFill>
+                  <a:schemeClr val="accent1">
+                    <a:lumMod val="50000"/>
+                  </a:schemeClr>
+                </a:solidFill>
+                <a:latin typeface="Comic Sans MS"/>
+                <a:cs typeface="Comic Sans MS"/>
+              </a:rPr>
+              <a:t>n</a:t>
+            </a:r>
+            <a:r>
+              <a:rPr lang="en-US" sz="4800" dirty="0" smtClean="0">
+                <a:solidFill>
+                  <a:schemeClr val="accent1">
+                    <a:lumMod val="50000"/>
+                  </a:schemeClr>
+                </a:solidFill>
+                <a:latin typeface="Comic Sans MS"/>
+                <a:cs typeface="Comic Sans MS"/>
+              </a:rPr>
+              <a:t> </a:t>
+            </a:r>
+            <a:r>
+              <a:rPr lang="en-US" sz="4800" b="1" dirty="0" smtClean="0">
+                <a:solidFill>
+                  <a:schemeClr val="accent1">
+                    <a:lumMod val="50000"/>
+                  </a:schemeClr>
+                </a:solidFill>
+                <a:latin typeface="Euclid Symbol" charset="2"/>
+                <a:cs typeface="Euclid Symbol" charset="2"/>
+              </a:rPr>
+              <a:t>→ ∞</a:t>
+            </a:r>
+            <a:r>
+              <a:rPr lang="en-US" sz="4800" dirty="0" smtClean="0">
+                <a:solidFill>
+                  <a:schemeClr val="accent1">
+                    <a:lumMod val="50000"/>
+                  </a:schemeClr>
+                </a:solidFill>
+                <a:latin typeface="Comic Sans MS"/>
+                <a:cs typeface="Comic Sans MS"/>
+              </a:rPr>
+              <a:t> </a:t>
+            </a:r>
+            <a:r>
+              <a:rPr lang="en-US" sz="4800" dirty="0" smtClean="0">
+                <a:latin typeface="Comic Sans MS"/>
+                <a:cs typeface="Comic Sans MS"/>
+              </a:rPr>
+              <a:t> </a:t>
+            </a:r>
+            <a:endParaRPr lang="en-US" sz="4800" dirty="0">
+              <a:latin typeface="Comic Sans MS"/>
+              <a:cs typeface="Comic Sans MS"/>
+            </a:endParaRPr>
+          </a:p>
+        </p:txBody>
+      </p:sp>
+    </p:spTree>
+  </p:cSld>
+  <p:clrMapOvr>
+    <a:masterClrMapping/>
+  </p:clrMapOvr>
+  <p:transition>
+    <p:fade/>
+  </p:transition>
+  <p:timing>
+    <p:tnLst>
+      <p:par>
+        <p:cTn id="1" dur="indefinite" restart="never" nodeType="tmRoot">
+          <p:childTnLst>
+            <p:seq concurrent="1" nextAc="seek">
+              <p:cTn id="2" dur="indefinite" nodeType="mainSeq">
+                <p:childTnLst>
+                  <p:par>
+                    <p:cTn id="3" fill="hold">
+                      <p:stCondLst>
+                        <p:cond delay="indefinite"/>
+                      </p:stCondLst>
+                      <p:childTnLst>
+                        <p:par>
+                          <p:cTn id="4" fill="hold">
+                            <p:stCondLst>
+                              <p:cond delay="0"/>
+                            </p:stCondLst>
+                            <p:childTnLst>
+                              <p:par>
+                                <p:cTn id="5" presetID="10" presetClass="entr" presetSubtype="0" fill="hold" grpId="0" nodeType="clickEffect">
+                                  <p:stCondLst>
+                                    <p:cond delay="0"/>
+                                  </p:stCondLst>
+                                  <p:childTnLst>
+                                    <p:set>
+                                      <p:cBhvr>
+                                        <p:cTn id="6" dur="1" fill="hold">
+                                          <p:stCondLst>
+                                            <p:cond delay="0"/>
+                                          </p:stCondLst>
+                                        </p:cTn>
+                                        <p:tgtEl>
+                                          <p:spTgt spid="6"/>
+                                        </p:tgtEl>
+                                        <p:attrNameLst>
+                                          <p:attrName>style.visibility</p:attrName>
+                                        </p:attrNameLst>
+                                      </p:cBhvr>
+                                      <p:to>
+                                        <p:strVal val="visible"/>
+                                      </p:to>
+                                    </p:set>
+                                    <p:animEffect transition="in" filter="fade">
+                                      <p:cBhvr>
+                                        <p:cTn id="7" dur="500"/>
+                                        <p:tgtEl>
+                                          <p:spTgt spid="6"/>
+                                        </p:tgtEl>
+                                      </p:cBhvr>
+                                    </p:animEffect>
+                                  </p:childTnLst>
+                                </p:cTn>
+                              </p:par>
+                            </p:childTnLst>
+                          </p:cTn>
+                        </p:par>
+                      </p:childTnLst>
+                    </p:cTn>
+                  </p:par>
+                </p:childTnLst>
+              </p:cTn>
+              <p:prevCondLst>
+                <p:cond evt="onPrev" delay="0">
+                  <p:tgtEl>
+                    <p:sldTgt/>
+                  </p:tgtEl>
+                </p:cond>
+              </p:prevCondLst>
+              <p:nextCondLst>
+                <p:cond evt="onNext" delay="0">
+                  <p:tgtEl>
+                    <p:sldTgt/>
+                  </p:tgtEl>
+                </p:cond>
+              </p:nextCondLst>
+            </p:seq>
+          </p:childTnLst>
+        </p:cTn>
+      </p:par>
+    </p:tnLst>
+    <p:bldLst>
+      <p:bldP spid="6" grpId="0"/>
+    </p:bldLst>
+  </p:timing>
+</p:sld>
+</file>
+
+<file path=ppt/slides/slide61.xml><?xml version="1.0" encoding="utf-8"?>
 <p:sld xmlns:a="http://schemas.openxmlformats.org/drawingml/2006/main" xmlns:r="http://schemas.openxmlformats.org/officeDocument/2006/relationships" xmlns:mc="http://schemas.openxmlformats.org/markup-compatibility/2006" xmlns:mv="urn:schemas-microsoft-com:mac:vml" xmlns:p="http://schemas.openxmlformats.org/presentationml/2006/main" mc:Ignorable="mv" mc:PreserveAttributes="mv:*" show="0">
   <p:cSld>
     <p:spTree>
@@ -34569,7 +35344,7 @@
 </p:sld>
 </file>
 
-<file path=ppt/slides/slide61.xml><?xml version="1.0" encoding="utf-8"?>
+<file path=ppt/slides/slide62.xml><?xml version="1.0" encoding="utf-8"?>
 <p:sld xmlns:a="http://schemas.openxmlformats.org/drawingml/2006/main" xmlns:r="http://schemas.openxmlformats.org/officeDocument/2006/relationships" xmlns:mc="http://schemas.openxmlformats.org/markup-compatibility/2006" xmlns:mv="urn:schemas-microsoft-com:mac:vml" xmlns:p="http://schemas.openxmlformats.org/presentationml/2006/main" mc:Ignorable="mv" mc:PreserveAttributes="mv:*" showMasterPhAnim="0">
   <p:cSld>
     <p:spTree>
@@ -35316,7 +36091,7 @@
 </p:sld>
 </file>
 
-<file path=ppt/slides/slide62.xml><?xml version="1.0" encoding="utf-8"?>
+<file path=ppt/slides/slide63.xml><?xml version="1.0" encoding="utf-8"?>
 <p:sld xmlns:a="http://schemas.openxmlformats.org/drawingml/2006/main" xmlns:r="http://schemas.openxmlformats.org/officeDocument/2006/relationships" xmlns:mc="http://schemas.openxmlformats.org/markup-compatibility/2006" xmlns:mv="urn:schemas-microsoft-com:mac:vml" xmlns:p="http://schemas.openxmlformats.org/presentationml/2006/main" mc:Ignorable="mv" mc:PreserveAttributes="mv:*">
   <p:cSld>
     <p:spTree>
@@ -35928,7 +36703,7 @@
 </p:sld>
 </file>
 
-<file path=ppt/slides/slide63.xml><?xml version="1.0" encoding="utf-8"?>
+<file path=ppt/slides/slide64.xml><?xml version="1.0" encoding="utf-8"?>
 <p:sld xmlns:a="http://schemas.openxmlformats.org/drawingml/2006/main" xmlns:r="http://schemas.openxmlformats.org/officeDocument/2006/relationships" xmlns:mc="http://schemas.openxmlformats.org/markup-compatibility/2006" xmlns:mv="urn:schemas-microsoft-com:mac:vml" xmlns:p="http://schemas.openxmlformats.org/presentationml/2006/main" mc:Ignorable="mv" mc:PreserveAttributes="mv:*">
   <p:cSld>
     <p:spTree>
@@ -36733,7 +37508,7 @@
 </p:sld>
 </file>
 
-<file path=ppt/slides/slide64.xml><?xml version="1.0" encoding="utf-8"?>
+<file path=ppt/slides/slide65.xml><?xml version="1.0" encoding="utf-8"?>
 <p:sld xmlns:a="http://schemas.openxmlformats.org/drawingml/2006/main" xmlns:r="http://schemas.openxmlformats.org/officeDocument/2006/relationships" xmlns:mc="http://schemas.openxmlformats.org/markup-compatibility/2006" xmlns:mv="urn:schemas-microsoft-com:mac:vml" xmlns:p="http://schemas.openxmlformats.org/presentationml/2006/main" mc:Ignorable="mv" mc:PreserveAttributes="mv:*">
   <p:cSld>
     <p:spTree>
@@ -37466,7 +38241,7 @@
 </p:sld>
 </file>
 
-<file path=ppt/slides/slide65.xml><?xml version="1.0" encoding="utf-8"?>
+<file path=ppt/slides/slide66.xml><?xml version="1.0" encoding="utf-8"?>
 <p:sld xmlns:a="http://schemas.openxmlformats.org/drawingml/2006/main" xmlns:r="http://schemas.openxmlformats.org/officeDocument/2006/relationships" xmlns:mc="http://schemas.openxmlformats.org/markup-compatibility/2006" xmlns:mv="urn:schemas-microsoft-com:mac:vml" xmlns:p="http://schemas.openxmlformats.org/presentationml/2006/main" mc:Ignorable="mv" mc:PreserveAttributes="mv:*">
   <p:cSld>
     <p:spTree>

--- a/restricted/slides13f.pptx
+++ b/restricted/slides13f.pptx
@@ -6,10 +6,10 @@
     <p:sldMasterId id="2147483687" r:id="rId2"/>
   </p:sldMasterIdLst>
   <p:notesMasterIdLst>
-    <p:notesMasterId r:id="rId69"/>
+    <p:notesMasterId r:id="rId70"/>
   </p:notesMasterIdLst>
   <p:handoutMasterIdLst>
-    <p:handoutMasterId r:id="rId70"/>
+    <p:handoutMasterId r:id="rId71"/>
   </p:handoutMasterIdLst>
   <p:sldIdLst>
     <p:sldId id="764" r:id="rId3"/>
@@ -69,49 +69,50 @@
     <p:sldId id="808" r:id="rId57"/>
     <p:sldId id="823" r:id="rId58"/>
     <p:sldId id="817" r:id="rId59"/>
-    <p:sldId id="822" r:id="rId60"/>
-    <p:sldId id="809" r:id="rId61"/>
-    <p:sldId id="824" r:id="rId62"/>
-    <p:sldId id="810" r:id="rId63"/>
-    <p:sldId id="811" r:id="rId64"/>
-    <p:sldId id="812" r:id="rId65"/>
-    <p:sldId id="813" r:id="rId66"/>
-    <p:sldId id="814" r:id="rId67"/>
-    <p:sldId id="801" r:id="rId68"/>
+    <p:sldId id="848" r:id="rId60"/>
+    <p:sldId id="822" r:id="rId61"/>
+    <p:sldId id="809" r:id="rId62"/>
+    <p:sldId id="824" r:id="rId63"/>
+    <p:sldId id="810" r:id="rId64"/>
+    <p:sldId id="811" r:id="rId65"/>
+    <p:sldId id="812" r:id="rId66"/>
+    <p:sldId id="813" r:id="rId67"/>
+    <p:sldId id="814" r:id="rId68"/>
+    <p:sldId id="801" r:id="rId69"/>
   </p:sldIdLst>
   <p:sldSz cx="9144000" cy="6858000" type="screen4x3"/>
   <p:notesSz cx="7315200" cy="9601200"/>
   <p:embeddedFontLst>
     <p:embeddedFont>
       <p:font typeface="Comic Sans MS"/>
-      <p:regular r:id="rId71"/>
-      <p:bold r:id="rId72"/>
+      <p:regular r:id="rId72"/>
+      <p:bold r:id="rId73"/>
     </p:embeddedFont>
     <p:embeddedFont>
       <p:font typeface="cmsy10"/>
-      <p:regular r:id="rId73"/>
+      <p:regular r:id="rId74"/>
     </p:embeddedFont>
     <p:embeddedFont>
       <p:font typeface="Euclid Symbol" charset="2"/>
-      <p:regular r:id="rId74"/>
-      <p:bold r:id="rId75"/>
-      <p:italic r:id="rId76"/>
-      <p:boldItalic r:id="rId77"/>
+      <p:regular r:id="rId75"/>
+      <p:bold r:id="rId76"/>
+      <p:italic r:id="rId77"/>
+      <p:boldItalic r:id="rId78"/>
     </p:embeddedFont>
     <p:embeddedFont>
       <p:font typeface="Euclid"/>
-      <p:regular r:id="rId78"/>
-      <p:bold r:id="rId79"/>
-      <p:italic r:id="rId80"/>
-      <p:boldItalic r:id="rId81"/>
+      <p:regular r:id="rId79"/>
+      <p:bold r:id="rId80"/>
+      <p:italic r:id="rId81"/>
+      <p:boldItalic r:id="rId82"/>
     </p:embeddedFont>
     <p:embeddedFont>
       <p:font typeface="Arial Unicode MS"/>
-      <p:regular r:id="rId82"/>
+      <p:regular r:id="rId83"/>
     </p:embeddedFont>
   </p:embeddedFontLst>
   <p:custDataLst>
-    <p:tags r:id="rId84"/>
+    <p:tags r:id="rId85"/>
   </p:custDataLst>
   <p:defaultTextStyle>
     <a:defPPr>
@@ -5687,7 +5688,7 @@
             <a:fld id="{CE4F1C5E-EC10-4AA2-BE05-3FAD1A6DEC47}" type="slidenum">
               <a:rPr lang="en-US"/>
               <a:pPr/>
-              <a:t>58</a:t>
+              <a:t>59</a:t>
             </a:fld>
             <a:endParaRPr lang="en-US"/>
           </a:p>
@@ -5775,7 +5776,7 @@
             <a:fld id="{0E24CED3-D070-4199-ABB1-A97C5A2E2D69}" type="slidenum">
               <a:rPr lang="en-US"/>
               <a:pPr/>
-              <a:t>59</a:t>
+              <a:t>60</a:t>
             </a:fld>
             <a:endParaRPr lang="en-US"/>
           </a:p>
@@ -5863,7 +5864,7 @@
             <a:fld id="{E13B69C8-7D9E-455E-870F-C9359D47CA0D}" type="slidenum">
               <a:rPr lang="en-US"/>
               <a:pPr/>
-              <a:t>61</a:t>
+              <a:t>62</a:t>
             </a:fld>
             <a:endParaRPr lang="en-US"/>
           </a:p>
@@ -5903,7 +5904,7 @@
                 <a:latin typeface="Arial" pitchFamily="34" charset="0"/>
               </a:rPr>
               <a:pPr algn="r" defTabSz="966775"/>
-              <a:t>61</a:t>
+              <a:t>62</a:t>
             </a:fld>
             <a:endParaRPr lang="en-US" sz="1300" dirty="0">
               <a:latin typeface="Arial" pitchFamily="34" charset="0"/>
@@ -6025,7 +6026,7 @@
             <a:fld id="{C45876ED-D830-4BAD-BF23-D8FB18E18E74}" type="slidenum">
               <a:rPr lang="en-US"/>
               <a:pPr/>
-              <a:t>62</a:t>
+              <a:t>63</a:t>
             </a:fld>
             <a:endParaRPr lang="en-US"/>
           </a:p>
@@ -6113,7 +6114,7 @@
             <a:fld id="{C459CE23-AC74-4612-9505-5863346853AC}" type="slidenum">
               <a:rPr lang="en-US"/>
               <a:pPr/>
-              <a:t>63</a:t>
+              <a:t>64</a:t>
             </a:fld>
             <a:endParaRPr lang="en-US"/>
           </a:p>
@@ -6302,7 +6303,7 @@
             <a:fld id="{58D02412-0501-4BDD-893A-9335BF29F723}" type="slidenum">
               <a:rPr lang="en-US"/>
               <a:pPr/>
-              <a:t>64</a:t>
+              <a:t>65</a:t>
             </a:fld>
             <a:endParaRPr lang="en-US"/>
           </a:p>
@@ -6386,7 +6387,7 @@
             <a:fld id="{080590DD-9A9F-43DC-A51D-BBD25710B0F4}" type="slidenum">
               <a:rPr lang="en-US"/>
               <a:pPr/>
-              <a:t>65</a:t>
+              <a:t>66</a:t>
             </a:fld>
             <a:endParaRPr lang="en-US"/>
           </a:p>
@@ -6470,7 +6471,7 @@
             <a:fld id="{1B775CA1-31D6-4149-A5F4-B932B1BA8953}" type="slidenum">
               <a:rPr lang="en-US"/>
               <a:pPr/>
-              <a:t>66</a:t>
+              <a:t>67</a:t>
             </a:fld>
             <a:endParaRPr lang="en-US"/>
           </a:p>
@@ -7282,6 +7283,264 @@
 </file>
 
 <file path=ppt/slideLayouts/slideLayout6.xml><?xml version="1.0" encoding="utf-8"?>
+<p:sldLayout xmlns:a="http://schemas.openxmlformats.org/drawingml/2006/main" xmlns:r="http://schemas.openxmlformats.org/officeDocument/2006/relationships" xmlns:mc="http://schemas.openxmlformats.org/markup-compatibility/2006" xmlns:mv="urn:schemas-microsoft-com:mac:vml" xmlns:p="http://schemas.openxmlformats.org/presentationml/2006/main" mc:Ignorable="mv" mc:PreserveAttributes="mv:*" type="twoObj">
+  <p:cSld name="Two Content">
+    <p:spTree>
+      <p:nvGrpSpPr>
+        <p:cNvPr id="1" name=""/>
+        <p:cNvGrpSpPr/>
+        <p:nvPr/>
+      </p:nvGrpSpPr>
+      <p:grpSpPr>
+        <a:xfrm>
+          <a:off x="0" y="0"/>
+          <a:ext cx="0" cy="0"/>
+          <a:chOff x="0" y="0"/>
+          <a:chExt cx="0" cy="0"/>
+        </a:xfrm>
+      </p:grpSpPr>
+      <p:sp>
+        <p:nvSpPr>
+          <p:cNvPr id="2" name="Title 1"/>
+          <p:cNvSpPr>
+            <a:spLocks noGrp="1"/>
+          </p:cNvSpPr>
+          <p:nvPr>
+            <p:ph type="title"/>
+          </p:nvPr>
+        </p:nvSpPr>
+        <p:spPr/>
+        <p:txBody>
+          <a:bodyPr/>
+          <a:lstStyle/>
+          <a:p>
+            <a:r>
+              <a:rPr lang="en-US" smtClean="0"/>
+              <a:t>Click to edit Master title style</a:t>
+            </a:r>
+            <a:endParaRPr lang="en-US"/>
+          </a:p>
+        </p:txBody>
+      </p:sp>
+      <p:sp>
+        <p:nvSpPr>
+          <p:cNvPr id="3" name="Content Placeholder 2"/>
+          <p:cNvSpPr>
+            <a:spLocks noGrp="1"/>
+          </p:cNvSpPr>
+          <p:nvPr>
+            <p:ph sz="half" idx="1"/>
+          </p:nvPr>
+        </p:nvSpPr>
+        <p:spPr>
+          <a:xfrm>
+            <a:off x="685800" y="2057400"/>
+            <a:ext cx="3810000" cy="4114800"/>
+          </a:xfrm>
+        </p:spPr>
+        <p:txBody>
+          <a:bodyPr/>
+          <a:lstStyle>
+            <a:lvl1pPr>
+              <a:defRPr sz="2800"/>
+            </a:lvl1pPr>
+            <a:lvl2pPr>
+              <a:defRPr sz="2400"/>
+            </a:lvl2pPr>
+            <a:lvl3pPr>
+              <a:defRPr sz="2000"/>
+            </a:lvl3pPr>
+            <a:lvl4pPr>
+              <a:defRPr sz="1800"/>
+            </a:lvl4pPr>
+            <a:lvl5pPr>
+              <a:defRPr sz="1800"/>
+            </a:lvl5pPr>
+            <a:lvl6pPr>
+              <a:defRPr sz="1800"/>
+            </a:lvl6pPr>
+            <a:lvl7pPr>
+              <a:defRPr sz="1800"/>
+            </a:lvl7pPr>
+            <a:lvl8pPr>
+              <a:defRPr sz="1800"/>
+            </a:lvl8pPr>
+            <a:lvl9pPr>
+              <a:defRPr sz="1800"/>
+            </a:lvl9pPr>
+          </a:lstStyle>
+          <a:p>
+            <a:pPr lvl="0"/>
+            <a:r>
+              <a:rPr lang="en-US" smtClean="0"/>
+              <a:t>Click to edit Master text styles</a:t>
+            </a:r>
+          </a:p>
+          <a:p>
+            <a:pPr lvl="1"/>
+            <a:r>
+              <a:rPr lang="en-US" smtClean="0"/>
+              <a:t>Second level</a:t>
+            </a:r>
+          </a:p>
+          <a:p>
+            <a:pPr lvl="2"/>
+            <a:r>
+              <a:rPr lang="en-US" smtClean="0"/>
+              <a:t>Third level</a:t>
+            </a:r>
+          </a:p>
+          <a:p>
+            <a:pPr lvl="3"/>
+            <a:r>
+              <a:rPr lang="en-US" smtClean="0"/>
+              <a:t>Fourth level</a:t>
+            </a:r>
+          </a:p>
+          <a:p>
+            <a:pPr lvl="4"/>
+            <a:r>
+              <a:rPr lang="en-US" smtClean="0"/>
+              <a:t>Fifth level</a:t>
+            </a:r>
+            <a:endParaRPr lang="en-US"/>
+          </a:p>
+        </p:txBody>
+      </p:sp>
+      <p:sp>
+        <p:nvSpPr>
+          <p:cNvPr id="4" name="Content Placeholder 3"/>
+          <p:cNvSpPr>
+            <a:spLocks noGrp="1"/>
+          </p:cNvSpPr>
+          <p:nvPr>
+            <p:ph sz="half" idx="2"/>
+          </p:nvPr>
+        </p:nvSpPr>
+        <p:spPr>
+          <a:xfrm>
+            <a:off x="4648200" y="2057400"/>
+            <a:ext cx="3810000" cy="4114800"/>
+          </a:xfrm>
+        </p:spPr>
+        <p:txBody>
+          <a:bodyPr/>
+          <a:lstStyle>
+            <a:lvl1pPr>
+              <a:defRPr sz="2800"/>
+            </a:lvl1pPr>
+            <a:lvl2pPr>
+              <a:defRPr sz="2400"/>
+            </a:lvl2pPr>
+            <a:lvl3pPr>
+              <a:defRPr sz="2000"/>
+            </a:lvl3pPr>
+            <a:lvl4pPr>
+              <a:defRPr sz="1800"/>
+            </a:lvl4pPr>
+            <a:lvl5pPr>
+              <a:defRPr sz="1800"/>
+            </a:lvl5pPr>
+            <a:lvl6pPr>
+              <a:defRPr sz="1800"/>
+            </a:lvl6pPr>
+            <a:lvl7pPr>
+              <a:defRPr sz="1800"/>
+            </a:lvl7pPr>
+            <a:lvl8pPr>
+              <a:defRPr sz="1800"/>
+            </a:lvl8pPr>
+            <a:lvl9pPr>
+              <a:defRPr sz="1800"/>
+            </a:lvl9pPr>
+          </a:lstStyle>
+          <a:p>
+            <a:pPr lvl="0"/>
+            <a:r>
+              <a:rPr lang="en-US" smtClean="0"/>
+              <a:t>Click to edit Master text styles</a:t>
+            </a:r>
+          </a:p>
+          <a:p>
+            <a:pPr lvl="1"/>
+            <a:r>
+              <a:rPr lang="en-US" smtClean="0"/>
+              <a:t>Second level</a:t>
+            </a:r>
+          </a:p>
+          <a:p>
+            <a:pPr lvl="2"/>
+            <a:r>
+              <a:rPr lang="en-US" smtClean="0"/>
+              <a:t>Third level</a:t>
+            </a:r>
+          </a:p>
+          <a:p>
+            <a:pPr lvl="3"/>
+            <a:r>
+              <a:rPr lang="en-US" smtClean="0"/>
+              <a:t>Fourth level</a:t>
+            </a:r>
+          </a:p>
+          <a:p>
+            <a:pPr lvl="4"/>
+            <a:r>
+              <a:rPr lang="en-US" smtClean="0"/>
+              <a:t>Fifth level</a:t>
+            </a:r>
+            <a:endParaRPr lang="en-US"/>
+          </a:p>
+        </p:txBody>
+      </p:sp>
+      <p:sp>
+        <p:nvSpPr>
+          <p:cNvPr id="5" name="Slide Number Placeholder 4"/>
+          <p:cNvSpPr>
+            <a:spLocks noGrp="1"/>
+          </p:cNvSpPr>
+          <p:nvPr>
+            <p:ph type="sldNum" sz="quarter" idx="10"/>
+          </p:nvPr>
+        </p:nvSpPr>
+        <p:spPr>
+          <a:xfrm>
+            <a:off x="7848600" y="6553200"/>
+            <a:ext cx="1295400" cy="304800"/>
+          </a:xfrm>
+          <a:prstGeom prst="rect">
+            <a:avLst/>
+          </a:prstGeom>
+        </p:spPr>
+        <p:txBody>
+          <a:bodyPr/>
+          <a:lstStyle>
+            <a:lvl1pPr>
+              <a:defRPr smtClean="0"/>
+            </a:lvl1pPr>
+          </a:lstStyle>
+          <a:p>
+            <a:r>
+              <a:rPr lang="en-US"/>
+              <a:t>lec 14M.</a:t>
+            </a:r>
+            <a:fld id="{6C850064-62E3-1E4A-9434-E4F3C9C45EDA}" type="slidenum">
+              <a:rPr lang="en-US"/>
+              <a:pPr/>
+              <a:t>‹#›</a:t>
+            </a:fld>
+            <a:endParaRPr lang="en-US"/>
+          </a:p>
+        </p:txBody>
+      </p:sp>
+    </p:spTree>
+  </p:cSld>
+  <p:clrMapOvr>
+    <a:masterClrMapping/>
+  </p:clrMapOvr>
+</p:sldLayout>
+</file>
+
+<file path=ppt/slideLayouts/slideLayout7.xml><?xml version="1.0" encoding="utf-8"?>
 <p:sldLayout xmlns:a="http://schemas.openxmlformats.org/drawingml/2006/main" xmlns:r="http://schemas.openxmlformats.org/officeDocument/2006/relationships" xmlns:mc="http://schemas.openxmlformats.org/markup-compatibility/2006" xmlns:mv="urn:schemas-microsoft-com:mac:vml" xmlns:p="http://schemas.openxmlformats.org/presentationml/2006/main" mc:Ignorable="mv" mc:PreserveAttributes="mv:*" type="blank">
   <p:cSld name="Blank">
     <p:spTree>
@@ -7514,7 +7773,7 @@
           <p:nvPr/>
         </p:nvPicPr>
         <p:blipFill>
-          <a:blip r:embed="rId7" cstate="print"/>
+          <a:blip r:embed="rId8" cstate="print"/>
           <a:srcRect/>
           <a:stretch>
             <a:fillRect/>
@@ -7681,7 +7940,7 @@
           <p:nvPr userDrawn="1"/>
         </p:nvPicPr>
         <p:blipFill>
-          <a:blip r:embed="rId8" cstate="print"/>
+          <a:blip r:embed="rId9" cstate="print"/>
           <a:stretch>
             <a:fillRect/>
           </a:stretch>
@@ -7705,6 +7964,7 @@
     <p:sldLayoutId id="2147483680" r:id="rId3"/>
     <p:sldLayoutId id="2147483681" r:id="rId4"/>
     <p:sldLayoutId id="2147483686" r:id="rId5"/>
+    <p:sldLayoutId id="2147483689" r:id="rId6"/>
   </p:sldLayoutIdLst>
   <p:timing>
     <p:tnLst>
@@ -33177,6 +33437,244 @@
       </p:grpSpPr>
       <p:sp>
         <p:nvSpPr>
+          <p:cNvPr id="319490" name="Rectangle 2"/>
+          <p:cNvSpPr>
+            <a:spLocks noGrp="1" noChangeArrowheads="1"/>
+          </p:cNvSpPr>
+          <p:nvPr>
+            <p:ph type="title"/>
+          </p:nvPr>
+        </p:nvSpPr>
+        <p:spPr>
+          <a:xfrm>
+            <a:off x="1447799" y="304800"/>
+            <a:ext cx="7522341" cy="1076124"/>
+          </a:xfrm>
+        </p:spPr>
+        <p:txBody>
+          <a:bodyPr/>
+          <a:lstStyle/>
+          <a:p>
+            <a:r>
+              <a:rPr lang="en-US" b="1" dirty="0"/>
+              <a:t>Jacob D. Bernoulli (1659 – 1705)</a:t>
+            </a:r>
+          </a:p>
+        </p:txBody>
+      </p:sp>
+      <p:sp>
+        <p:nvSpPr>
+          <p:cNvPr id="319491" name="Text Box 3"/>
+          <p:cNvSpPr txBox="1">
+            <a:spLocks noChangeArrowheads="1"/>
+          </p:cNvSpPr>
+          <p:nvPr/>
+        </p:nvSpPr>
+        <p:spPr bwMode="auto">
+          <a:xfrm>
+            <a:off x="1660525" y="3038475"/>
+            <a:ext cx="184150" cy="519113"/>
+          </a:xfrm>
+          <a:prstGeom prst="rect">
+            <a:avLst/>
+          </a:prstGeom>
+          <a:noFill/>
+          <a:ln w="9525">
+            <a:noFill/>
+            <a:miter lim="800000"/>
+            <a:headEnd/>
+            <a:tailEnd/>
+          </a:ln>
+          <a:effectLst/>
+        </p:spPr>
+        <p:txBody>
+          <a:bodyPr wrap="none">
+            <a:prstTxWarp prst="textNoShape">
+              <a:avLst/>
+            </a:prstTxWarp>
+            <a:spAutoFit/>
+          </a:bodyPr>
+          <a:lstStyle/>
+          <a:p>
+            <a:pPr algn="l"/>
+            <a:endParaRPr lang="en-US" sz="2800" i="1"/>
+          </a:p>
+        </p:txBody>
+      </p:sp>
+      <p:sp>
+        <p:nvSpPr>
+          <p:cNvPr id="319492" name="Text Box 4"/>
+          <p:cNvSpPr txBox="1">
+            <a:spLocks noChangeArrowheads="1"/>
+          </p:cNvSpPr>
+          <p:nvPr/>
+        </p:nvSpPr>
+        <p:spPr bwMode="auto">
+          <a:xfrm>
+            <a:off x="457200" y="1295400"/>
+            <a:ext cx="8229600" cy="4968875"/>
+          </a:xfrm>
+          <a:prstGeom prst="rect">
+            <a:avLst/>
+          </a:prstGeom>
+          <a:noFill/>
+          <a:ln w="9525">
+            <a:noFill/>
+            <a:miter lim="800000"/>
+            <a:headEnd/>
+            <a:tailEnd/>
+          </a:ln>
+          <a:effectLst/>
+        </p:spPr>
+        <p:txBody>
+          <a:bodyPr>
+            <a:prstTxWarp prst="textNoShape">
+              <a:avLst/>
+            </a:prstTxWarp>
+            <a:spAutoFit/>
+          </a:bodyPr>
+          <a:lstStyle/>
+          <a:p>
+            <a:pPr algn="l"/>
+            <a:r>
+              <a:rPr lang="en-US" sz="4000" dirty="0">
+                <a:latin typeface="Times New Roman"/>
+                <a:cs typeface="Times New Roman"/>
+              </a:rPr>
+              <a:t>Therefore, this is the problem which I now set forth and make known after I have pondered over it for </a:t>
+            </a:r>
+            <a:r>
+              <a:rPr lang="en-US" sz="4000" dirty="0">
+                <a:solidFill>
+                  <a:srgbClr val="0000FF"/>
+                </a:solidFill>
+                <a:latin typeface="Times New Roman"/>
+                <a:cs typeface="Times New Roman"/>
+              </a:rPr>
+              <a:t>twenty years</a:t>
+            </a:r>
+            <a:r>
+              <a:rPr lang="en-US" sz="4000" dirty="0">
+                <a:latin typeface="Times New Roman"/>
+                <a:cs typeface="Times New Roman"/>
+              </a:rPr>
+              <a:t>.  Both its </a:t>
+            </a:r>
+            <a:r>
+              <a:rPr lang="en-US" sz="4000" dirty="0">
+                <a:solidFill>
+                  <a:srgbClr val="0000FF"/>
+                </a:solidFill>
+                <a:latin typeface="Times New Roman"/>
+                <a:cs typeface="Times New Roman"/>
+              </a:rPr>
+              <a:t>novelty</a:t>
+            </a:r>
+            <a:r>
+              <a:rPr lang="en-US" sz="4000" dirty="0">
+                <a:latin typeface="Times New Roman"/>
+                <a:cs typeface="Times New Roman"/>
+              </a:rPr>
+              <a:t> and its very </a:t>
+            </a:r>
+            <a:r>
+              <a:rPr lang="en-US" sz="4000" dirty="0">
+                <a:solidFill>
+                  <a:srgbClr val="008000"/>
+                </a:solidFill>
+                <a:latin typeface="Times New Roman"/>
+                <a:cs typeface="Times New Roman"/>
+              </a:rPr>
+              <a:t>great</a:t>
+            </a:r>
+            <a:r>
+              <a:rPr lang="en-US" sz="4000" dirty="0">
+                <a:latin typeface="Times New Roman"/>
+                <a:cs typeface="Times New Roman"/>
+              </a:rPr>
+              <a:t> </a:t>
+            </a:r>
+            <a:r>
+              <a:rPr lang="en-US" sz="4000" dirty="0">
+                <a:solidFill>
+                  <a:srgbClr val="008000"/>
+                </a:solidFill>
+                <a:latin typeface="Times New Roman"/>
+                <a:cs typeface="Times New Roman"/>
+              </a:rPr>
+              <a:t>usefulness</a:t>
+            </a:r>
+            <a:r>
+              <a:rPr lang="en-US" sz="4000" dirty="0">
+                <a:latin typeface="Times New Roman"/>
+                <a:cs typeface="Times New Roman"/>
+              </a:rPr>
+              <a:t>, coupled with its just as </a:t>
+            </a:r>
+            <a:r>
+              <a:rPr lang="en-US" sz="4000" dirty="0">
+                <a:solidFill>
+                  <a:schemeClr val="accent2"/>
+                </a:solidFill>
+                <a:latin typeface="Times New Roman"/>
+                <a:cs typeface="Times New Roman"/>
+              </a:rPr>
+              <a:t>great difficulty</a:t>
+            </a:r>
+            <a:r>
+              <a:rPr lang="en-US" sz="4000" dirty="0">
+                <a:latin typeface="Times New Roman"/>
+                <a:cs typeface="Times New Roman"/>
+              </a:rPr>
+              <a:t>, can exceed in</a:t>
+            </a:r>
+          </a:p>
+          <a:p>
+            <a:pPr algn="l"/>
+            <a:r>
+              <a:rPr lang="en-US" sz="4000" dirty="0">
+                <a:latin typeface="Times New Roman"/>
+                <a:cs typeface="Times New Roman"/>
+              </a:rPr>
+              <a:t>weight and value all the remaining chapters of this thesis.</a:t>
+            </a:r>
+          </a:p>
+        </p:txBody>
+      </p:sp>
+    </p:spTree>
+  </p:cSld>
+  <p:clrMapOvr>
+    <a:masterClrMapping/>
+  </p:clrMapOvr>
+  <p:timing>
+    <p:tnLst>
+      <p:par>
+        <p:cTn id="1" dur="indefinite" restart="never" nodeType="tmRoot"/>
+      </p:par>
+    </p:tnLst>
+  </p:timing>
+</p:sld>
+</file>
+
+<file path=ppt/slides/slide59.xml><?xml version="1.0" encoding="utf-8"?>
+<p:sld xmlns:a="http://schemas.openxmlformats.org/drawingml/2006/main" xmlns:r="http://schemas.openxmlformats.org/officeDocument/2006/relationships" xmlns:mc="http://schemas.openxmlformats.org/markup-compatibility/2006" xmlns:mv="urn:schemas-microsoft-com:mac:vml" xmlns:p="http://schemas.openxmlformats.org/presentationml/2006/main" mc:Ignorable="mv" mc:PreserveAttributes="mv:*">
+  <p:cSld>
+    <p:spTree>
+      <p:nvGrpSpPr>
+        <p:cNvPr id="1" name=""/>
+        <p:cNvGrpSpPr/>
+        <p:nvPr/>
+      </p:nvGrpSpPr>
+      <p:grpSpPr>
+        <a:xfrm>
+          <a:off x="0" y="0"/>
+          <a:ext cx="0" cy="0"/>
+          <a:chOff x="0" y="0"/>
+          <a:chExt cx="0" cy="0"/>
+        </a:xfrm>
+      </p:grpSpPr>
+      <p:sp>
+        <p:nvSpPr>
           <p:cNvPr id="324617" name="Text Box 9"/>
           <p:cNvSpPr txBox="1">
             <a:spLocks noChangeArrowheads="1"/>
@@ -33429,398 +33927,6 @@
     <p:bldLst>
       <p:bldP spid="8" grpId="0"/>
     </p:bldLst>
-  </p:timing>
-</p:sld>
-</file>
-
-<file path=ppt/slides/slide59.xml><?xml version="1.0" encoding="utf-8"?>
-<p:sld xmlns:a="http://schemas.openxmlformats.org/drawingml/2006/main" xmlns:r="http://schemas.openxmlformats.org/officeDocument/2006/relationships" xmlns:mc="http://schemas.openxmlformats.org/markup-compatibility/2006" xmlns:mv="urn:schemas-microsoft-com:mac:vml" xmlns:p="http://schemas.openxmlformats.org/presentationml/2006/main" mc:Ignorable="mv" mc:PreserveAttributes="mv:*" showMasterPhAnim="0">
-  <p:cSld>
-    <p:spTree>
-      <p:nvGrpSpPr>
-        <p:cNvPr id="1" name=""/>
-        <p:cNvGrpSpPr/>
-        <p:nvPr/>
-      </p:nvGrpSpPr>
-      <p:grpSpPr>
-        <a:xfrm>
-          <a:off x="0" y="0"/>
-          <a:ext cx="0" cy="0"/>
-          <a:chOff x="0" y="0"/>
-          <a:chExt cx="0" cy="0"/>
-        </a:xfrm>
-      </p:grpSpPr>
-      <p:graphicFrame>
-        <p:nvGraphicFramePr>
-          <p:cNvPr id="11" name="Object 10"/>
-          <p:cNvGraphicFramePr>
-            <a:graphicFrameLocks noChangeAspect="1"/>
-          </p:cNvGraphicFramePr>
-          <p:nvPr/>
-        </p:nvGraphicFramePr>
-        <p:xfrm>
-          <a:off x="2978972" y="3741738"/>
-          <a:ext cx="2768600" cy="1931987"/>
-        </p:xfrm>
-        <a:graphic>
-          <a:graphicData uri="http://schemas.openxmlformats.org/presentationml/2006/ole">
-            <p:oleObj spid="_x0000_s146436" name="Equation" r:id="rId4" imgW="673100" imgH="469900" progId="Equation.DSMT4">
-              <p:embed/>
-            </p:oleObj>
-          </a:graphicData>
-        </a:graphic>
-      </p:graphicFrame>
-      <p:graphicFrame>
-        <p:nvGraphicFramePr>
-          <p:cNvPr id="7" name="Object 6"/>
-          <p:cNvGraphicFramePr>
-            <a:graphicFrameLocks noChangeAspect="1"/>
-          </p:cNvGraphicFramePr>
-          <p:nvPr/>
-        </p:nvGraphicFramePr>
-        <p:xfrm>
-          <a:off x="1214199" y="1173418"/>
-          <a:ext cx="6702981" cy="1729801"/>
-        </p:xfrm>
-        <a:graphic>
-          <a:graphicData uri="http://schemas.openxmlformats.org/presentationml/2006/ole">
-            <p:oleObj spid="_x0000_s146434" name="Equation" r:id="rId5" imgW="1968480" imgH="507960" progId="Equation.DSMT4">
-              <p:embed/>
-            </p:oleObj>
-          </a:graphicData>
-        </a:graphic>
-      </p:graphicFrame>
-      <p:grpSp>
-        <p:nvGrpSpPr>
-          <p:cNvPr id="10" name="Group 9"/>
-          <p:cNvGrpSpPr/>
-          <p:nvPr/>
-        </p:nvGrpSpPr>
-        <p:grpSpPr>
-          <a:xfrm>
-            <a:off x="1114669" y="1446784"/>
-            <a:ext cx="4686806" cy="3741420"/>
-            <a:chOff x="1114669" y="1446784"/>
-            <a:chExt cx="4686806" cy="3741420"/>
-          </a:xfrm>
-        </p:grpSpPr>
-        <p:sp>
-          <p:nvSpPr>
-            <p:cNvPr id="32778" name="Rectangle 10"/>
-            <p:cNvSpPr>
-              <a:spLocks noChangeArrowheads="1"/>
-            </p:cNvSpPr>
-            <p:nvPr/>
-          </p:nvSpPr>
-          <p:spPr bwMode="auto">
-            <a:xfrm>
-              <a:off x="1114669" y="1446784"/>
-              <a:ext cx="1584960" cy="1226820"/>
-            </a:xfrm>
-            <a:prstGeom prst="rect">
-              <a:avLst/>
-            </a:prstGeom>
-            <a:noFill/>
-            <a:ln w="38100">
-              <a:solidFill>
-                <a:srgbClr val="FF00FF"/>
-              </a:solidFill>
-              <a:prstDash val="sysDash"/>
-              <a:miter lim="800000"/>
-              <a:headEnd/>
-              <a:tailEnd/>
-            </a:ln>
-            <a:effectLst/>
-          </p:spPr>
-          <p:txBody>
-            <a:bodyPr wrap="none" anchor="ctr"/>
-            <a:lstStyle/>
-            <a:p>
-              <a:endParaRPr lang="en-US"/>
-            </a:p>
-          </p:txBody>
-        </p:sp>
-        <p:sp>
-          <p:nvSpPr>
-            <p:cNvPr id="32779" name="Rectangle 11"/>
-            <p:cNvSpPr>
-              <a:spLocks noChangeArrowheads="1"/>
-            </p:cNvSpPr>
-            <p:nvPr/>
-          </p:nvSpPr>
-          <p:spPr bwMode="auto">
-            <a:xfrm>
-              <a:off x="4610100" y="4416581"/>
-              <a:ext cx="1191375" cy="771623"/>
-            </a:xfrm>
-            <a:prstGeom prst="rect">
-              <a:avLst/>
-            </a:prstGeom>
-            <a:noFill/>
-            <a:ln w="38100">
-              <a:solidFill>
-                <a:srgbClr val="FF00FF"/>
-              </a:solidFill>
-              <a:prstDash val="sysDash"/>
-              <a:miter lim="800000"/>
-              <a:headEnd/>
-              <a:tailEnd/>
-            </a:ln>
-            <a:effectLst/>
-          </p:spPr>
-          <p:txBody>
-            <a:bodyPr wrap="none" anchor="ctr"/>
-            <a:lstStyle/>
-            <a:p>
-              <a:endParaRPr lang="en-US"/>
-            </a:p>
-          </p:txBody>
-        </p:sp>
-      </p:grpSp>
-      <p:sp>
-        <p:nvSpPr>
-          <p:cNvPr id="32773" name="Rectangle 16"/>
-          <p:cNvSpPr>
-            <a:spLocks noGrp="1" noChangeArrowheads="1"/>
-          </p:cNvSpPr>
-          <p:nvPr>
-            <p:ph type="title" idx="4294967295"/>
-          </p:nvPr>
-        </p:nvSpPr>
-        <p:spPr>
-          <a:xfrm>
-            <a:off x="2133600" y="228600"/>
-            <a:ext cx="4724400" cy="1219200"/>
-          </a:xfrm>
-          <a:noFill/>
-        </p:spPr>
-        <p:txBody>
-          <a:bodyPr/>
-          <a:lstStyle/>
-          <a:p>
-            <a:r>
-              <a:rPr lang="en-US" sz="4400" dirty="0"/>
-              <a:t>Repeated Trials</a:t>
-            </a:r>
-          </a:p>
-        </p:txBody>
-      </p:sp>
-      <p:graphicFrame>
-        <p:nvGraphicFramePr>
-          <p:cNvPr id="8" name="Object 7"/>
-          <p:cNvGraphicFramePr>
-            <a:graphicFrameLocks noChangeAspect="1"/>
-          </p:cNvGraphicFramePr>
-          <p:nvPr/>
-        </p:nvGraphicFramePr>
-        <p:xfrm>
-          <a:off x="3007355" y="2930524"/>
-          <a:ext cx="5696483" cy="1367156"/>
-        </p:xfrm>
-        <a:graphic>
-          <a:graphicData uri="http://schemas.openxmlformats.org/presentationml/2006/ole">
-            <p:oleObj spid="_x0000_s146435" name="Equation" r:id="rId6" imgW="1904760" imgH="457200" progId="Equation.DSMT4">
-              <p:embed/>
-            </p:oleObj>
-          </a:graphicData>
-        </a:graphic>
-      </p:graphicFrame>
-    </p:spTree>
-  </p:cSld>
-  <p:clrMapOvr>
-    <a:masterClrMapping/>
-  </p:clrMapOvr>
-  <p:transition>
-    <p:fade/>
-  </p:transition>
-  <p:timing>
-    <p:tnLst>
-      <p:par>
-        <p:cTn id="1" dur="indefinite" restart="never" nodeType="tmRoot">
-          <p:childTnLst>
-            <p:seq concurrent="1" nextAc="seek">
-              <p:cTn id="2" dur="indefinite" nodeType="mainSeq">
-                <p:childTnLst>
-                  <p:par>
-                    <p:cTn id="3" fill="hold">
-                      <p:stCondLst>
-                        <p:cond delay="indefinite"/>
-                      </p:stCondLst>
-                      <p:childTnLst>
-                        <p:par>
-                          <p:cTn id="4" fill="hold">
-                            <p:stCondLst>
-                              <p:cond delay="0"/>
-                            </p:stCondLst>
-                            <p:childTnLst>
-                              <p:par>
-                                <p:cTn id="5" presetID="22" presetClass="entr" presetSubtype="8" fill="hold" nodeType="clickEffect">
-                                  <p:stCondLst>
-                                    <p:cond delay="0"/>
-                                  </p:stCondLst>
-                                  <p:childTnLst>
-                                    <p:set>
-                                      <p:cBhvr>
-                                        <p:cTn id="6" dur="1" fill="hold">
-                                          <p:stCondLst>
-                                            <p:cond delay="0"/>
-                                          </p:stCondLst>
-                                        </p:cTn>
-                                        <p:tgtEl>
-                                          <p:spTgt spid="8"/>
-                                        </p:tgtEl>
-                                        <p:attrNameLst>
-                                          <p:attrName>style.visibility</p:attrName>
-                                        </p:attrNameLst>
-                                      </p:cBhvr>
-                                      <p:to>
-                                        <p:strVal val="visible"/>
-                                      </p:to>
-                                    </p:set>
-                                    <p:animEffect transition="in" filter="wipe(left)">
-                                      <p:cBhvr>
-                                        <p:cTn id="7" dur="500"/>
-                                        <p:tgtEl>
-                                          <p:spTgt spid="8"/>
-                                        </p:tgtEl>
-                                      </p:cBhvr>
-                                    </p:animEffect>
-                                  </p:childTnLst>
-                                </p:cTn>
-                              </p:par>
-                            </p:childTnLst>
-                          </p:cTn>
-                        </p:par>
-                      </p:childTnLst>
-                    </p:cTn>
-                  </p:par>
-                  <p:par>
-                    <p:cTn id="8" fill="hold">
-                      <p:stCondLst>
-                        <p:cond delay="indefinite"/>
-                      </p:stCondLst>
-                      <p:childTnLst>
-                        <p:par>
-                          <p:cTn id="9" fill="hold">
-                            <p:stCondLst>
-                              <p:cond delay="0"/>
-                            </p:stCondLst>
-                            <p:childTnLst>
-                              <p:par>
-                                <p:cTn id="10" presetID="22" presetClass="entr" presetSubtype="8" fill="hold" nodeType="clickEffect">
-                                  <p:stCondLst>
-                                    <p:cond delay="0"/>
-                                  </p:stCondLst>
-                                  <p:childTnLst>
-                                    <p:set>
-                                      <p:cBhvr>
-                                        <p:cTn id="11" dur="1" fill="hold">
-                                          <p:stCondLst>
-                                            <p:cond delay="0"/>
-                                          </p:stCondLst>
-                                        </p:cTn>
-                                        <p:tgtEl>
-                                          <p:spTgt spid="11"/>
-                                        </p:tgtEl>
-                                        <p:attrNameLst>
-                                          <p:attrName>style.visibility</p:attrName>
-                                        </p:attrNameLst>
-                                      </p:cBhvr>
-                                      <p:to>
-                                        <p:strVal val="visible"/>
-                                      </p:to>
-                                    </p:set>
-                                    <p:animEffect transition="in" filter="wipe(left)">
-                                      <p:cBhvr>
-                                        <p:cTn id="12" dur="500"/>
-                                        <p:tgtEl>
-                                          <p:spTgt spid="11"/>
-                                        </p:tgtEl>
-                                      </p:cBhvr>
-                                    </p:animEffect>
-                                  </p:childTnLst>
-                                </p:cTn>
-                              </p:par>
-                            </p:childTnLst>
-                          </p:cTn>
-                        </p:par>
-                      </p:childTnLst>
-                    </p:cTn>
-                  </p:par>
-                  <p:par>
-                    <p:cTn id="13" fill="hold">
-                      <p:stCondLst>
-                        <p:cond delay="indefinite"/>
-                      </p:stCondLst>
-                      <p:childTnLst>
-                        <p:par>
-                          <p:cTn id="14" fill="hold">
-                            <p:stCondLst>
-                              <p:cond delay="0"/>
-                            </p:stCondLst>
-                            <p:childTnLst>
-                              <p:par>
-                                <p:cTn id="15" presetID="10" presetClass="entr" presetSubtype="0" fill="hold" nodeType="clickEffect">
-                                  <p:stCondLst>
-                                    <p:cond delay="0"/>
-                                  </p:stCondLst>
-                                  <p:childTnLst>
-                                    <p:set>
-                                      <p:cBhvr>
-                                        <p:cTn id="16" dur="1" fill="hold">
-                                          <p:stCondLst>
-                                            <p:cond delay="0"/>
-                                          </p:stCondLst>
-                                        </p:cTn>
-                                        <p:tgtEl>
-                                          <p:spTgt spid="10"/>
-                                        </p:tgtEl>
-                                        <p:attrNameLst>
-                                          <p:attrName>style.visibility</p:attrName>
-                                        </p:attrNameLst>
-                                      </p:cBhvr>
-                                      <p:to>
-                                        <p:strVal val="visible"/>
-                                      </p:to>
-                                    </p:set>
-                                    <p:animEffect transition="in" filter="fade">
-                                      <p:cBhvr>
-                                        <p:cTn id="17" dur="500"/>
-                                        <p:tgtEl>
-                                          <p:spTgt spid="10"/>
-                                        </p:tgtEl>
-                                      </p:cBhvr>
-                                    </p:animEffect>
-                                  </p:childTnLst>
-                                </p:cTn>
-                              </p:par>
-                            </p:childTnLst>
-                          </p:cTn>
-                        </p:par>
-                      </p:childTnLst>
-                    </p:cTn>
-                  </p:par>
-                </p:childTnLst>
-              </p:cTn>
-              <p:prevCondLst>
-                <p:cond evt="onPrev" delay="0">
-                  <p:tgtEl>
-                    <p:sldTgt/>
-                  </p:tgtEl>
-                </p:cond>
-              </p:prevCondLst>
-              <p:nextCondLst>
-                <p:cond evt="onNext" delay="0">
-                  <p:tgtEl>
-                    <p:sldTgt/>
-                  </p:tgtEl>
-                </p:cond>
-              </p:nextCondLst>
-            </p:seq>
-          </p:childTnLst>
-        </p:cTn>
-      </p:par>
-    </p:tnLst>
   </p:timing>
 </p:sld>
 </file>
@@ -34609,6 +34715,398 @@
 </file>
 
 <file path=ppt/slides/slide60.xml><?xml version="1.0" encoding="utf-8"?>
+<p:sld xmlns:a="http://schemas.openxmlformats.org/drawingml/2006/main" xmlns:r="http://schemas.openxmlformats.org/officeDocument/2006/relationships" xmlns:mc="http://schemas.openxmlformats.org/markup-compatibility/2006" xmlns:mv="urn:schemas-microsoft-com:mac:vml" xmlns:p="http://schemas.openxmlformats.org/presentationml/2006/main" mc:Ignorable="mv" mc:PreserveAttributes="mv:*" showMasterPhAnim="0">
+  <p:cSld>
+    <p:spTree>
+      <p:nvGrpSpPr>
+        <p:cNvPr id="1" name=""/>
+        <p:cNvGrpSpPr/>
+        <p:nvPr/>
+      </p:nvGrpSpPr>
+      <p:grpSpPr>
+        <a:xfrm>
+          <a:off x="0" y="0"/>
+          <a:ext cx="0" cy="0"/>
+          <a:chOff x="0" y="0"/>
+          <a:chExt cx="0" cy="0"/>
+        </a:xfrm>
+      </p:grpSpPr>
+      <p:graphicFrame>
+        <p:nvGraphicFramePr>
+          <p:cNvPr id="11" name="Object 10"/>
+          <p:cNvGraphicFramePr>
+            <a:graphicFrameLocks noChangeAspect="1"/>
+          </p:cNvGraphicFramePr>
+          <p:nvPr/>
+        </p:nvGraphicFramePr>
+        <p:xfrm>
+          <a:off x="2978972" y="3741738"/>
+          <a:ext cx="2768600" cy="1931987"/>
+        </p:xfrm>
+        <a:graphic>
+          <a:graphicData uri="http://schemas.openxmlformats.org/presentationml/2006/ole">
+            <p:oleObj spid="_x0000_s146436" name="Equation" r:id="rId4" imgW="673100" imgH="469900" progId="Equation.DSMT4">
+              <p:embed/>
+            </p:oleObj>
+          </a:graphicData>
+        </a:graphic>
+      </p:graphicFrame>
+      <p:graphicFrame>
+        <p:nvGraphicFramePr>
+          <p:cNvPr id="7" name="Object 6"/>
+          <p:cNvGraphicFramePr>
+            <a:graphicFrameLocks noChangeAspect="1"/>
+          </p:cNvGraphicFramePr>
+          <p:nvPr/>
+        </p:nvGraphicFramePr>
+        <p:xfrm>
+          <a:off x="1214199" y="1173418"/>
+          <a:ext cx="6702981" cy="1729801"/>
+        </p:xfrm>
+        <a:graphic>
+          <a:graphicData uri="http://schemas.openxmlformats.org/presentationml/2006/ole">
+            <p:oleObj spid="_x0000_s146434" name="Equation" r:id="rId5" imgW="1968480" imgH="507960" progId="Equation.DSMT4">
+              <p:embed/>
+            </p:oleObj>
+          </a:graphicData>
+        </a:graphic>
+      </p:graphicFrame>
+      <p:grpSp>
+        <p:nvGrpSpPr>
+          <p:cNvPr id="10" name="Group 9"/>
+          <p:cNvGrpSpPr/>
+          <p:nvPr/>
+        </p:nvGrpSpPr>
+        <p:grpSpPr>
+          <a:xfrm>
+            <a:off x="1114669" y="1446784"/>
+            <a:ext cx="4686806" cy="3741420"/>
+            <a:chOff x="1114669" y="1446784"/>
+            <a:chExt cx="4686806" cy="3741420"/>
+          </a:xfrm>
+        </p:grpSpPr>
+        <p:sp>
+          <p:nvSpPr>
+            <p:cNvPr id="32778" name="Rectangle 10"/>
+            <p:cNvSpPr>
+              <a:spLocks noChangeArrowheads="1"/>
+            </p:cNvSpPr>
+            <p:nvPr/>
+          </p:nvSpPr>
+          <p:spPr bwMode="auto">
+            <a:xfrm>
+              <a:off x="1114669" y="1446784"/>
+              <a:ext cx="1584960" cy="1226820"/>
+            </a:xfrm>
+            <a:prstGeom prst="rect">
+              <a:avLst/>
+            </a:prstGeom>
+            <a:noFill/>
+            <a:ln w="38100">
+              <a:solidFill>
+                <a:srgbClr val="FF00FF"/>
+              </a:solidFill>
+              <a:prstDash val="sysDash"/>
+              <a:miter lim="800000"/>
+              <a:headEnd/>
+              <a:tailEnd/>
+            </a:ln>
+            <a:effectLst/>
+          </p:spPr>
+          <p:txBody>
+            <a:bodyPr wrap="none" anchor="ctr"/>
+            <a:lstStyle/>
+            <a:p>
+              <a:endParaRPr lang="en-US"/>
+            </a:p>
+          </p:txBody>
+        </p:sp>
+        <p:sp>
+          <p:nvSpPr>
+            <p:cNvPr id="32779" name="Rectangle 11"/>
+            <p:cNvSpPr>
+              <a:spLocks noChangeArrowheads="1"/>
+            </p:cNvSpPr>
+            <p:nvPr/>
+          </p:nvSpPr>
+          <p:spPr bwMode="auto">
+            <a:xfrm>
+              <a:off x="4610100" y="4416581"/>
+              <a:ext cx="1191375" cy="771623"/>
+            </a:xfrm>
+            <a:prstGeom prst="rect">
+              <a:avLst/>
+            </a:prstGeom>
+            <a:noFill/>
+            <a:ln w="38100">
+              <a:solidFill>
+                <a:srgbClr val="FF00FF"/>
+              </a:solidFill>
+              <a:prstDash val="sysDash"/>
+              <a:miter lim="800000"/>
+              <a:headEnd/>
+              <a:tailEnd/>
+            </a:ln>
+            <a:effectLst/>
+          </p:spPr>
+          <p:txBody>
+            <a:bodyPr wrap="none" anchor="ctr"/>
+            <a:lstStyle/>
+            <a:p>
+              <a:endParaRPr lang="en-US"/>
+            </a:p>
+          </p:txBody>
+        </p:sp>
+      </p:grpSp>
+      <p:sp>
+        <p:nvSpPr>
+          <p:cNvPr id="32773" name="Rectangle 16"/>
+          <p:cNvSpPr>
+            <a:spLocks noGrp="1" noChangeArrowheads="1"/>
+          </p:cNvSpPr>
+          <p:nvPr>
+            <p:ph type="title" idx="4294967295"/>
+          </p:nvPr>
+        </p:nvSpPr>
+        <p:spPr>
+          <a:xfrm>
+            <a:off x="2133600" y="228600"/>
+            <a:ext cx="4724400" cy="1219200"/>
+          </a:xfrm>
+          <a:noFill/>
+        </p:spPr>
+        <p:txBody>
+          <a:bodyPr/>
+          <a:lstStyle/>
+          <a:p>
+            <a:r>
+              <a:rPr lang="en-US" sz="4400" dirty="0"/>
+              <a:t>Repeated Trials</a:t>
+            </a:r>
+          </a:p>
+        </p:txBody>
+      </p:sp>
+      <p:graphicFrame>
+        <p:nvGraphicFramePr>
+          <p:cNvPr id="8" name="Object 7"/>
+          <p:cNvGraphicFramePr>
+            <a:graphicFrameLocks noChangeAspect="1"/>
+          </p:cNvGraphicFramePr>
+          <p:nvPr/>
+        </p:nvGraphicFramePr>
+        <p:xfrm>
+          <a:off x="3007355" y="2930524"/>
+          <a:ext cx="5696483" cy="1367156"/>
+        </p:xfrm>
+        <a:graphic>
+          <a:graphicData uri="http://schemas.openxmlformats.org/presentationml/2006/ole">
+            <p:oleObj spid="_x0000_s146435" name="Equation" r:id="rId6" imgW="1904760" imgH="457200" progId="Equation.DSMT4">
+              <p:embed/>
+            </p:oleObj>
+          </a:graphicData>
+        </a:graphic>
+      </p:graphicFrame>
+    </p:spTree>
+  </p:cSld>
+  <p:clrMapOvr>
+    <a:masterClrMapping/>
+  </p:clrMapOvr>
+  <p:transition>
+    <p:fade/>
+  </p:transition>
+  <p:timing>
+    <p:tnLst>
+      <p:par>
+        <p:cTn id="1" dur="indefinite" restart="never" nodeType="tmRoot">
+          <p:childTnLst>
+            <p:seq concurrent="1" nextAc="seek">
+              <p:cTn id="2" dur="indefinite" nodeType="mainSeq">
+                <p:childTnLst>
+                  <p:par>
+                    <p:cTn id="3" fill="hold">
+                      <p:stCondLst>
+                        <p:cond delay="indefinite"/>
+                      </p:stCondLst>
+                      <p:childTnLst>
+                        <p:par>
+                          <p:cTn id="4" fill="hold">
+                            <p:stCondLst>
+                              <p:cond delay="0"/>
+                            </p:stCondLst>
+                            <p:childTnLst>
+                              <p:par>
+                                <p:cTn id="5" presetID="22" presetClass="entr" presetSubtype="8" fill="hold" nodeType="clickEffect">
+                                  <p:stCondLst>
+                                    <p:cond delay="0"/>
+                                  </p:stCondLst>
+                                  <p:childTnLst>
+                                    <p:set>
+                                      <p:cBhvr>
+                                        <p:cTn id="6" dur="1" fill="hold">
+                                          <p:stCondLst>
+                                            <p:cond delay="0"/>
+                                          </p:stCondLst>
+                                        </p:cTn>
+                                        <p:tgtEl>
+                                          <p:spTgt spid="8"/>
+                                        </p:tgtEl>
+                                        <p:attrNameLst>
+                                          <p:attrName>style.visibility</p:attrName>
+                                        </p:attrNameLst>
+                                      </p:cBhvr>
+                                      <p:to>
+                                        <p:strVal val="visible"/>
+                                      </p:to>
+                                    </p:set>
+                                    <p:animEffect transition="in" filter="wipe(left)">
+                                      <p:cBhvr>
+                                        <p:cTn id="7" dur="500"/>
+                                        <p:tgtEl>
+                                          <p:spTgt spid="8"/>
+                                        </p:tgtEl>
+                                      </p:cBhvr>
+                                    </p:animEffect>
+                                  </p:childTnLst>
+                                </p:cTn>
+                              </p:par>
+                            </p:childTnLst>
+                          </p:cTn>
+                        </p:par>
+                      </p:childTnLst>
+                    </p:cTn>
+                  </p:par>
+                  <p:par>
+                    <p:cTn id="8" fill="hold">
+                      <p:stCondLst>
+                        <p:cond delay="indefinite"/>
+                      </p:stCondLst>
+                      <p:childTnLst>
+                        <p:par>
+                          <p:cTn id="9" fill="hold">
+                            <p:stCondLst>
+                              <p:cond delay="0"/>
+                            </p:stCondLst>
+                            <p:childTnLst>
+                              <p:par>
+                                <p:cTn id="10" presetID="22" presetClass="entr" presetSubtype="8" fill="hold" nodeType="clickEffect">
+                                  <p:stCondLst>
+                                    <p:cond delay="0"/>
+                                  </p:stCondLst>
+                                  <p:childTnLst>
+                                    <p:set>
+                                      <p:cBhvr>
+                                        <p:cTn id="11" dur="1" fill="hold">
+                                          <p:stCondLst>
+                                            <p:cond delay="0"/>
+                                          </p:stCondLst>
+                                        </p:cTn>
+                                        <p:tgtEl>
+                                          <p:spTgt spid="11"/>
+                                        </p:tgtEl>
+                                        <p:attrNameLst>
+                                          <p:attrName>style.visibility</p:attrName>
+                                        </p:attrNameLst>
+                                      </p:cBhvr>
+                                      <p:to>
+                                        <p:strVal val="visible"/>
+                                      </p:to>
+                                    </p:set>
+                                    <p:animEffect transition="in" filter="wipe(left)">
+                                      <p:cBhvr>
+                                        <p:cTn id="12" dur="500"/>
+                                        <p:tgtEl>
+                                          <p:spTgt spid="11"/>
+                                        </p:tgtEl>
+                                      </p:cBhvr>
+                                    </p:animEffect>
+                                  </p:childTnLst>
+                                </p:cTn>
+                              </p:par>
+                            </p:childTnLst>
+                          </p:cTn>
+                        </p:par>
+                      </p:childTnLst>
+                    </p:cTn>
+                  </p:par>
+                  <p:par>
+                    <p:cTn id="13" fill="hold">
+                      <p:stCondLst>
+                        <p:cond delay="indefinite"/>
+                      </p:stCondLst>
+                      <p:childTnLst>
+                        <p:par>
+                          <p:cTn id="14" fill="hold">
+                            <p:stCondLst>
+                              <p:cond delay="0"/>
+                            </p:stCondLst>
+                            <p:childTnLst>
+                              <p:par>
+                                <p:cTn id="15" presetID="10" presetClass="entr" presetSubtype="0" fill="hold" nodeType="clickEffect">
+                                  <p:stCondLst>
+                                    <p:cond delay="0"/>
+                                  </p:stCondLst>
+                                  <p:childTnLst>
+                                    <p:set>
+                                      <p:cBhvr>
+                                        <p:cTn id="16" dur="1" fill="hold">
+                                          <p:stCondLst>
+                                            <p:cond delay="0"/>
+                                          </p:stCondLst>
+                                        </p:cTn>
+                                        <p:tgtEl>
+                                          <p:spTgt spid="10"/>
+                                        </p:tgtEl>
+                                        <p:attrNameLst>
+                                          <p:attrName>style.visibility</p:attrName>
+                                        </p:attrNameLst>
+                                      </p:cBhvr>
+                                      <p:to>
+                                        <p:strVal val="visible"/>
+                                      </p:to>
+                                    </p:set>
+                                    <p:animEffect transition="in" filter="fade">
+                                      <p:cBhvr>
+                                        <p:cTn id="17" dur="500"/>
+                                        <p:tgtEl>
+                                          <p:spTgt spid="10"/>
+                                        </p:tgtEl>
+                                      </p:cBhvr>
+                                    </p:animEffect>
+                                  </p:childTnLst>
+                                </p:cTn>
+                              </p:par>
+                            </p:childTnLst>
+                          </p:cTn>
+                        </p:par>
+                      </p:childTnLst>
+                    </p:cTn>
+                  </p:par>
+                </p:childTnLst>
+              </p:cTn>
+              <p:prevCondLst>
+                <p:cond evt="onPrev" delay="0">
+                  <p:tgtEl>
+                    <p:sldTgt/>
+                  </p:tgtEl>
+                </p:cond>
+              </p:prevCondLst>
+              <p:nextCondLst>
+                <p:cond evt="onNext" delay="0">
+                  <p:tgtEl>
+                    <p:sldTgt/>
+                  </p:tgtEl>
+                </p:cond>
+              </p:nextCondLst>
+            </p:seq>
+          </p:childTnLst>
+        </p:cTn>
+      </p:par>
+    </p:tnLst>
+  </p:timing>
+</p:sld>
+</file>
+
+<file path=ppt/slides/slide61.xml><?xml version="1.0" encoding="utf-8"?>
 <p:sld xmlns:a="http://schemas.openxmlformats.org/drawingml/2006/main" xmlns:r="http://schemas.openxmlformats.org/officeDocument/2006/relationships" xmlns:mc="http://schemas.openxmlformats.org/markup-compatibility/2006" xmlns:mv="urn:schemas-microsoft-com:mac:vml" xmlns:p="http://schemas.openxmlformats.org/presentationml/2006/main" mc:Ignorable="mv" mc:PreserveAttributes="mv:*">
   <p:cSld>
     <p:spTree>
@@ -34999,7 +35497,7 @@
 </p:sld>
 </file>
 
-<file path=ppt/slides/slide61.xml><?xml version="1.0" encoding="utf-8"?>
+<file path=ppt/slides/slide62.xml><?xml version="1.0" encoding="utf-8"?>
 <p:sld xmlns:a="http://schemas.openxmlformats.org/drawingml/2006/main" xmlns:r="http://schemas.openxmlformats.org/officeDocument/2006/relationships" xmlns:mc="http://schemas.openxmlformats.org/markup-compatibility/2006" xmlns:mv="urn:schemas-microsoft-com:mac:vml" xmlns:p="http://schemas.openxmlformats.org/presentationml/2006/main" mc:Ignorable="mv" mc:PreserveAttributes="mv:*" show="0">
   <p:cSld>
     <p:spTree>
@@ -35344,7 +35842,7 @@
 </p:sld>
 </file>
 
-<file path=ppt/slides/slide62.xml><?xml version="1.0" encoding="utf-8"?>
+<file path=ppt/slides/slide63.xml><?xml version="1.0" encoding="utf-8"?>
 <p:sld xmlns:a="http://schemas.openxmlformats.org/drawingml/2006/main" xmlns:r="http://schemas.openxmlformats.org/officeDocument/2006/relationships" xmlns:mc="http://schemas.openxmlformats.org/markup-compatibility/2006" xmlns:mv="urn:schemas-microsoft-com:mac:vml" xmlns:p="http://schemas.openxmlformats.org/presentationml/2006/main" mc:Ignorable="mv" mc:PreserveAttributes="mv:*" showMasterPhAnim="0">
   <p:cSld>
     <p:spTree>
@@ -36091,7 +36589,7 @@
 </p:sld>
 </file>
 
-<file path=ppt/slides/slide63.xml><?xml version="1.0" encoding="utf-8"?>
+<file path=ppt/slides/slide64.xml><?xml version="1.0" encoding="utf-8"?>
 <p:sld xmlns:a="http://schemas.openxmlformats.org/drawingml/2006/main" xmlns:r="http://schemas.openxmlformats.org/officeDocument/2006/relationships" xmlns:mc="http://schemas.openxmlformats.org/markup-compatibility/2006" xmlns:mv="urn:schemas-microsoft-com:mac:vml" xmlns:p="http://schemas.openxmlformats.org/presentationml/2006/main" mc:Ignorable="mv" mc:PreserveAttributes="mv:*">
   <p:cSld>
     <p:spTree>
@@ -36703,7 +37201,7 @@
 </p:sld>
 </file>
 
-<file path=ppt/slides/slide64.xml><?xml version="1.0" encoding="utf-8"?>
+<file path=ppt/slides/slide65.xml><?xml version="1.0" encoding="utf-8"?>
 <p:sld xmlns:a="http://schemas.openxmlformats.org/drawingml/2006/main" xmlns:r="http://schemas.openxmlformats.org/officeDocument/2006/relationships" xmlns:mc="http://schemas.openxmlformats.org/markup-compatibility/2006" xmlns:mv="urn:schemas-microsoft-com:mac:vml" xmlns:p="http://schemas.openxmlformats.org/presentationml/2006/main" mc:Ignorable="mv" mc:PreserveAttributes="mv:*">
   <p:cSld>
     <p:spTree>
@@ -37508,7 +38006,7 @@
 </p:sld>
 </file>
 
-<file path=ppt/slides/slide65.xml><?xml version="1.0" encoding="utf-8"?>
+<file path=ppt/slides/slide66.xml><?xml version="1.0" encoding="utf-8"?>
 <p:sld xmlns:a="http://schemas.openxmlformats.org/drawingml/2006/main" xmlns:r="http://schemas.openxmlformats.org/officeDocument/2006/relationships" xmlns:mc="http://schemas.openxmlformats.org/markup-compatibility/2006" xmlns:mv="urn:schemas-microsoft-com:mac:vml" xmlns:p="http://schemas.openxmlformats.org/presentationml/2006/main" mc:Ignorable="mv" mc:PreserveAttributes="mv:*">
   <p:cSld>
     <p:spTree>
@@ -38241,7 +38739,7 @@
 </p:sld>
 </file>
 
-<file path=ppt/slides/slide66.xml><?xml version="1.0" encoding="utf-8"?>
+<file path=ppt/slides/slide67.xml><?xml version="1.0" encoding="utf-8"?>
 <p:sld xmlns:a="http://schemas.openxmlformats.org/drawingml/2006/main" xmlns:r="http://schemas.openxmlformats.org/officeDocument/2006/relationships" xmlns:mc="http://schemas.openxmlformats.org/markup-compatibility/2006" xmlns:mv="urn:schemas-microsoft-com:mac:vml" xmlns:p="http://schemas.openxmlformats.org/presentationml/2006/main" mc:Ignorable="mv" mc:PreserveAttributes="mv:*">
   <p:cSld>
     <p:spTree>
